--- a/COGNEX_Timothée/DEBOXEUR_REVUFINAL_240d414 3.pptx
+++ b/COGNEX_Timothée/DEBOXEUR_REVUFINAL_240d414 3.pptx
@@ -76,8 +76,9 @@
             <a:noAutofit/>
           </a:bodyPr>
           <a:p>
+            <a:pPr algn="ctr"/>
             <a:r>
-              <a:rPr b="0" lang="fr-FR" sz="1800" spc="-1" strike="noStrike">
+              <a:rPr b="0" lang="fr-FR" sz="4400" spc="-1" strike="noStrike">
                 <a:solidFill>
                   <a:srgbClr val="000000"/>
                 </a:solidFill>
@@ -85,7 +86,7 @@
               </a:rPr>
               <a:t>Cliquez pour déplacer la diapo</a:t>
             </a:r>
-            <a:endParaRPr b="0" lang="fr-FR" sz="1800" spc="-1" strike="noStrike">
+            <a:endParaRPr b="0" lang="fr-FR" sz="4400" spc="-1" strike="noStrike">
               <a:solidFill>
                 <a:srgbClr val="000000"/>
               </a:solidFill>
@@ -354,7 +355,7 @@
             <a:pPr indent="0" algn="r">
               <a:buNone/>
             </a:pPr>
-            <a:fld id="{74F0E112-FE0D-49A9-8C3F-C7D9C8814D00}" type="slidenum">
+            <a:fld id="{66D68938-69F7-4E2D-B248-7A4917AF00EB}" type="slidenum">
               <a:rPr b="0" lang="fr-FR" sz="1400" spc="-1" strike="noStrike">
                 <a:solidFill>
                   <a:srgbClr val="000000"/>
@@ -408,7 +409,7 @@
         <p:spPr>
           <a:xfrm>
             <a:off x="685800" y="1143000"/>
-            <a:ext cx="5484600" cy="3084120"/>
+            <a:ext cx="5484240" cy="3083760"/>
           </a:xfrm>
           <a:prstGeom prst="rect">
             <a:avLst/>
@@ -431,7 +432,7 @@
         <p:spPr>
           <a:xfrm>
             <a:off x="685800" y="4400640"/>
-            <a:ext cx="5484600" cy="3598560"/>
+            <a:ext cx="5484240" cy="3598200"/>
           </a:xfrm>
           <a:prstGeom prst="rect">
             <a:avLst/>
@@ -471,7 +472,7 @@
         <p:spPr>
           <a:xfrm>
             <a:off x="3884760" y="8685360"/>
-            <a:ext cx="2970000" cy="456840"/>
+            <a:ext cx="2969640" cy="456480"/>
           </a:xfrm>
           <a:prstGeom prst="rect">
             <a:avLst/>
@@ -513,7 +514,7 @@
                 <a:tab algn="l" pos="0"/>
               </a:tabLst>
             </a:pPr>
-            <a:fld id="{6758CBDC-7970-4E55-B65F-33BEAD9A6BA8}" type="slidenum">
+            <a:fld id="{67D0FF85-D4FF-49CA-BC29-53232FEE7D06}" type="slidenum">
               <a:rPr b="0" lang="fr-FR" sz="1200" spc="-1" strike="noStrike">
                 <a:solidFill>
                   <a:srgbClr val="000000"/>
@@ -567,7 +568,7 @@
         <p:spPr>
           <a:xfrm>
             <a:off x="685800" y="1143000"/>
-            <a:ext cx="5484600" cy="3084120"/>
+            <a:ext cx="5484240" cy="3083760"/>
           </a:xfrm>
           <a:prstGeom prst="rect">
             <a:avLst/>
@@ -590,7 +591,7 @@
         <p:spPr>
           <a:xfrm>
             <a:off x="685800" y="4400640"/>
-            <a:ext cx="5484600" cy="3598560"/>
+            <a:ext cx="5484240" cy="3598200"/>
           </a:xfrm>
           <a:prstGeom prst="rect">
             <a:avLst/>
@@ -630,7 +631,7 @@
         <p:spPr>
           <a:xfrm>
             <a:off x="3884760" y="8685360"/>
-            <a:ext cx="2970000" cy="456840"/>
+            <a:ext cx="2969640" cy="456480"/>
           </a:xfrm>
           <a:prstGeom prst="rect">
             <a:avLst/>
@@ -672,7 +673,7 @@
                 <a:tab algn="l" pos="0"/>
               </a:tabLst>
             </a:pPr>
-            <a:fld id="{35B114F7-6626-4568-BA7D-BCB095039119}" type="slidenum">
+            <a:fld id="{1105EF23-8BE5-430E-84A2-FA009CF10E55}" type="slidenum">
               <a:rPr b="0" lang="fr-FR" sz="1200" spc="-1" strike="noStrike">
                 <a:solidFill>
                   <a:srgbClr val="000000"/>
@@ -726,7 +727,7 @@
         <p:spPr>
           <a:xfrm>
             <a:off x="685800" y="1143000"/>
-            <a:ext cx="5484600" cy="3084120"/>
+            <a:ext cx="5484240" cy="3083760"/>
           </a:xfrm>
           <a:prstGeom prst="rect">
             <a:avLst/>
@@ -749,7 +750,7 @@
         <p:spPr>
           <a:xfrm>
             <a:off x="685800" y="4400640"/>
-            <a:ext cx="5484600" cy="3598560"/>
+            <a:ext cx="5484240" cy="3598200"/>
           </a:xfrm>
           <a:prstGeom prst="rect">
             <a:avLst/>
@@ -789,7 +790,7 @@
         <p:spPr>
           <a:xfrm>
             <a:off x="3884760" y="8685360"/>
-            <a:ext cx="2970000" cy="456840"/>
+            <a:ext cx="2969640" cy="456480"/>
           </a:xfrm>
           <a:prstGeom prst="rect">
             <a:avLst/>
@@ -831,7 +832,7 @@
                 <a:tab algn="l" pos="0"/>
               </a:tabLst>
             </a:pPr>
-            <a:fld id="{44096DA9-51F2-4C66-8C9E-AE137FC534AF}" type="slidenum">
+            <a:fld id="{78DB82CC-3580-43A0-9AAA-664D7F02BEBE}" type="slidenum">
               <a:rPr b="0" lang="fr-FR" sz="1200" spc="-1" strike="noStrike">
                 <a:solidFill>
                   <a:srgbClr val="000000"/>
@@ -885,7 +886,7 @@
         <p:spPr>
           <a:xfrm>
             <a:off x="685800" y="1143000"/>
-            <a:ext cx="5484600" cy="3084120"/>
+            <a:ext cx="5484240" cy="3083760"/>
           </a:xfrm>
           <a:prstGeom prst="rect">
             <a:avLst/>
@@ -908,7 +909,7 @@
         <p:spPr>
           <a:xfrm>
             <a:off x="685800" y="4400640"/>
-            <a:ext cx="5484600" cy="3598560"/>
+            <a:ext cx="5484240" cy="3598200"/>
           </a:xfrm>
           <a:prstGeom prst="rect">
             <a:avLst/>
@@ -948,7 +949,7 @@
         <p:spPr>
           <a:xfrm>
             <a:off x="3884760" y="8685360"/>
-            <a:ext cx="2970000" cy="456840"/>
+            <a:ext cx="2969640" cy="456480"/>
           </a:xfrm>
           <a:prstGeom prst="rect">
             <a:avLst/>
@@ -990,7 +991,7 @@
                 <a:tab algn="l" pos="0"/>
               </a:tabLst>
             </a:pPr>
-            <a:fld id="{501EF371-CEB9-45C3-B38B-8F206EFF120E}" type="slidenum">
+            <a:fld id="{4A0961D1-7F06-4D4C-8283-36C540ED88B6}" type="slidenum">
               <a:rPr b="0" lang="fr-FR" sz="1200" spc="-1" strike="noStrike">
                 <a:solidFill>
                   <a:srgbClr val="000000"/>
@@ -1044,7 +1045,7 @@
         <p:spPr>
           <a:xfrm>
             <a:off x="685800" y="1143000"/>
-            <a:ext cx="5484600" cy="3084480"/>
+            <a:ext cx="5484240" cy="3084120"/>
           </a:xfrm>
           <a:prstGeom prst="rect">
             <a:avLst/>
@@ -1067,7 +1068,7 @@
         <p:spPr>
           <a:xfrm>
             <a:off x="685800" y="4400640"/>
-            <a:ext cx="5484600" cy="3598560"/>
+            <a:ext cx="5484240" cy="3598200"/>
           </a:xfrm>
           <a:prstGeom prst="rect">
             <a:avLst/>
@@ -1107,7 +1108,7 @@
         <p:spPr>
           <a:xfrm>
             <a:off x="3884760" y="8685360"/>
-            <a:ext cx="2970000" cy="456840"/>
+            <a:ext cx="2969640" cy="456480"/>
           </a:xfrm>
           <a:prstGeom prst="rect">
             <a:avLst/>
@@ -1149,7 +1150,7 @@
                 <a:tab algn="l" pos="0"/>
               </a:tabLst>
             </a:pPr>
-            <a:fld id="{5E9DD947-C174-471B-945D-9F69EF290442}" type="slidenum">
+            <a:fld id="{163B1579-2BA1-4286-85D3-AFA146557318}" type="slidenum">
               <a:rPr b="0" lang="fr-FR" sz="1200" spc="-1" strike="noStrike">
                 <a:solidFill>
                   <a:srgbClr val="000000"/>
@@ -1203,7 +1204,7 @@
         <p:spPr>
           <a:xfrm>
             <a:off x="685800" y="1143000"/>
-            <a:ext cx="5484600" cy="3084480"/>
+            <a:ext cx="5484240" cy="3084120"/>
           </a:xfrm>
           <a:prstGeom prst="rect">
             <a:avLst/>
@@ -1226,7 +1227,7 @@
         <p:spPr>
           <a:xfrm>
             <a:off x="685800" y="4400640"/>
-            <a:ext cx="5484600" cy="3598560"/>
+            <a:ext cx="5484240" cy="3598200"/>
           </a:xfrm>
           <a:prstGeom prst="rect">
             <a:avLst/>
@@ -1266,7 +1267,7 @@
         <p:spPr>
           <a:xfrm>
             <a:off x="3884760" y="8685360"/>
-            <a:ext cx="2970000" cy="456840"/>
+            <a:ext cx="2969640" cy="456480"/>
           </a:xfrm>
           <a:prstGeom prst="rect">
             <a:avLst/>
@@ -1308,7 +1309,7 @@
                 <a:tab algn="l" pos="0"/>
               </a:tabLst>
             </a:pPr>
-            <a:fld id="{24F4D571-51E8-4551-B5D0-D5D82FC4EF98}" type="slidenum">
+            <a:fld id="{E6289F0D-8A3C-4C1B-B080-9426CEE4470F}" type="slidenum">
               <a:rPr b="0" lang="fr-FR" sz="1200" spc="-1" strike="noStrike">
                 <a:solidFill>
                   <a:srgbClr val="000000"/>
@@ -1362,7 +1363,7 @@
         <p:spPr>
           <a:xfrm>
             <a:off x="685800" y="1143000"/>
-            <a:ext cx="5484600" cy="3084480"/>
+            <a:ext cx="5484240" cy="3084120"/>
           </a:xfrm>
           <a:prstGeom prst="rect">
             <a:avLst/>
@@ -1385,7 +1386,7 @@
         <p:spPr>
           <a:xfrm>
             <a:off x="685800" y="4400640"/>
-            <a:ext cx="5484600" cy="3598560"/>
+            <a:ext cx="5484240" cy="3598200"/>
           </a:xfrm>
           <a:prstGeom prst="rect">
             <a:avLst/>
@@ -1425,7 +1426,7 @@
         <p:spPr>
           <a:xfrm>
             <a:off x="3884760" y="8685360"/>
-            <a:ext cx="2970000" cy="456840"/>
+            <a:ext cx="2969640" cy="456480"/>
           </a:xfrm>
           <a:prstGeom prst="rect">
             <a:avLst/>
@@ -1467,7 +1468,7 @@
                 <a:tab algn="l" pos="0"/>
               </a:tabLst>
             </a:pPr>
-            <a:fld id="{5EFD7C7F-6BB9-41F1-820D-149FA77A01F4}" type="slidenum">
+            <a:fld id="{A3C707B0-4BFE-49D2-A1BF-681AD4D30894}" type="slidenum">
               <a:rPr b="0" lang="fr-FR" sz="1200" spc="-1" strike="noStrike">
                 <a:solidFill>
                   <a:srgbClr val="000000"/>
@@ -1521,7 +1522,7 @@
         <p:spPr>
           <a:xfrm>
             <a:off x="685800" y="1143000"/>
-            <a:ext cx="5484600" cy="3084480"/>
+            <a:ext cx="5484240" cy="3084120"/>
           </a:xfrm>
           <a:prstGeom prst="rect">
             <a:avLst/>
@@ -1544,7 +1545,7 @@
         <p:spPr>
           <a:xfrm>
             <a:off x="685800" y="4400640"/>
-            <a:ext cx="5484600" cy="3598560"/>
+            <a:ext cx="5484240" cy="3598200"/>
           </a:xfrm>
           <a:prstGeom prst="rect">
             <a:avLst/>
@@ -1584,7 +1585,7 @@
         <p:spPr>
           <a:xfrm>
             <a:off x="3884760" y="8685360"/>
-            <a:ext cx="2970000" cy="456840"/>
+            <a:ext cx="2969640" cy="456480"/>
           </a:xfrm>
           <a:prstGeom prst="rect">
             <a:avLst/>
@@ -1626,7 +1627,7 @@
                 <a:tab algn="l" pos="0"/>
               </a:tabLst>
             </a:pPr>
-            <a:fld id="{35842BA7-A3BF-4E32-8B1F-D558F2C1B06F}" type="slidenum">
+            <a:fld id="{5E62D4E1-ED75-4B82-8A35-F2BA2FB583A1}" type="slidenum">
               <a:rPr b="0" lang="fr-FR" sz="1200" spc="-1" strike="noStrike">
                 <a:solidFill>
                   <a:srgbClr val="000000"/>
@@ -1680,7 +1681,7 @@
         <p:spPr>
           <a:xfrm>
             <a:off x="685800" y="1143000"/>
-            <a:ext cx="5484600" cy="3084480"/>
+            <a:ext cx="5484240" cy="3084120"/>
           </a:xfrm>
           <a:prstGeom prst="rect">
             <a:avLst/>
@@ -1703,7 +1704,7 @@
         <p:spPr>
           <a:xfrm>
             <a:off x="685800" y="4400640"/>
-            <a:ext cx="5484600" cy="3598560"/>
+            <a:ext cx="5484240" cy="3598200"/>
           </a:xfrm>
           <a:prstGeom prst="rect">
             <a:avLst/>
@@ -1743,7 +1744,7 @@
         <p:spPr>
           <a:xfrm>
             <a:off x="3884760" y="8685360"/>
-            <a:ext cx="2970000" cy="456840"/>
+            <a:ext cx="2969640" cy="456480"/>
           </a:xfrm>
           <a:prstGeom prst="rect">
             <a:avLst/>
@@ -1785,7 +1786,7 @@
                 <a:tab algn="l" pos="0"/>
               </a:tabLst>
             </a:pPr>
-            <a:fld id="{22AF13A6-3823-48E2-A14A-100516CD3758}" type="slidenum">
+            <a:fld id="{244FBE54-1726-41BE-A717-8D33AFDF85B5}" type="slidenum">
               <a:rPr b="0" lang="fr-FR" sz="1200" spc="-1" strike="noStrike">
                 <a:solidFill>
                   <a:srgbClr val="000000"/>
@@ -1839,7 +1840,7 @@
         <p:spPr>
           <a:xfrm>
             <a:off x="685800" y="1143000"/>
-            <a:ext cx="5484600" cy="3084120"/>
+            <a:ext cx="5484240" cy="3083760"/>
           </a:xfrm>
           <a:prstGeom prst="rect">
             <a:avLst/>
@@ -1862,7 +1863,7 @@
         <p:spPr>
           <a:xfrm>
             <a:off x="685800" y="4400640"/>
-            <a:ext cx="5484600" cy="3598560"/>
+            <a:ext cx="5484240" cy="3598200"/>
           </a:xfrm>
           <a:prstGeom prst="rect">
             <a:avLst/>
@@ -1902,7 +1903,7 @@
         <p:spPr>
           <a:xfrm>
             <a:off x="3884760" y="8685360"/>
-            <a:ext cx="2970000" cy="456840"/>
+            <a:ext cx="2969640" cy="456480"/>
           </a:xfrm>
           <a:prstGeom prst="rect">
             <a:avLst/>
@@ -1944,7 +1945,7 @@
                 <a:tab algn="l" pos="0"/>
               </a:tabLst>
             </a:pPr>
-            <a:fld id="{AFDEB979-D54C-450C-9114-0CB073CEAB1E}" type="slidenum">
+            <a:fld id="{BA066BE0-903B-4B9E-B441-41323F7A1421}" type="slidenum">
               <a:rPr b="0" lang="fr-FR" sz="1200" spc="-1" strike="noStrike">
                 <a:solidFill>
                   <a:srgbClr val="000000"/>
@@ -1998,7 +1999,7 @@
         <p:spPr>
           <a:xfrm>
             <a:off x="685800" y="1143000"/>
-            <a:ext cx="5484600" cy="3084480"/>
+            <a:ext cx="5484240" cy="3084120"/>
           </a:xfrm>
           <a:prstGeom prst="rect">
             <a:avLst/>
@@ -2021,7 +2022,7 @@
         <p:spPr>
           <a:xfrm>
             <a:off x="685800" y="4400640"/>
-            <a:ext cx="5484600" cy="3598560"/>
+            <a:ext cx="5484240" cy="3598200"/>
           </a:xfrm>
           <a:prstGeom prst="rect">
             <a:avLst/>
@@ -2061,7 +2062,7 @@
         <p:spPr>
           <a:xfrm>
             <a:off x="3884760" y="8685360"/>
-            <a:ext cx="2970000" cy="456840"/>
+            <a:ext cx="2969640" cy="456480"/>
           </a:xfrm>
           <a:prstGeom prst="rect">
             <a:avLst/>
@@ -2103,7 +2104,7 @@
                 <a:tab algn="l" pos="0"/>
               </a:tabLst>
             </a:pPr>
-            <a:fld id="{E1624B4D-1D05-4170-8208-332FC40A7B79}" type="slidenum">
+            <a:fld id="{74824CDD-EE2D-4313-A857-0BB49DBCAEE7}" type="slidenum">
               <a:rPr b="0" lang="fr-FR" sz="1200" spc="-1" strike="noStrike">
                 <a:solidFill>
                   <a:srgbClr val="000000"/>
@@ -2157,7 +2158,7 @@
         <p:spPr>
           <a:xfrm>
             <a:off x="685800" y="1143000"/>
-            <a:ext cx="5484600" cy="3084120"/>
+            <a:ext cx="5484240" cy="3083760"/>
           </a:xfrm>
           <a:prstGeom prst="rect">
             <a:avLst/>
@@ -2180,7 +2181,7 @@
         <p:spPr>
           <a:xfrm>
             <a:off x="685800" y="4400640"/>
-            <a:ext cx="5484600" cy="3598560"/>
+            <a:ext cx="5484240" cy="3598200"/>
           </a:xfrm>
           <a:prstGeom prst="rect">
             <a:avLst/>
@@ -2220,7 +2221,7 @@
         <p:spPr>
           <a:xfrm>
             <a:off x="3884760" y="8685360"/>
-            <a:ext cx="2970000" cy="456840"/>
+            <a:ext cx="2969640" cy="456480"/>
           </a:xfrm>
           <a:prstGeom prst="rect">
             <a:avLst/>
@@ -2262,7 +2263,7 @@
                 <a:tab algn="l" pos="0"/>
               </a:tabLst>
             </a:pPr>
-            <a:fld id="{5C73FD8A-F611-4810-8BD5-3B6B1F8B91A6}" type="slidenum">
+            <a:fld id="{E237DDEA-F2AE-4AD0-985C-5E21F14051AB}" type="slidenum">
               <a:rPr b="0" lang="fr-FR" sz="1200" spc="-1" strike="noStrike">
                 <a:solidFill>
                   <a:srgbClr val="000000"/>
@@ -2316,7 +2317,7 @@
         <p:spPr>
           <a:xfrm>
             <a:off x="685800" y="1143000"/>
-            <a:ext cx="5484600" cy="3084120"/>
+            <a:ext cx="5484240" cy="3083760"/>
           </a:xfrm>
           <a:prstGeom prst="rect">
             <a:avLst/>
@@ -2339,7 +2340,7 @@
         <p:spPr>
           <a:xfrm>
             <a:off x="685800" y="4400640"/>
-            <a:ext cx="5484600" cy="3598560"/>
+            <a:ext cx="5484240" cy="3598200"/>
           </a:xfrm>
           <a:prstGeom prst="rect">
             <a:avLst/>
@@ -2379,7 +2380,7 @@
         <p:spPr>
           <a:xfrm>
             <a:off x="3884760" y="8685360"/>
-            <a:ext cx="2970000" cy="456840"/>
+            <a:ext cx="2969640" cy="456480"/>
           </a:xfrm>
           <a:prstGeom prst="rect">
             <a:avLst/>
@@ -2421,7 +2422,7 @@
                 <a:tab algn="l" pos="0"/>
               </a:tabLst>
             </a:pPr>
-            <a:fld id="{694B1E53-22A4-414C-BFA2-DCE453028A6C}" type="slidenum">
+            <a:fld id="{BFEF5C5D-FA6A-4CB8-AC41-C021BF175956}" type="slidenum">
               <a:rPr b="0" lang="fr-FR" sz="1200" spc="-1" strike="noStrike">
                 <a:solidFill>
                   <a:srgbClr val="000000"/>
@@ -2496,7 +2497,7 @@
         <p:txBody>
           <a:bodyPr/>
           <a:p>
-            <a:fld id="{4D6443F6-CE94-4337-93F6-F588C41CB266}" type="slidenum">
+            <a:fld id="{53EA5AC4-8F45-448F-ACD2-6ED2E3B013AF}" type="slidenum">
               <a:t>&lt;#&gt;</a:t>
             </a:fld>
           </a:p>
@@ -2573,10 +2574,10 @@
             <a:noAutofit/>
           </a:bodyPr>
           <a:p>
-            <a:pPr indent="0">
+            <a:pPr indent="0" algn="ctr">
               <a:buNone/>
             </a:pPr>
-            <a:endParaRPr b="0" lang="fr-FR" sz="1800" spc="-1" strike="noStrike">
+            <a:endParaRPr b="0" lang="fr-FR" sz="4400" spc="-1" strike="noStrike">
               <a:solidFill>
                 <a:srgbClr val="000000"/>
               </a:solidFill>
@@ -2614,15 +2615,12 @@
           </a:bodyPr>
           <a:p>
             <a:pPr indent="0">
-              <a:lnSpc>
-                <a:spcPct val="90000"/>
-              </a:lnSpc>
               <a:spcBef>
                 <a:spcPts val="1417"/>
               </a:spcBef>
               <a:buNone/>
             </a:pPr>
-            <a:endParaRPr b="0" lang="fr-FR" sz="2800" spc="-1" strike="noStrike">
+            <a:endParaRPr b="0" lang="fr-FR" sz="3200" spc="-1" strike="noStrike">
               <a:solidFill>
                 <a:srgbClr val="000000"/>
               </a:solidFill>
@@ -2660,15 +2658,12 @@
           </a:bodyPr>
           <a:p>
             <a:pPr indent="0">
-              <a:lnSpc>
-                <a:spcPct val="90000"/>
-              </a:lnSpc>
               <a:spcBef>
                 <a:spcPts val="1417"/>
               </a:spcBef>
               <a:buNone/>
             </a:pPr>
-            <a:endParaRPr b="0" lang="fr-FR" sz="2800" spc="-1" strike="noStrike">
+            <a:endParaRPr b="0" lang="fr-FR" sz="3200" spc="-1" strike="noStrike">
               <a:solidFill>
                 <a:srgbClr val="000000"/>
               </a:solidFill>
@@ -2711,7 +2706,7 @@
         <p:txBody>
           <a:bodyPr/>
           <a:p>
-            <a:fld id="{E70BB95D-CF9F-4B27-A428-97157B59B70E}" type="slidenum">
+            <a:fld id="{5DEF91DC-3718-4D63-BF67-3A89B2FAD75D}" type="slidenum">
               <a:t>&lt;#&gt;</a:t>
             </a:fld>
           </a:p>
@@ -2788,10 +2783,10 @@
             <a:noAutofit/>
           </a:bodyPr>
           <a:p>
-            <a:pPr indent="0">
+            <a:pPr indent="0" algn="ctr">
               <a:buNone/>
             </a:pPr>
-            <a:endParaRPr b="0" lang="fr-FR" sz="1800" spc="-1" strike="noStrike">
+            <a:endParaRPr b="0" lang="fr-FR" sz="4400" spc="-1" strike="noStrike">
               <a:solidFill>
                 <a:srgbClr val="000000"/>
               </a:solidFill>
@@ -2829,15 +2824,12 @@
           </a:bodyPr>
           <a:p>
             <a:pPr indent="0">
-              <a:lnSpc>
-                <a:spcPct val="90000"/>
-              </a:lnSpc>
               <a:spcBef>
                 <a:spcPts val="1417"/>
               </a:spcBef>
               <a:buNone/>
             </a:pPr>
-            <a:endParaRPr b="0" lang="fr-FR" sz="2800" spc="-1" strike="noStrike">
+            <a:endParaRPr b="0" lang="fr-FR" sz="3200" spc="-1" strike="noStrike">
               <a:solidFill>
                 <a:srgbClr val="000000"/>
               </a:solidFill>
@@ -2875,15 +2867,12 @@
           </a:bodyPr>
           <a:p>
             <a:pPr indent="0">
-              <a:lnSpc>
-                <a:spcPct val="90000"/>
-              </a:lnSpc>
               <a:spcBef>
                 <a:spcPts val="1417"/>
               </a:spcBef>
               <a:buNone/>
             </a:pPr>
-            <a:endParaRPr b="0" lang="fr-FR" sz="2800" spc="-1" strike="noStrike">
+            <a:endParaRPr b="0" lang="fr-FR" sz="3200" spc="-1" strike="noStrike">
               <a:solidFill>
                 <a:srgbClr val="000000"/>
               </a:solidFill>
@@ -2921,15 +2910,12 @@
           </a:bodyPr>
           <a:p>
             <a:pPr indent="0">
-              <a:lnSpc>
-                <a:spcPct val="90000"/>
-              </a:lnSpc>
               <a:spcBef>
                 <a:spcPts val="1417"/>
               </a:spcBef>
               <a:buNone/>
             </a:pPr>
-            <a:endParaRPr b="0" lang="fr-FR" sz="2800" spc="-1" strike="noStrike">
+            <a:endParaRPr b="0" lang="fr-FR" sz="3200" spc="-1" strike="noStrike">
               <a:solidFill>
                 <a:srgbClr val="000000"/>
               </a:solidFill>
@@ -2967,15 +2953,12 @@
           </a:bodyPr>
           <a:p>
             <a:pPr indent="0">
-              <a:lnSpc>
-                <a:spcPct val="90000"/>
-              </a:lnSpc>
               <a:spcBef>
                 <a:spcPts val="1417"/>
               </a:spcBef>
               <a:buNone/>
             </a:pPr>
-            <a:endParaRPr b="0" lang="fr-FR" sz="2800" spc="-1" strike="noStrike">
+            <a:endParaRPr b="0" lang="fr-FR" sz="3200" spc="-1" strike="noStrike">
               <a:solidFill>
                 <a:srgbClr val="000000"/>
               </a:solidFill>
@@ -3018,7 +3001,7 @@
         <p:txBody>
           <a:bodyPr/>
           <a:p>
-            <a:fld id="{A93FCC0A-FB22-429A-ADC7-D4F3D4541F9E}" type="slidenum">
+            <a:fld id="{CC9431BF-3E0C-4793-9522-1057B743DF6D}" type="slidenum">
               <a:t>&lt;#&gt;</a:t>
             </a:fld>
           </a:p>
@@ -3095,10 +3078,10 @@
             <a:noAutofit/>
           </a:bodyPr>
           <a:p>
-            <a:pPr indent="0">
+            <a:pPr indent="0" algn="ctr">
               <a:buNone/>
             </a:pPr>
-            <a:endParaRPr b="0" lang="fr-FR" sz="1800" spc="-1" strike="noStrike">
+            <a:endParaRPr b="0" lang="fr-FR" sz="4400" spc="-1" strike="noStrike">
               <a:solidFill>
                 <a:srgbClr val="000000"/>
               </a:solidFill>
@@ -3136,15 +3119,12 @@
           </a:bodyPr>
           <a:p>
             <a:pPr indent="0">
-              <a:lnSpc>
-                <a:spcPct val="90000"/>
-              </a:lnSpc>
               <a:spcBef>
                 <a:spcPts val="1417"/>
               </a:spcBef>
               <a:buNone/>
             </a:pPr>
-            <a:endParaRPr b="0" lang="fr-FR" sz="2800" spc="-1" strike="noStrike">
+            <a:endParaRPr b="0" lang="fr-FR" sz="3200" spc="-1" strike="noStrike">
               <a:solidFill>
                 <a:srgbClr val="000000"/>
               </a:solidFill>
@@ -3182,15 +3162,12 @@
           </a:bodyPr>
           <a:p>
             <a:pPr indent="0">
-              <a:lnSpc>
-                <a:spcPct val="90000"/>
-              </a:lnSpc>
               <a:spcBef>
                 <a:spcPts val="1417"/>
               </a:spcBef>
               <a:buNone/>
             </a:pPr>
-            <a:endParaRPr b="0" lang="fr-FR" sz="2800" spc="-1" strike="noStrike">
+            <a:endParaRPr b="0" lang="fr-FR" sz="3200" spc="-1" strike="noStrike">
               <a:solidFill>
                 <a:srgbClr val="000000"/>
               </a:solidFill>
@@ -3228,15 +3205,12 @@
           </a:bodyPr>
           <a:p>
             <a:pPr indent="0">
-              <a:lnSpc>
-                <a:spcPct val="90000"/>
-              </a:lnSpc>
               <a:spcBef>
                 <a:spcPts val="1417"/>
               </a:spcBef>
               <a:buNone/>
             </a:pPr>
-            <a:endParaRPr b="0" lang="fr-FR" sz="2800" spc="-1" strike="noStrike">
+            <a:endParaRPr b="0" lang="fr-FR" sz="3200" spc="-1" strike="noStrike">
               <a:solidFill>
                 <a:srgbClr val="000000"/>
               </a:solidFill>
@@ -3274,15 +3248,12 @@
           </a:bodyPr>
           <a:p>
             <a:pPr indent="0">
-              <a:lnSpc>
-                <a:spcPct val="90000"/>
-              </a:lnSpc>
               <a:spcBef>
                 <a:spcPts val="1417"/>
               </a:spcBef>
               <a:buNone/>
             </a:pPr>
-            <a:endParaRPr b="0" lang="fr-FR" sz="2800" spc="-1" strike="noStrike">
+            <a:endParaRPr b="0" lang="fr-FR" sz="3200" spc="-1" strike="noStrike">
               <a:solidFill>
                 <a:srgbClr val="000000"/>
               </a:solidFill>
@@ -3320,15 +3291,12 @@
           </a:bodyPr>
           <a:p>
             <a:pPr indent="0">
-              <a:lnSpc>
-                <a:spcPct val="90000"/>
-              </a:lnSpc>
               <a:spcBef>
                 <a:spcPts val="1417"/>
               </a:spcBef>
               <a:buNone/>
             </a:pPr>
-            <a:endParaRPr b="0" lang="fr-FR" sz="2800" spc="-1" strike="noStrike">
+            <a:endParaRPr b="0" lang="fr-FR" sz="3200" spc="-1" strike="noStrike">
               <a:solidFill>
                 <a:srgbClr val="000000"/>
               </a:solidFill>
@@ -3366,15 +3334,12 @@
           </a:bodyPr>
           <a:p>
             <a:pPr indent="0">
-              <a:lnSpc>
-                <a:spcPct val="90000"/>
-              </a:lnSpc>
               <a:spcBef>
                 <a:spcPts val="1417"/>
               </a:spcBef>
               <a:buNone/>
             </a:pPr>
-            <a:endParaRPr b="0" lang="fr-FR" sz="2800" spc="-1" strike="noStrike">
+            <a:endParaRPr b="0" lang="fr-FR" sz="3200" spc="-1" strike="noStrike">
               <a:solidFill>
                 <a:srgbClr val="000000"/>
               </a:solidFill>
@@ -3417,7 +3382,7 @@
         <p:txBody>
           <a:bodyPr/>
           <a:p>
-            <a:fld id="{C6789437-9C94-49D1-BE2A-6F9B4AEED910}" type="slidenum">
+            <a:fld id="{CB131E7E-2E71-4144-A485-77592DB8BE29}" type="slidenum">
               <a:t>&lt;#&gt;</a:t>
             </a:fld>
           </a:p>
@@ -3494,10 +3459,10 @@
             <a:noAutofit/>
           </a:bodyPr>
           <a:p>
-            <a:pPr indent="0">
+            <a:pPr indent="0" algn="ctr">
               <a:buNone/>
             </a:pPr>
-            <a:endParaRPr b="0" lang="fr-FR" sz="1800" spc="-1" strike="noStrike">
+            <a:endParaRPr b="0" lang="fr-FR" sz="4400" spc="-1" strike="noStrike">
               <a:solidFill>
                 <a:srgbClr val="000000"/>
               </a:solidFill>
@@ -3580,7 +3545,7 @@
         <p:txBody>
           <a:bodyPr/>
           <a:p>
-            <a:fld id="{8C0A2225-C38B-449C-9193-9EF62E42DE71}" type="slidenum">
+            <a:fld id="{CAA2D08B-8477-4E73-87FB-71639C9C51CA}" type="slidenum">
               <a:t>&lt;#&gt;</a:t>
             </a:fld>
           </a:p>
@@ -3657,10 +3622,10 @@
             <a:noAutofit/>
           </a:bodyPr>
           <a:p>
-            <a:pPr indent="0">
+            <a:pPr indent="0" algn="ctr">
               <a:buNone/>
             </a:pPr>
-            <a:endParaRPr b="0" lang="fr-FR" sz="1800" spc="-1" strike="noStrike">
+            <a:endParaRPr b="0" lang="fr-FR" sz="4400" spc="-1" strike="noStrike">
               <a:solidFill>
                 <a:srgbClr val="000000"/>
               </a:solidFill>
@@ -3698,15 +3663,12 @@
           </a:bodyPr>
           <a:p>
             <a:pPr indent="0">
-              <a:lnSpc>
-                <a:spcPct val="90000"/>
-              </a:lnSpc>
               <a:spcBef>
                 <a:spcPts val="1417"/>
               </a:spcBef>
               <a:buNone/>
             </a:pPr>
-            <a:endParaRPr b="0" lang="fr-FR" sz="2800" spc="-1" strike="noStrike">
+            <a:endParaRPr b="0" lang="fr-FR" sz="3200" spc="-1" strike="noStrike">
               <a:solidFill>
                 <a:srgbClr val="000000"/>
               </a:solidFill>
@@ -3749,7 +3711,7 @@
         <p:txBody>
           <a:bodyPr/>
           <a:p>
-            <a:fld id="{B48C982F-CA5C-48C5-B97B-AA5BB6A91FB0}" type="slidenum">
+            <a:fld id="{9DE954C7-E377-4E2C-8919-DD73FB12AF39}" type="slidenum">
               <a:t>&lt;#&gt;</a:t>
             </a:fld>
           </a:p>
@@ -3826,10 +3788,10 @@
             <a:noAutofit/>
           </a:bodyPr>
           <a:p>
-            <a:pPr indent="0">
+            <a:pPr indent="0" algn="ctr">
               <a:buNone/>
             </a:pPr>
-            <a:endParaRPr b="0" lang="fr-FR" sz="1800" spc="-1" strike="noStrike">
+            <a:endParaRPr b="0" lang="fr-FR" sz="4400" spc="-1" strike="noStrike">
               <a:solidFill>
                 <a:srgbClr val="000000"/>
               </a:solidFill>
@@ -3867,15 +3829,12 @@
           </a:bodyPr>
           <a:p>
             <a:pPr indent="0">
-              <a:lnSpc>
-                <a:spcPct val="90000"/>
-              </a:lnSpc>
               <a:spcBef>
                 <a:spcPts val="1417"/>
               </a:spcBef>
               <a:buNone/>
             </a:pPr>
-            <a:endParaRPr b="0" lang="fr-FR" sz="2800" spc="-1" strike="noStrike">
+            <a:endParaRPr b="0" lang="fr-FR" sz="3200" spc="-1" strike="noStrike">
               <a:solidFill>
                 <a:srgbClr val="000000"/>
               </a:solidFill>
@@ -3913,15 +3872,12 @@
           </a:bodyPr>
           <a:p>
             <a:pPr indent="0">
-              <a:lnSpc>
-                <a:spcPct val="90000"/>
-              </a:lnSpc>
               <a:spcBef>
                 <a:spcPts val="1417"/>
               </a:spcBef>
               <a:buNone/>
             </a:pPr>
-            <a:endParaRPr b="0" lang="fr-FR" sz="2800" spc="-1" strike="noStrike">
+            <a:endParaRPr b="0" lang="fr-FR" sz="3200" spc="-1" strike="noStrike">
               <a:solidFill>
                 <a:srgbClr val="000000"/>
               </a:solidFill>
@@ -3964,7 +3920,7 @@
         <p:txBody>
           <a:bodyPr/>
           <a:p>
-            <a:fld id="{C83FDCAC-9526-43A9-9CC9-82BDD5ED160D}" type="slidenum">
+            <a:fld id="{D3F54677-3DC8-4869-8C7F-DA9069748078}" type="slidenum">
               <a:t>&lt;#&gt;</a:t>
             </a:fld>
           </a:p>
@@ -4041,10 +3997,10 @@
             <a:noAutofit/>
           </a:bodyPr>
           <a:p>
-            <a:pPr indent="0">
+            <a:pPr indent="0" algn="ctr">
               <a:buNone/>
             </a:pPr>
-            <a:endParaRPr b="0" lang="fr-FR" sz="1800" spc="-1" strike="noStrike">
+            <a:endParaRPr b="0" lang="fr-FR" sz="4400" spc="-1" strike="noStrike">
               <a:solidFill>
                 <a:srgbClr val="000000"/>
               </a:solidFill>
@@ -4087,7 +4043,7 @@
         <p:txBody>
           <a:bodyPr/>
           <a:p>
-            <a:fld id="{05350E81-71A5-4395-9ECE-F72421579410}" type="slidenum">
+            <a:fld id="{35C526C0-D872-4BAB-86B3-47069D931154}" type="slidenum">
               <a:t>&lt;#&gt;</a:t>
             </a:fld>
           </a:p>
@@ -4208,7 +4164,7 @@
         <p:txBody>
           <a:bodyPr/>
           <a:p>
-            <a:fld id="{8DECE178-AD52-47A9-A6A8-CA0AF3FA9844}" type="slidenum">
+            <a:fld id="{AF44DB82-938A-405F-A077-1B11B79B87CD}" type="slidenum">
               <a:t>&lt;#&gt;</a:t>
             </a:fld>
           </a:p>
@@ -4285,10 +4241,10 @@
             <a:noAutofit/>
           </a:bodyPr>
           <a:p>
-            <a:pPr indent="0">
+            <a:pPr indent="0" algn="ctr">
               <a:buNone/>
             </a:pPr>
-            <a:endParaRPr b="0" lang="fr-FR" sz="1800" spc="-1" strike="noStrike">
+            <a:endParaRPr b="0" lang="fr-FR" sz="4400" spc="-1" strike="noStrike">
               <a:solidFill>
                 <a:srgbClr val="000000"/>
               </a:solidFill>
@@ -4326,15 +4282,12 @@
           </a:bodyPr>
           <a:p>
             <a:pPr indent="0">
-              <a:lnSpc>
-                <a:spcPct val="90000"/>
-              </a:lnSpc>
               <a:spcBef>
                 <a:spcPts val="1417"/>
               </a:spcBef>
               <a:buNone/>
             </a:pPr>
-            <a:endParaRPr b="0" lang="fr-FR" sz="2800" spc="-1" strike="noStrike">
+            <a:endParaRPr b="0" lang="fr-FR" sz="3200" spc="-1" strike="noStrike">
               <a:solidFill>
                 <a:srgbClr val="000000"/>
               </a:solidFill>
@@ -4372,15 +4325,12 @@
           </a:bodyPr>
           <a:p>
             <a:pPr indent="0">
-              <a:lnSpc>
-                <a:spcPct val="90000"/>
-              </a:lnSpc>
               <a:spcBef>
                 <a:spcPts val="1417"/>
               </a:spcBef>
               <a:buNone/>
             </a:pPr>
-            <a:endParaRPr b="0" lang="fr-FR" sz="2800" spc="-1" strike="noStrike">
+            <a:endParaRPr b="0" lang="fr-FR" sz="3200" spc="-1" strike="noStrike">
               <a:solidFill>
                 <a:srgbClr val="000000"/>
               </a:solidFill>
@@ -4418,15 +4368,12 @@
           </a:bodyPr>
           <a:p>
             <a:pPr indent="0">
-              <a:lnSpc>
-                <a:spcPct val="90000"/>
-              </a:lnSpc>
               <a:spcBef>
                 <a:spcPts val="1417"/>
               </a:spcBef>
               <a:buNone/>
             </a:pPr>
-            <a:endParaRPr b="0" lang="fr-FR" sz="2800" spc="-1" strike="noStrike">
+            <a:endParaRPr b="0" lang="fr-FR" sz="3200" spc="-1" strike="noStrike">
               <a:solidFill>
                 <a:srgbClr val="000000"/>
               </a:solidFill>
@@ -4469,7 +4416,7 @@
         <p:txBody>
           <a:bodyPr/>
           <a:p>
-            <a:fld id="{BC63EF63-13E4-40B8-8D19-38B88FEFF20A}" type="slidenum">
+            <a:fld id="{F3019CE1-A195-4ECF-A9A1-8A83200A5015}" type="slidenum">
               <a:t>&lt;#&gt;</a:t>
             </a:fld>
           </a:p>
@@ -4546,10 +4493,10 @@
             <a:noAutofit/>
           </a:bodyPr>
           <a:p>
-            <a:pPr indent="0">
+            <a:pPr indent="0" algn="ctr">
               <a:buNone/>
             </a:pPr>
-            <a:endParaRPr b="0" lang="fr-FR" sz="1800" spc="-1" strike="noStrike">
+            <a:endParaRPr b="0" lang="fr-FR" sz="4400" spc="-1" strike="noStrike">
               <a:solidFill>
                 <a:srgbClr val="000000"/>
               </a:solidFill>
@@ -4587,15 +4534,12 @@
           </a:bodyPr>
           <a:p>
             <a:pPr indent="0">
-              <a:lnSpc>
-                <a:spcPct val="90000"/>
-              </a:lnSpc>
               <a:spcBef>
                 <a:spcPts val="1417"/>
               </a:spcBef>
               <a:buNone/>
             </a:pPr>
-            <a:endParaRPr b="0" lang="fr-FR" sz="2800" spc="-1" strike="noStrike">
+            <a:endParaRPr b="0" lang="fr-FR" sz="3200" spc="-1" strike="noStrike">
               <a:solidFill>
                 <a:srgbClr val="000000"/>
               </a:solidFill>
@@ -4633,15 +4577,12 @@
           </a:bodyPr>
           <a:p>
             <a:pPr indent="0">
-              <a:lnSpc>
-                <a:spcPct val="90000"/>
-              </a:lnSpc>
               <a:spcBef>
                 <a:spcPts val="1417"/>
               </a:spcBef>
               <a:buNone/>
             </a:pPr>
-            <a:endParaRPr b="0" lang="fr-FR" sz="2800" spc="-1" strike="noStrike">
+            <a:endParaRPr b="0" lang="fr-FR" sz="3200" spc="-1" strike="noStrike">
               <a:solidFill>
                 <a:srgbClr val="000000"/>
               </a:solidFill>
@@ -4679,15 +4620,12 @@
           </a:bodyPr>
           <a:p>
             <a:pPr indent="0">
-              <a:lnSpc>
-                <a:spcPct val="90000"/>
-              </a:lnSpc>
               <a:spcBef>
                 <a:spcPts val="1417"/>
               </a:spcBef>
               <a:buNone/>
             </a:pPr>
-            <a:endParaRPr b="0" lang="fr-FR" sz="2800" spc="-1" strike="noStrike">
+            <a:endParaRPr b="0" lang="fr-FR" sz="3200" spc="-1" strike="noStrike">
               <a:solidFill>
                 <a:srgbClr val="000000"/>
               </a:solidFill>
@@ -4730,7 +4668,7 @@
         <p:txBody>
           <a:bodyPr/>
           <a:p>
-            <a:fld id="{23D07B9D-D0A9-40EA-B729-C75AE4B4E999}" type="slidenum">
+            <a:fld id="{7DCD7F4C-990F-4846-A954-EFE8C658A0F1}" type="slidenum">
               <a:t>&lt;#&gt;</a:t>
             </a:fld>
           </a:p>
@@ -4807,10 +4745,10 @@
             <a:noAutofit/>
           </a:bodyPr>
           <a:p>
-            <a:pPr indent="0">
+            <a:pPr indent="0" algn="ctr">
               <a:buNone/>
             </a:pPr>
-            <a:endParaRPr b="0" lang="fr-FR" sz="1800" spc="-1" strike="noStrike">
+            <a:endParaRPr b="0" lang="fr-FR" sz="4400" spc="-1" strike="noStrike">
               <a:solidFill>
                 <a:srgbClr val="000000"/>
               </a:solidFill>
@@ -4848,15 +4786,12 @@
           </a:bodyPr>
           <a:p>
             <a:pPr indent="0">
-              <a:lnSpc>
-                <a:spcPct val="90000"/>
-              </a:lnSpc>
               <a:spcBef>
                 <a:spcPts val="1417"/>
               </a:spcBef>
               <a:buNone/>
             </a:pPr>
-            <a:endParaRPr b="0" lang="fr-FR" sz="2800" spc="-1" strike="noStrike">
+            <a:endParaRPr b="0" lang="fr-FR" sz="3200" spc="-1" strike="noStrike">
               <a:solidFill>
                 <a:srgbClr val="000000"/>
               </a:solidFill>
@@ -4894,15 +4829,12 @@
           </a:bodyPr>
           <a:p>
             <a:pPr indent="0">
-              <a:lnSpc>
-                <a:spcPct val="90000"/>
-              </a:lnSpc>
               <a:spcBef>
                 <a:spcPts val="1417"/>
               </a:spcBef>
               <a:buNone/>
             </a:pPr>
-            <a:endParaRPr b="0" lang="fr-FR" sz="2800" spc="-1" strike="noStrike">
+            <a:endParaRPr b="0" lang="fr-FR" sz="3200" spc="-1" strike="noStrike">
               <a:solidFill>
                 <a:srgbClr val="000000"/>
               </a:solidFill>
@@ -4940,15 +4872,12 @@
           </a:bodyPr>
           <a:p>
             <a:pPr indent="0">
-              <a:lnSpc>
-                <a:spcPct val="90000"/>
-              </a:lnSpc>
               <a:spcBef>
                 <a:spcPts val="1417"/>
               </a:spcBef>
               <a:buNone/>
             </a:pPr>
-            <a:endParaRPr b="0" lang="fr-FR" sz="2800" spc="-1" strike="noStrike">
+            <a:endParaRPr b="0" lang="fr-FR" sz="3200" spc="-1" strike="noStrike">
               <a:solidFill>
                 <a:srgbClr val="000000"/>
               </a:solidFill>
@@ -4991,7 +4920,7 @@
         <p:txBody>
           <a:bodyPr/>
           <a:p>
-            <a:fld id="{F3DC11B1-CBA1-469F-8BDC-9488EC7FEBB3}" type="slidenum">
+            <a:fld id="{ACEA5B4E-6EF6-41CF-BAB5-744D9D3C8E97}" type="slidenum">
               <a:t>&lt;#&gt;</a:t>
             </a:fld>
           </a:p>
@@ -5060,7 +4989,7 @@
         <p:spPr>
           <a:xfrm>
             <a:off x="4038480" y="6356520"/>
-            <a:ext cx="4113000" cy="363240"/>
+            <a:ext cx="4112640" cy="362880"/>
           </a:xfrm>
           <a:prstGeom prst="rect">
             <a:avLst/>
@@ -5110,7 +5039,7 @@
                 <a:latin typeface="Times New Roman"/>
                 <a:ea typeface="DejaVu Sans"/>
               </a:rPr>
-              <a:t> </a:t>
+              <a:t>&lt;pied de page&gt;</a:t>
             </a:r>
             <a:endParaRPr b="0" lang="fr-FR" sz="1400" spc="-1" strike="noStrike">
               <a:solidFill>
@@ -5134,7 +5063,7 @@
         <p:spPr>
           <a:xfrm>
             <a:off x="8610480" y="6356520"/>
-            <a:ext cx="2741400" cy="363240"/>
+            <a:ext cx="2741040" cy="362880"/>
           </a:xfrm>
           <a:prstGeom prst="rect">
             <a:avLst/>
@@ -5176,7 +5105,7 @@
                 <a:tab algn="l" pos="0"/>
               </a:tabLst>
             </a:pPr>
-            <a:fld id="{FB59E9DF-7CD6-4360-9B24-BF5B45C86301}" type="slidenum">
+            <a:fld id="{B9B200A8-F9BA-4C95-8E5A-2C333447B3E0}" type="slidenum">
               <a:rPr b="0" lang="fr-FR" sz="1200" spc="-1" strike="noStrike">
                 <a:solidFill>
                   <a:srgbClr val="8b8b8b"/>
@@ -5184,7 +5113,7 @@
                 <a:latin typeface="Calibri"/>
                 <a:ea typeface="DejaVu Sans"/>
               </a:rPr>
-              <a:t>9</a:t>
+              <a:t>&lt;numéro&gt;</a:t>
             </a:fld>
             <a:endParaRPr b="0" lang="fr-FR" sz="1200" spc="-1" strike="noStrike">
               <a:solidFill>
@@ -5208,7 +5137,7 @@
         <p:spPr>
           <a:xfrm>
             <a:off x="838080" y="6356520"/>
-            <a:ext cx="2741400" cy="363240"/>
+            <a:ext cx="2741040" cy="362880"/>
           </a:xfrm>
           <a:prstGeom prst="rect">
             <a:avLst/>
@@ -5244,7 +5173,7 @@
                 </a:solidFill>
                 <a:latin typeface="Times New Roman"/>
               </a:rPr>
-              <a:t> </a:t>
+              <a:t>&lt;date/heure&gt;</a:t>
             </a:r>
             <a:endParaRPr b="0" lang="fr-FR" sz="1400" spc="-1" strike="noStrike">
               <a:solidFill>
@@ -5283,11 +5212,11 @@
             <a:noAutofit/>
           </a:bodyPr>
           <a:p>
-            <a:pPr indent="0">
+            <a:pPr indent="0" algn="ctr">
               <a:buNone/>
             </a:pPr>
             <a:r>
-              <a:rPr b="0" lang="fr-FR" sz="1800" spc="-1" strike="noStrike">
+              <a:rPr b="0" lang="fr-FR" sz="4400" spc="-1" strike="noStrike">
                 <a:solidFill>
                   <a:srgbClr val="000000"/>
                 </a:solidFill>
@@ -5295,7 +5224,7 @@
               </a:rPr>
               <a:t>Cliquez pour éditer le format du texte-titre</a:t>
             </a:r>
-            <a:endParaRPr b="0" lang="fr-FR" sz="1800" spc="-1" strike="noStrike">
+            <a:endParaRPr b="0" lang="fr-FR" sz="4400" spc="-1" strike="noStrike">
               <a:solidFill>
                 <a:srgbClr val="000000"/>
               </a:solidFill>
@@ -5333,9 +5262,6 @@
           </a:bodyPr>
           <a:p>
             <a:pPr marL="432000" indent="-324000">
-              <a:lnSpc>
-                <a:spcPct val="90000"/>
-              </a:lnSpc>
               <a:spcBef>
                 <a:spcPts val="1417"/>
               </a:spcBef>
@@ -5345,6 +5271,34 @@
               <a:buSzPct val="45000"/>
               <a:buFont typeface="Wingdings" charset="2"/>
               <a:buChar char=""/>
+            </a:pPr>
+            <a:r>
+              <a:rPr b="0" lang="fr-FR" sz="3200" spc="-1" strike="noStrike">
+                <a:solidFill>
+                  <a:srgbClr val="000000"/>
+                </a:solidFill>
+                <a:latin typeface="Arial"/>
+              </a:rPr>
+              <a:t>Cliquez pour éditer le format du plan de texte</a:t>
+            </a:r>
+            <a:endParaRPr b="0" lang="fr-FR" sz="3200" spc="-1" strike="noStrike">
+              <a:solidFill>
+                <a:srgbClr val="000000"/>
+              </a:solidFill>
+              <a:latin typeface="Arial"/>
+            </a:endParaRPr>
+          </a:p>
+          <a:p>
+            <a:pPr lvl="1" marL="864000" indent="-324000">
+              <a:spcBef>
+                <a:spcPts val="1134"/>
+              </a:spcBef>
+              <a:buClr>
+                <a:srgbClr val="000000"/>
+              </a:buClr>
+              <a:buSzPct val="75000"/>
+              <a:buFont typeface="Symbol" charset="2"/>
+              <a:buChar char=""/>
             </a:pPr>
             <a:r>
               <a:rPr b="0" lang="fr-FR" sz="2800" spc="-1" strike="noStrike">
@@ -5353,7 +5307,7 @@
                 </a:solidFill>
                 <a:latin typeface="Arial"/>
               </a:rPr>
-              <a:t>Cliquez pour éditer le format du plan de texte</a:t>
+              <a:t>Second niveau de plan</a:t>
             </a:r>
             <a:endParaRPr b="0" lang="fr-FR" sz="2800" spc="-1" strike="noStrike">
               <a:solidFill>
@@ -5363,12 +5317,37 @@
             </a:endParaRPr>
           </a:p>
           <a:p>
-            <a:pPr lvl="1" marL="864000" indent="-324000">
-              <a:lnSpc>
-                <a:spcPct val="90000"/>
-              </a:lnSpc>
+            <a:pPr lvl="2" marL="1296000" indent="-288000">
               <a:spcBef>
-                <a:spcPts val="1134"/>
+                <a:spcPts val="850"/>
+              </a:spcBef>
+              <a:buClr>
+                <a:srgbClr val="000000"/>
+              </a:buClr>
+              <a:buSzPct val="45000"/>
+              <a:buFont typeface="Wingdings" charset="2"/>
+              <a:buChar char=""/>
+            </a:pPr>
+            <a:r>
+              <a:rPr b="0" lang="fr-FR" sz="2400" spc="-1" strike="noStrike">
+                <a:solidFill>
+                  <a:srgbClr val="000000"/>
+                </a:solidFill>
+                <a:latin typeface="Arial"/>
+              </a:rPr>
+              <a:t>Troisième niveau de plan</a:t>
+            </a:r>
+            <a:endParaRPr b="0" lang="fr-FR" sz="2400" spc="-1" strike="noStrike">
+              <a:solidFill>
+                <a:srgbClr val="000000"/>
+              </a:solidFill>
+              <a:latin typeface="Arial"/>
+            </a:endParaRPr>
+          </a:p>
+          <a:p>
+            <a:pPr lvl="3" marL="1728000" indent="-216000">
+              <a:spcBef>
+                <a:spcPts val="567"/>
               </a:spcBef>
               <a:buClr>
                 <a:srgbClr val="000000"/>
@@ -5384,7 +5363,7 @@
                 </a:solidFill>
                 <a:latin typeface="Arial"/>
               </a:rPr>
-              <a:t>Second niveau de plan</a:t>
+              <a:t>Quatrième niveau de plan</a:t>
             </a:r>
             <a:endParaRPr b="0" lang="fr-FR" sz="2000" spc="-1" strike="noStrike">
               <a:solidFill>
@@ -5394,72 +5373,7 @@
             </a:endParaRPr>
           </a:p>
           <a:p>
-            <a:pPr lvl="2" marL="1296000" indent="-288000">
-              <a:lnSpc>
-                <a:spcPct val="90000"/>
-              </a:lnSpc>
-              <a:spcBef>
-                <a:spcPts val="850"/>
-              </a:spcBef>
-              <a:buClr>
-                <a:srgbClr val="000000"/>
-              </a:buClr>
-              <a:buSzPct val="45000"/>
-              <a:buFont typeface="Wingdings" charset="2"/>
-              <a:buChar char=""/>
-            </a:pPr>
-            <a:r>
-              <a:rPr b="0" lang="fr-FR" sz="1800" spc="-1" strike="noStrike">
-                <a:solidFill>
-                  <a:srgbClr val="000000"/>
-                </a:solidFill>
-                <a:latin typeface="Arial"/>
-              </a:rPr>
-              <a:t>Troisième niveau de plan</a:t>
-            </a:r>
-            <a:endParaRPr b="0" lang="fr-FR" sz="1800" spc="-1" strike="noStrike">
-              <a:solidFill>
-                <a:srgbClr val="000000"/>
-              </a:solidFill>
-              <a:latin typeface="Arial"/>
-            </a:endParaRPr>
-          </a:p>
-          <a:p>
-            <a:pPr lvl="3" marL="1728000" indent="-216000">
-              <a:lnSpc>
-                <a:spcPct val="90000"/>
-              </a:lnSpc>
-              <a:spcBef>
-                <a:spcPts val="567"/>
-              </a:spcBef>
-              <a:buClr>
-                <a:srgbClr val="000000"/>
-              </a:buClr>
-              <a:buSzPct val="75000"/>
-              <a:buFont typeface="Symbol" charset="2"/>
-              <a:buChar char=""/>
-            </a:pPr>
-            <a:r>
-              <a:rPr b="0" lang="fr-FR" sz="1800" spc="-1" strike="noStrike">
-                <a:solidFill>
-                  <a:srgbClr val="000000"/>
-                </a:solidFill>
-                <a:latin typeface="Arial"/>
-              </a:rPr>
-              <a:t>Quatrième niveau de plan</a:t>
-            </a:r>
-            <a:endParaRPr b="0" lang="fr-FR" sz="1800" spc="-1" strike="noStrike">
-              <a:solidFill>
-                <a:srgbClr val="000000"/>
-              </a:solidFill>
-              <a:latin typeface="Arial"/>
-            </a:endParaRPr>
-          </a:p>
-          <a:p>
             <a:pPr lvl="4" marL="2160000" indent="-216000">
-              <a:lnSpc>
-                <a:spcPct val="90000"/>
-              </a:lnSpc>
               <a:spcBef>
                 <a:spcPts val="283"/>
               </a:spcBef>
@@ -5488,9 +5402,6 @@
           </a:p>
           <a:p>
             <a:pPr lvl="5" marL="2592000" indent="-216000">
-              <a:lnSpc>
-                <a:spcPct val="90000"/>
-              </a:lnSpc>
               <a:spcBef>
                 <a:spcPts val="283"/>
               </a:spcBef>
@@ -5519,9 +5430,6 @@
           </a:p>
           <a:p>
             <a:pPr lvl="6" marL="3024000" indent="-216000">
-              <a:lnSpc>
-                <a:spcPct val="90000"/>
-              </a:lnSpc>
               <a:spcBef>
                 <a:spcPts val="283"/>
               </a:spcBef>
@@ -5596,7 +5504,7 @@
         <p:spPr>
           <a:xfrm>
             <a:off x="0" y="0"/>
-            <a:ext cx="5459400" cy="6856200"/>
+            <a:ext cx="5459040" cy="6855840"/>
           </a:xfrm>
           <a:prstGeom prst="rect">
             <a:avLst/>
@@ -5655,7 +5563,7 @@
         <p:spPr>
           <a:xfrm>
             <a:off x="6394320" y="155160"/>
-            <a:ext cx="1998360" cy="1326600"/>
+            <a:ext cx="1998000" cy="1326240"/>
           </a:xfrm>
           <a:prstGeom prst="rect">
             <a:avLst/>
@@ -5674,7 +5582,7 @@
         <p:spPr>
           <a:xfrm>
             <a:off x="990000" y="2139480"/>
-            <a:ext cx="7858800" cy="912240"/>
+            <a:ext cx="7858440" cy="912240"/>
           </a:xfrm>
           <a:prstGeom prst="rect">
             <a:avLst/>
@@ -5737,7 +5645,7 @@
         <p:spPr>
           <a:xfrm>
             <a:off x="9941040" y="5673600"/>
-            <a:ext cx="2045160" cy="1337400"/>
+            <a:ext cx="2044800" cy="1337400"/>
           </a:xfrm>
           <a:prstGeom prst="rect">
             <a:avLst/>
@@ -5804,7 +5712,7 @@
         <p:spPr>
           <a:xfrm>
             <a:off x="-933120" y="81360"/>
-            <a:ext cx="2045160" cy="607320"/>
+            <a:ext cx="2044800" cy="607320"/>
           </a:xfrm>
           <a:prstGeom prst="rect">
             <a:avLst/>
@@ -5875,7 +5783,7 @@
         <p:spPr>
           <a:xfrm>
             <a:off x="10688760" y="0"/>
-            <a:ext cx="1501560" cy="1481400"/>
+            <a:ext cx="1501200" cy="1481040"/>
           </a:xfrm>
           <a:prstGeom prst="rect">
             <a:avLst/>
@@ -5894,7 +5802,7 @@
         <p:spPr>
           <a:xfrm>
             <a:off x="90360" y="6478200"/>
-            <a:ext cx="3003480" cy="363960"/>
+            <a:ext cx="3003120" cy="363960"/>
           </a:xfrm>
           <a:prstGeom prst="rect">
             <a:avLst/>
@@ -5948,7 +5856,7 @@
         <p:spPr>
           <a:xfrm>
             <a:off x="990000" y="3083400"/>
-            <a:ext cx="3003480" cy="363960"/>
+            <a:ext cx="3003120" cy="363960"/>
           </a:xfrm>
           <a:prstGeom prst="rect">
             <a:avLst/>
@@ -6027,7 +5935,7 @@
         <p:spPr>
           <a:xfrm>
             <a:off x="0" y="0"/>
-            <a:ext cx="1649520" cy="6856200"/>
+            <a:ext cx="1649160" cy="6855840"/>
           </a:xfrm>
           <a:prstGeom prst="rect">
             <a:avLst/>
@@ -6082,7 +5990,7 @@
         <p:spPr>
           <a:xfrm>
             <a:off x="3200040" y="114480"/>
-            <a:ext cx="6860520" cy="698760"/>
+            <a:ext cx="6860160" cy="698760"/>
           </a:xfrm>
           <a:prstGeom prst="rect">
             <a:avLst/>
@@ -6159,7 +6067,7 @@
         <p:spPr>
           <a:xfrm>
             <a:off x="10483560" y="190440"/>
-            <a:ext cx="1338840" cy="888480"/>
+            <a:ext cx="1338480" cy="888120"/>
           </a:xfrm>
           <a:prstGeom prst="rect">
             <a:avLst/>
@@ -6178,7 +6086,7 @@
         <p:spPr>
           <a:xfrm>
             <a:off x="-50040" y="6539760"/>
-            <a:ext cx="1604880" cy="333000"/>
+            <a:ext cx="1604520" cy="333000"/>
           </a:xfrm>
           <a:prstGeom prst="rect">
             <a:avLst/>
@@ -6236,7 +6144,7 @@
         <p:spPr>
           <a:xfrm>
             <a:off x="2521080" y="1489320"/>
-            <a:ext cx="6171840" cy="4228920"/>
+            <a:ext cx="6171480" cy="4228560"/>
           </a:xfrm>
           <a:prstGeom prst="rect">
             <a:avLst/>
@@ -6259,7 +6167,7 @@
         <p:spPr>
           <a:xfrm>
             <a:off x="2321280" y="911880"/>
-            <a:ext cx="8019360" cy="6049800"/>
+            <a:ext cx="8019000" cy="6049440"/>
           </a:xfrm>
           <a:prstGeom prst="rect">
             <a:avLst/>
@@ -6282,7 +6190,7 @@
         <p:spPr>
           <a:xfrm>
             <a:off x="322200" y="576000"/>
-            <a:ext cx="1009080" cy="1009080"/>
+            <a:ext cx="1008720" cy="1008720"/>
           </a:xfrm>
           <a:prstGeom prst="rect">
             <a:avLst/>
@@ -6301,7 +6209,7 @@
         <p:spPr>
           <a:xfrm>
             <a:off x="-80640" y="1498320"/>
-            <a:ext cx="1844640" cy="302760"/>
+            <a:ext cx="1844280" cy="302760"/>
           </a:xfrm>
           <a:prstGeom prst="rect">
             <a:avLst/>
@@ -6365,7 +6273,7 @@
         <p:spPr>
           <a:xfrm>
             <a:off x="396360" y="1801080"/>
-            <a:ext cx="900000" cy="900000"/>
+            <a:ext cx="899640" cy="899640"/>
           </a:xfrm>
           <a:prstGeom prst="rect">
             <a:avLst/>
@@ -6384,7 +6292,7 @@
         <p:spPr>
           <a:xfrm>
             <a:off x="-80640" y="2686320"/>
-            <a:ext cx="1844640" cy="302760"/>
+            <a:ext cx="1844280" cy="302760"/>
           </a:xfrm>
           <a:prstGeom prst="rect">
             <a:avLst/>
@@ -6447,8 +6355,8 @@
         </p:blipFill>
         <p:spPr>
           <a:xfrm rot="16185000">
-            <a:off x="254160" y="4071240"/>
-            <a:ext cx="1075320" cy="1075320"/>
+            <a:off x="254160" y="4071600"/>
+            <a:ext cx="1074960" cy="1074960"/>
           </a:xfrm>
           <a:prstGeom prst="rect">
             <a:avLst/>
@@ -6467,7 +6375,7 @@
         <p:spPr>
           <a:xfrm>
             <a:off x="-80640" y="4954320"/>
-            <a:ext cx="1844640" cy="302760"/>
+            <a:ext cx="1844280" cy="302760"/>
           </a:xfrm>
           <a:prstGeom prst="rect">
             <a:avLst/>
@@ -6531,7 +6439,7 @@
         <p:spPr>
           <a:xfrm>
             <a:off x="432000" y="5329080"/>
-            <a:ext cx="899640" cy="899640"/>
+            <a:ext cx="899280" cy="899280"/>
           </a:xfrm>
           <a:prstGeom prst="rect">
             <a:avLst/>
@@ -6550,7 +6458,7 @@
         <p:spPr>
           <a:xfrm>
             <a:off x="-147240" y="6149880"/>
-            <a:ext cx="2045160" cy="272160"/>
+            <a:ext cx="2044800" cy="272160"/>
           </a:xfrm>
           <a:prstGeom prst="rect">
             <a:avLst/>
@@ -6614,7 +6522,7 @@
         <p:spPr>
           <a:xfrm>
             <a:off x="370440" y="2979000"/>
-            <a:ext cx="988560" cy="988560"/>
+            <a:ext cx="988200" cy="988200"/>
           </a:xfrm>
           <a:prstGeom prst="rect">
             <a:avLst/>
@@ -6633,7 +6541,7 @@
         <p:spPr>
           <a:xfrm>
             <a:off x="-125640" y="3864600"/>
-            <a:ext cx="1844640" cy="302760"/>
+            <a:ext cx="1844280" cy="302760"/>
           </a:xfrm>
           <a:prstGeom prst="rect">
             <a:avLst/>
@@ -6718,7 +6626,7 @@
         <p:spPr>
           <a:xfrm>
             <a:off x="0" y="0"/>
-            <a:ext cx="1649520" cy="6856200"/>
+            <a:ext cx="1649160" cy="6855840"/>
           </a:xfrm>
           <a:prstGeom prst="rect">
             <a:avLst/>
@@ -6773,7 +6681,7 @@
         <p:spPr>
           <a:xfrm>
             <a:off x="3200040" y="114120"/>
-            <a:ext cx="6860520" cy="698760"/>
+            <a:ext cx="6860160" cy="698760"/>
           </a:xfrm>
           <a:prstGeom prst="rect">
             <a:avLst/>
@@ -6840,7 +6748,7 @@
         <p:spPr>
           <a:xfrm>
             <a:off x="10483560" y="190440"/>
-            <a:ext cx="1338840" cy="888480"/>
+            <a:ext cx="1338480" cy="888120"/>
           </a:xfrm>
           <a:prstGeom prst="rect">
             <a:avLst/>
@@ -6859,7 +6767,7 @@
         <p:spPr>
           <a:xfrm>
             <a:off x="-50040" y="6539760"/>
-            <a:ext cx="1604880" cy="333000"/>
+            <a:ext cx="1604520" cy="333000"/>
           </a:xfrm>
           <a:prstGeom prst="rect">
             <a:avLst/>
@@ -6917,7 +6825,7 @@
         <p:spPr>
           <a:xfrm>
             <a:off x="4230000" y="1231920"/>
-            <a:ext cx="4968720" cy="5300280"/>
+            <a:ext cx="4968360" cy="5299920"/>
           </a:xfrm>
           <a:prstGeom prst="rect">
             <a:avLst/>
@@ -6940,7 +6848,7 @@
         <p:spPr>
           <a:xfrm>
             <a:off x="396360" y="648360"/>
-            <a:ext cx="900000" cy="900000"/>
+            <a:ext cx="899640" cy="899640"/>
           </a:xfrm>
           <a:prstGeom prst="rect">
             <a:avLst/>
@@ -6959,7 +6867,7 @@
         <p:spPr>
           <a:xfrm>
             <a:off x="-80640" y="1533600"/>
-            <a:ext cx="1844640" cy="302760"/>
+            <a:ext cx="1844280" cy="302760"/>
           </a:xfrm>
           <a:prstGeom prst="rect">
             <a:avLst/>
@@ -7022,8 +6930,8 @@
         </p:blipFill>
         <p:spPr>
           <a:xfrm rot="16185000">
-            <a:off x="254160" y="2954520"/>
-            <a:ext cx="1075320" cy="1075320"/>
+            <a:off x="254160" y="2954880"/>
+            <a:ext cx="1074960" cy="1074960"/>
           </a:xfrm>
           <a:prstGeom prst="rect">
             <a:avLst/>
@@ -7042,7 +6950,7 @@
         <p:spPr>
           <a:xfrm>
             <a:off x="-80640" y="3945600"/>
-            <a:ext cx="1844640" cy="302760"/>
+            <a:ext cx="1844280" cy="302760"/>
           </a:xfrm>
           <a:prstGeom prst="rect">
             <a:avLst/>
@@ -7106,7 +7014,7 @@
         <p:spPr>
           <a:xfrm>
             <a:off x="432000" y="4212360"/>
-            <a:ext cx="899640" cy="899640"/>
+            <a:ext cx="899280" cy="899280"/>
           </a:xfrm>
           <a:prstGeom prst="rect">
             <a:avLst/>
@@ -7125,7 +7033,7 @@
         <p:spPr>
           <a:xfrm>
             <a:off x="-147240" y="5033160"/>
-            <a:ext cx="2045160" cy="272160"/>
+            <a:ext cx="2044800" cy="272160"/>
           </a:xfrm>
           <a:prstGeom prst="rect">
             <a:avLst/>
@@ -7189,7 +7097,7 @@
         <p:spPr>
           <a:xfrm>
             <a:off x="406440" y="1827000"/>
-            <a:ext cx="988560" cy="988560"/>
+            <a:ext cx="988200" cy="988200"/>
           </a:xfrm>
           <a:prstGeom prst="rect">
             <a:avLst/>
@@ -7208,7 +7116,7 @@
         <p:spPr>
           <a:xfrm>
             <a:off x="-89640" y="2712600"/>
-            <a:ext cx="1844640" cy="302760"/>
+            <a:ext cx="1844280" cy="302760"/>
           </a:xfrm>
           <a:prstGeom prst="rect">
             <a:avLst/>
@@ -7272,7 +7180,7 @@
         <p:spPr>
           <a:xfrm>
             <a:off x="360000" y="5364000"/>
-            <a:ext cx="900000" cy="900000"/>
+            <a:ext cx="899640" cy="899640"/>
           </a:xfrm>
           <a:prstGeom prst="rect">
             <a:avLst/>
@@ -7291,7 +7199,7 @@
         <p:spPr>
           <a:xfrm>
             <a:off x="-147240" y="6202440"/>
-            <a:ext cx="2045160" cy="272160"/>
+            <a:ext cx="2044800" cy="272160"/>
           </a:xfrm>
           <a:prstGeom prst="rect">
             <a:avLst/>
@@ -7376,7 +7284,7 @@
         <p:spPr>
           <a:xfrm>
             <a:off x="0" y="0"/>
-            <a:ext cx="1649520" cy="6856200"/>
+            <a:ext cx="1649160" cy="6855840"/>
           </a:xfrm>
           <a:prstGeom prst="rect">
             <a:avLst/>
@@ -7431,7 +7339,7 @@
         <p:spPr>
           <a:xfrm>
             <a:off x="3200040" y="114120"/>
-            <a:ext cx="6860520" cy="698760"/>
+            <a:ext cx="6860160" cy="698760"/>
           </a:xfrm>
           <a:prstGeom prst="rect">
             <a:avLst/>
@@ -7498,7 +7406,7 @@
         <p:spPr>
           <a:xfrm>
             <a:off x="10483560" y="190440"/>
-            <a:ext cx="1338840" cy="888480"/>
+            <a:ext cx="1338480" cy="888120"/>
           </a:xfrm>
           <a:prstGeom prst="rect">
             <a:avLst/>
@@ -7517,7 +7425,7 @@
         <p:spPr>
           <a:xfrm>
             <a:off x="-50040" y="6539760"/>
-            <a:ext cx="1604880" cy="333000"/>
+            <a:ext cx="1604520" cy="333000"/>
           </a:xfrm>
           <a:prstGeom prst="rect">
             <a:avLst/>
@@ -7574,8 +7482,8 @@
         </p:blipFill>
         <p:spPr>
           <a:xfrm rot="16185000">
-            <a:off x="254160" y="1730520"/>
-            <a:ext cx="1075320" cy="1075320"/>
+            <a:off x="254160" y="1730880"/>
+            <a:ext cx="1074960" cy="1074960"/>
           </a:xfrm>
           <a:prstGeom prst="rect">
             <a:avLst/>
@@ -7594,7 +7502,7 @@
         <p:spPr>
           <a:xfrm>
             <a:off x="-80640" y="2721600"/>
-            <a:ext cx="1844640" cy="302760"/>
+            <a:ext cx="1844280" cy="302760"/>
           </a:xfrm>
           <a:prstGeom prst="rect">
             <a:avLst/>
@@ -7658,7 +7566,7 @@
         <p:spPr>
           <a:xfrm>
             <a:off x="432000" y="3204360"/>
-            <a:ext cx="899640" cy="899640"/>
+            <a:ext cx="899280" cy="899280"/>
           </a:xfrm>
           <a:prstGeom prst="rect">
             <a:avLst/>
@@ -7677,7 +7585,7 @@
         <p:spPr>
           <a:xfrm>
             <a:off x="-147240" y="4025160"/>
-            <a:ext cx="2045160" cy="272160"/>
+            <a:ext cx="2044800" cy="272160"/>
           </a:xfrm>
           <a:prstGeom prst="rect">
             <a:avLst/>
@@ -7741,7 +7649,7 @@
         <p:spPr>
           <a:xfrm>
             <a:off x="4320000" y="1800000"/>
-            <a:ext cx="4686120" cy="3514320"/>
+            <a:ext cx="4685760" cy="3513960"/>
           </a:xfrm>
           <a:prstGeom prst="rect">
             <a:avLst/>
@@ -7764,7 +7672,7 @@
         <p:spPr>
           <a:xfrm>
             <a:off x="6768000" y="1885680"/>
-            <a:ext cx="5287680" cy="2974320"/>
+            <a:ext cx="5287320" cy="2973960"/>
           </a:xfrm>
           <a:prstGeom prst="rect">
             <a:avLst/>
@@ -7787,7 +7695,7 @@
         <p:spPr>
           <a:xfrm>
             <a:off x="1892160" y="1885680"/>
-            <a:ext cx="4767840" cy="2955960"/>
+            <a:ext cx="4767480" cy="2955600"/>
           </a:xfrm>
           <a:prstGeom prst="rect">
             <a:avLst/>
@@ -7806,7 +7714,7 @@
         <p:spPr>
           <a:xfrm>
             <a:off x="1936080" y="1521720"/>
-            <a:ext cx="3283920" cy="363960"/>
+            <a:ext cx="3283560" cy="363960"/>
           </a:xfrm>
           <a:prstGeom prst="rect">
             <a:avLst/>
@@ -7842,11 +7750,11 @@
               </a:rPr>
               <a:t>Easy Builder :</a:t>
             </a:r>
-            <a:endParaRPr b="1" lang="fr-FR" sz="1800" spc="-1" strike="noStrike">
-              <a:solidFill>
-                <a:srgbClr val="e3ba77"/>
-              </a:solidFill>
-              <a:latin typeface="Calibri"/>
+            <a:endParaRPr b="0" lang="fr-FR" sz="1800" spc="-1" strike="noStrike">
+              <a:solidFill>
+                <a:srgbClr val="000000"/>
+              </a:solidFill>
+              <a:latin typeface="Arial"/>
             </a:endParaRPr>
           </a:p>
         </p:txBody>
@@ -7860,7 +7768,7 @@
         <p:spPr>
           <a:xfrm>
             <a:off x="6760080" y="1521720"/>
-            <a:ext cx="3283920" cy="363960"/>
+            <a:ext cx="3283560" cy="363960"/>
           </a:xfrm>
           <a:prstGeom prst="rect">
             <a:avLst/>
@@ -7896,11 +7804,11 @@
               </a:rPr>
               <a:t>Tableur :</a:t>
             </a:r>
-            <a:endParaRPr b="1" lang="fr-FR" sz="1800" spc="-1" strike="noStrike">
-              <a:solidFill>
-                <a:srgbClr val="e3ba77"/>
-              </a:solidFill>
-              <a:latin typeface="Calibri"/>
+            <a:endParaRPr b="0" lang="fr-FR" sz="1800" spc="-1" strike="noStrike">
+              <a:solidFill>
+                <a:srgbClr val="000000"/>
+              </a:solidFill>
+              <a:latin typeface="Arial"/>
             </a:endParaRPr>
           </a:p>
         </p:txBody>
@@ -7918,7 +7826,7 @@
         <p:spPr>
           <a:xfrm>
             <a:off x="415440" y="576000"/>
-            <a:ext cx="988560" cy="988560"/>
+            <a:ext cx="988200" cy="988200"/>
           </a:xfrm>
           <a:prstGeom prst="rect">
             <a:avLst/>
@@ -7937,7 +7845,7 @@
         <p:spPr>
           <a:xfrm>
             <a:off x="-80640" y="1497600"/>
-            <a:ext cx="1844640" cy="302760"/>
+            <a:ext cx="1844280" cy="302760"/>
           </a:xfrm>
           <a:prstGeom prst="rect">
             <a:avLst/>
@@ -8001,7 +7909,7 @@
         <p:spPr>
           <a:xfrm>
             <a:off x="360000" y="4464360"/>
-            <a:ext cx="900000" cy="900000"/>
+            <a:ext cx="899640" cy="899640"/>
           </a:xfrm>
           <a:prstGeom prst="rect">
             <a:avLst/>
@@ -8020,7 +7928,7 @@
         <p:spPr>
           <a:xfrm>
             <a:off x="-147240" y="5302800"/>
-            <a:ext cx="2045160" cy="272160"/>
+            <a:ext cx="2044800" cy="272160"/>
           </a:xfrm>
           <a:prstGeom prst="rect">
             <a:avLst/>
@@ -8079,32 +7987,32 @@
   <p:timing>
     <p:tnLst>
       <p:par>
-        <p:cTn id="84" dur="indefinite" restart="never" nodeType="tmRoot">
+        <p:cTn id="79" dur="indefinite" restart="never" nodeType="tmRoot">
           <p:childTnLst>
             <p:seq>
-              <p:cTn id="85" dur="indefinite" nodeType="mainSeq">
+              <p:cTn id="80" dur="indefinite" nodeType="mainSeq">
                 <p:childTnLst>
                   <p:par>
-                    <p:cTn id="86" fill="hold">
+                    <p:cTn id="81" fill="hold">
                       <p:stCondLst>
                         <p:cond delay="indefinite"/>
                       </p:stCondLst>
                       <p:childTnLst>
                         <p:par>
-                          <p:cTn id="87" fill="hold">
+                          <p:cTn id="82" fill="hold">
                             <p:stCondLst>
                               <p:cond delay="0"/>
                             </p:stCondLst>
                             <p:childTnLst>
                               <p:par>
-                                <p:cTn id="88" nodeType="clickEffect" fill="hold" presetClass="exit" presetID="10">
+                                <p:cTn id="83" nodeType="clickEffect" fill="hold" presetClass="exit" presetID="10">
                                   <p:stCondLst>
                                     <p:cond delay="0"/>
                                   </p:stCondLst>
                                   <p:childTnLst>
                                     <p:animEffect filter="fade" transition="out">
                                       <p:cBhvr additive="repl">
-                                        <p:cTn id="89" dur="2000"/>
+                                        <p:cTn id="84" dur="2000"/>
                                         <p:tgtEl>
                                           <p:spTgt spid="249"/>
                                         </p:tgtEl>
@@ -8112,7 +8020,7 @@
                                     </p:animEffect>
                                     <p:set>
                                       <p:cBhvr>
-                                        <p:cTn id="90" dur="1" fill="hold">
+                                        <p:cTn id="85" dur="1" fill="hold">
                                           <p:stCondLst>
                                             <p:cond delay="1999"/>
                                           </p:stCondLst>
@@ -8138,26 +8046,26 @@
                     </p:cTn>
                   </p:par>
                   <p:par>
-                    <p:cTn id="91" fill="hold">
+                    <p:cTn id="86" fill="hold">
                       <p:stCondLst>
                         <p:cond delay="indefinite"/>
                       </p:stCondLst>
                       <p:childTnLst>
                         <p:par>
-                          <p:cTn id="92" fill="hold">
+                          <p:cTn id="87" fill="hold">
                             <p:stCondLst>
                               <p:cond delay="0"/>
                             </p:stCondLst>
                             <p:childTnLst>
                               <p:par>
-                                <p:cTn id="93" nodeType="clickEffect" fill="hold" presetClass="entr" presetID="10">
+                                <p:cTn id="88" nodeType="clickEffect" fill="hold" presetClass="entr" presetID="10">
                                   <p:stCondLst>
                                     <p:cond delay="0"/>
                                   </p:stCondLst>
                                   <p:childTnLst>
                                     <p:set>
                                       <p:cBhvr>
-                                        <p:cTn id="94" dur="1" fill="hold">
+                                        <p:cTn id="89" dur="1" fill="hold">
                                           <p:stCondLst>
                                             <p:cond delay="0"/>
                                           </p:stCondLst>
@@ -8175,7 +8083,7 @@
                                     </p:set>
                                     <p:animEffect filter="fade" transition="in">
                                       <p:cBhvr additive="repl">
-                                        <p:cTn id="95" dur="2000"/>
+                                        <p:cTn id="90" dur="2000"/>
                                         <p:tgtEl>
                                           <p:spTgt spid="250"/>
                                         </p:tgtEl>
@@ -8185,14 +8093,14 @@
                                 </p:cTn>
                               </p:par>
                               <p:par>
-                                <p:cTn id="96" nodeType="withEffect" fill="hold" presetClass="entr" presetID="10">
+                                <p:cTn id="91" nodeType="withEffect" fill="hold" presetClass="entr" presetID="10">
                                   <p:stCondLst>
                                     <p:cond delay="0"/>
                                   </p:stCondLst>
                                   <p:childTnLst>
                                     <p:set>
                                       <p:cBhvr>
-                                        <p:cTn id="97" dur="1" fill="hold">
+                                        <p:cTn id="92" dur="1" fill="hold">
                                           <p:stCondLst>
                                             <p:cond delay="0"/>
                                           </p:stCondLst>
@@ -8210,7 +8118,7 @@
                                     </p:set>
                                     <p:animEffect filter="fade" transition="in">
                                       <p:cBhvr additive="repl">
-                                        <p:cTn id="98" dur="2000"/>
+                                        <p:cTn id="93" dur="2000"/>
                                         <p:tgtEl>
                                           <p:spTgt spid="251"/>
                                         </p:tgtEl>
@@ -8220,14 +8128,14 @@
                                 </p:cTn>
                               </p:par>
                               <p:par>
-                                <p:cTn id="99" nodeType="withEffect" fill="hold" presetClass="entr" presetID="10">
+                                <p:cTn id="94" nodeType="withEffect" fill="hold" presetClass="entr" presetID="10">
                                   <p:stCondLst>
                                     <p:cond delay="0"/>
                                   </p:stCondLst>
                                   <p:childTnLst>
                                     <p:set>
                                       <p:cBhvr>
-                                        <p:cTn id="100" dur="1" fill="hold">
+                                        <p:cTn id="95" dur="1" fill="hold">
                                           <p:stCondLst>
                                             <p:cond delay="0"/>
                                           </p:stCondLst>
@@ -8245,7 +8153,7 @@
                                     </p:set>
                                     <p:animEffect filter="fade" transition="in">
                                       <p:cBhvr additive="repl">
-                                        <p:cTn id="101" dur="2000"/>
+                                        <p:cTn id="96" dur="2000"/>
                                         <p:tgtEl>
                                           <p:spTgt spid="252"/>
                                         </p:tgtEl>
@@ -8255,14 +8163,14 @@
                                 </p:cTn>
                               </p:par>
                               <p:par>
-                                <p:cTn id="102" nodeType="withEffect" fill="hold" presetClass="entr" presetID="10">
+                                <p:cTn id="97" nodeType="withEffect" fill="hold" presetClass="entr" presetID="10">
                                   <p:stCondLst>
                                     <p:cond delay="0"/>
                                   </p:stCondLst>
                                   <p:childTnLst>
                                     <p:set>
                                       <p:cBhvr>
-                                        <p:cTn id="103" dur="1" fill="hold">
+                                        <p:cTn id="98" dur="1" fill="hold">
                                           <p:stCondLst>
                                             <p:cond delay="0"/>
                                           </p:stCondLst>
@@ -8280,7 +8188,7 @@
                                     </p:set>
                                     <p:animEffect filter="fade" transition="in">
                                       <p:cBhvr additive="repl">
-                                        <p:cTn id="104" dur="2000"/>
+                                        <p:cTn id="99" dur="2000"/>
                                         <p:tgtEl>
                                           <p:spTgt spid="253"/>
                                         </p:tgtEl>
@@ -8346,7 +8254,7 @@
         <p:spPr>
           <a:xfrm>
             <a:off x="0" y="0"/>
-            <a:ext cx="1649520" cy="6856200"/>
+            <a:ext cx="1649160" cy="6855840"/>
           </a:xfrm>
           <a:prstGeom prst="rect">
             <a:avLst/>
@@ -8377,6 +8285,11 @@
             <a:noAutofit/>
           </a:bodyPr>
           <a:p>
+            <a:pPr>
+              <a:lnSpc>
+                <a:spcPct val="100000"/>
+              </a:lnSpc>
+            </a:pPr>
             <a:endParaRPr b="0" lang="fr-FR" sz="1800" spc="-1" strike="noStrike">
               <a:solidFill>
                 <a:schemeClr val="lt1"/>
@@ -8396,7 +8309,7 @@
         <p:spPr>
           <a:xfrm>
             <a:off x="3200040" y="114120"/>
-            <a:ext cx="6860520" cy="698760"/>
+            <a:ext cx="6860160" cy="698760"/>
           </a:xfrm>
           <a:prstGeom prst="rect">
             <a:avLst/>
@@ -8463,7 +8376,7 @@
         <p:spPr>
           <a:xfrm>
             <a:off x="10483560" y="190440"/>
-            <a:ext cx="1338840" cy="888480"/>
+            <a:ext cx="1338480" cy="888120"/>
           </a:xfrm>
           <a:prstGeom prst="rect">
             <a:avLst/>
@@ -8482,7 +8395,7 @@
         <p:spPr>
           <a:xfrm>
             <a:off x="-50040" y="6539760"/>
-            <a:ext cx="1604880" cy="333000"/>
+            <a:ext cx="1604520" cy="333000"/>
           </a:xfrm>
           <a:prstGeom prst="rect">
             <a:avLst/>
@@ -8540,7 +8453,7 @@
         <p:spPr>
           <a:xfrm>
             <a:off x="1661400" y="2435040"/>
-            <a:ext cx="5343480" cy="3858840"/>
+            <a:ext cx="5343120" cy="3858480"/>
           </a:xfrm>
           <a:prstGeom prst="rect">
             <a:avLst/>
@@ -8563,7 +8476,7 @@
         <p:spPr>
           <a:xfrm>
             <a:off x="7005240" y="2353320"/>
-            <a:ext cx="5291280" cy="3858840"/>
+            <a:ext cx="5290920" cy="3858480"/>
           </a:xfrm>
           <a:prstGeom prst="rect">
             <a:avLst/>
@@ -8582,7 +8495,7 @@
         <p:spPr>
           <a:xfrm>
             <a:off x="6986520" y="2332440"/>
-            <a:ext cx="360" cy="4140360"/>
+            <a:ext cx="720" cy="4140720"/>
           </a:xfrm>
           <a:prstGeom prst="straightConnector1">
             <a:avLst/>
@@ -8591,6 +8504,7 @@
             <a:solidFill>
               <a:srgbClr val="c00000"/>
             </a:solidFill>
+            <a:round/>
           </a:ln>
         </p:spPr>
       </p:cxnSp>
@@ -8606,8 +8520,8 @@
         </p:blipFill>
         <p:spPr>
           <a:xfrm rot="16185000">
-            <a:off x="254160" y="326520"/>
-            <a:ext cx="1075320" cy="1075320"/>
+            <a:off x="254160" y="326880"/>
+            <a:ext cx="1074960" cy="1074960"/>
           </a:xfrm>
           <a:prstGeom prst="rect">
             <a:avLst/>
@@ -8626,7 +8540,7 @@
         <p:spPr>
           <a:xfrm>
             <a:off x="-80640" y="1317600"/>
-            <a:ext cx="1844640" cy="302760"/>
+            <a:ext cx="1844280" cy="302760"/>
           </a:xfrm>
           <a:prstGeom prst="rect">
             <a:avLst/>
@@ -8690,7 +8604,7 @@
         <p:spPr>
           <a:xfrm>
             <a:off x="432000" y="1800360"/>
-            <a:ext cx="899640" cy="899640"/>
+            <a:ext cx="899280" cy="899280"/>
           </a:xfrm>
           <a:prstGeom prst="rect">
             <a:avLst/>
@@ -8709,7 +8623,7 @@
         <p:spPr>
           <a:xfrm>
             <a:off x="-147240" y="2621160"/>
-            <a:ext cx="2045160" cy="272160"/>
+            <a:ext cx="2044800" cy="272160"/>
           </a:xfrm>
           <a:prstGeom prst="rect">
             <a:avLst/>
@@ -8769,7 +8683,7 @@
         <p:spPr>
           <a:xfrm>
             <a:off x="3240000" y="1983960"/>
-            <a:ext cx="3283920" cy="363960"/>
+            <a:ext cx="3283560" cy="363960"/>
           </a:xfrm>
           <a:prstGeom prst="rect">
             <a:avLst/>
@@ -8805,11 +8719,11 @@
               </a:rPr>
               <a:t>Configuration caméra</a:t>
             </a:r>
-            <a:endParaRPr b="1" lang="fr-FR" sz="1800" spc="-1" strike="noStrike">
-              <a:solidFill>
-                <a:srgbClr val="e3ba77"/>
-              </a:solidFill>
-              <a:latin typeface="Calibri"/>
+            <a:endParaRPr b="0" lang="fr-FR" sz="1800" spc="-1" strike="noStrike">
+              <a:solidFill>
+                <a:srgbClr val="000000"/>
+              </a:solidFill>
+              <a:latin typeface="Arial"/>
             </a:endParaRPr>
           </a:p>
         </p:txBody>
@@ -8823,7 +8737,7 @@
         <p:spPr>
           <a:xfrm>
             <a:off x="8244000" y="1983960"/>
-            <a:ext cx="3283920" cy="363960"/>
+            <a:ext cx="3283560" cy="363960"/>
           </a:xfrm>
           <a:prstGeom prst="rect">
             <a:avLst/>
@@ -8859,11 +8773,11 @@
               </a:rPr>
               <a:t>Envoie coordonnées caméra</a:t>
             </a:r>
-            <a:endParaRPr b="1" lang="fr-FR" sz="1800" spc="-1" strike="noStrike">
-              <a:solidFill>
-                <a:srgbClr val="e3ba77"/>
-              </a:solidFill>
-              <a:latin typeface="Calibri"/>
+            <a:endParaRPr b="0" lang="fr-FR" sz="1800" spc="-1" strike="noStrike">
+              <a:solidFill>
+                <a:srgbClr val="000000"/>
+              </a:solidFill>
+              <a:latin typeface="Arial"/>
             </a:endParaRPr>
           </a:p>
         </p:txBody>
@@ -8881,7 +8795,7 @@
         <p:spPr>
           <a:xfrm>
             <a:off x="360000" y="3024000"/>
-            <a:ext cx="900000" cy="900000"/>
+            <a:ext cx="899640" cy="899640"/>
           </a:xfrm>
           <a:prstGeom prst="rect">
             <a:avLst/>
@@ -8900,7 +8814,7 @@
         <p:spPr>
           <a:xfrm>
             <a:off x="-147240" y="3862440"/>
-            <a:ext cx="2045160" cy="272160"/>
+            <a:ext cx="2044800" cy="272160"/>
           </a:xfrm>
           <a:prstGeom prst="rect">
             <a:avLst/>
@@ -8985,7 +8899,7 @@
         <p:spPr>
           <a:xfrm>
             <a:off x="0" y="0"/>
-            <a:ext cx="1649520" cy="6856200"/>
+            <a:ext cx="1649160" cy="6855840"/>
           </a:xfrm>
           <a:prstGeom prst="rect">
             <a:avLst/>
@@ -9040,7 +8954,7 @@
         <p:spPr>
           <a:xfrm>
             <a:off x="3200040" y="114480"/>
-            <a:ext cx="6860520" cy="698760"/>
+            <a:ext cx="6860160" cy="698760"/>
           </a:xfrm>
           <a:prstGeom prst="rect">
             <a:avLst/>
@@ -9107,7 +9021,7 @@
         <p:spPr>
           <a:xfrm>
             <a:off x="10483560" y="190440"/>
-            <a:ext cx="1338840" cy="888480"/>
+            <a:ext cx="1338480" cy="888120"/>
           </a:xfrm>
           <a:prstGeom prst="rect">
             <a:avLst/>
@@ -9126,7 +9040,7 @@
         <p:spPr>
           <a:xfrm>
             <a:off x="-50040" y="6539760"/>
-            <a:ext cx="1604880" cy="333000"/>
+            <a:ext cx="1604520" cy="333000"/>
           </a:xfrm>
           <a:prstGeom prst="rect">
             <a:avLst/>
@@ -9184,7 +9098,7 @@
         <p:spPr>
           <a:xfrm>
             <a:off x="3780000" y="1048680"/>
-            <a:ext cx="5759280" cy="2489040"/>
+            <a:ext cx="5758920" cy="2488680"/>
           </a:xfrm>
           <a:prstGeom prst="rect">
             <a:avLst/>
@@ -9207,7 +9121,7 @@
         <p:spPr>
           <a:xfrm>
             <a:off x="3780000" y="3582720"/>
-            <a:ext cx="5759280" cy="2987280"/>
+            <a:ext cx="5758920" cy="2986920"/>
           </a:xfrm>
           <a:prstGeom prst="rect">
             <a:avLst/>
@@ -9230,7 +9144,7 @@
         <p:spPr>
           <a:xfrm>
             <a:off x="432000" y="316080"/>
-            <a:ext cx="899640" cy="899640"/>
+            <a:ext cx="899280" cy="899280"/>
           </a:xfrm>
           <a:prstGeom prst="rect">
             <a:avLst/>
@@ -9249,7 +9163,7 @@
         <p:spPr>
           <a:xfrm>
             <a:off x="-147240" y="1136880"/>
-            <a:ext cx="2045160" cy="272160"/>
+            <a:ext cx="2044800" cy="272160"/>
           </a:xfrm>
           <a:prstGeom prst="rect">
             <a:avLst/>
@@ -9313,7 +9227,7 @@
         <p:spPr>
           <a:xfrm>
             <a:off x="360000" y="1584360"/>
-            <a:ext cx="900000" cy="900000"/>
+            <a:ext cx="899640" cy="899640"/>
           </a:xfrm>
           <a:prstGeom prst="rect">
             <a:avLst/>
@@ -9332,7 +9246,7 @@
         <p:spPr>
           <a:xfrm>
             <a:off x="-147240" y="2422800"/>
-            <a:ext cx="2045160" cy="272160"/>
+            <a:ext cx="2044800" cy="272160"/>
           </a:xfrm>
           <a:prstGeom prst="rect">
             <a:avLst/>
@@ -9417,7 +9331,7 @@
         <p:spPr>
           <a:xfrm>
             <a:off x="0" y="0"/>
-            <a:ext cx="1649520" cy="6856200"/>
+            <a:ext cx="1649160" cy="6855840"/>
           </a:xfrm>
           <a:prstGeom prst="rect">
             <a:avLst/>
@@ -9472,7 +9386,7 @@
         <p:spPr>
           <a:xfrm>
             <a:off x="3200040" y="114480"/>
-            <a:ext cx="6860520" cy="698760"/>
+            <a:ext cx="6860160" cy="698760"/>
           </a:xfrm>
           <a:prstGeom prst="rect">
             <a:avLst/>
@@ -9539,7 +9453,7 @@
         <p:spPr>
           <a:xfrm>
             <a:off x="10483560" y="190440"/>
-            <a:ext cx="1338840" cy="888480"/>
+            <a:ext cx="1338480" cy="888120"/>
           </a:xfrm>
           <a:prstGeom prst="rect">
             <a:avLst/>
@@ -9558,7 +9472,7 @@
         <p:spPr>
           <a:xfrm>
             <a:off x="-50040" y="6539760"/>
-            <a:ext cx="1604880" cy="333000"/>
+            <a:ext cx="1604520" cy="333000"/>
           </a:xfrm>
           <a:prstGeom prst="rect">
             <a:avLst/>
@@ -9616,7 +9530,7 @@
         <p:spPr>
           <a:xfrm>
             <a:off x="1896120" y="1974600"/>
-            <a:ext cx="5087520" cy="3377520"/>
+            <a:ext cx="5087160" cy="3377160"/>
           </a:xfrm>
           <a:prstGeom prst="rect">
             <a:avLst/>
@@ -9639,7 +9553,7 @@
         <p:spPr>
           <a:xfrm>
             <a:off x="7104600" y="1980000"/>
-            <a:ext cx="4919040" cy="3340800"/>
+            <a:ext cx="4918680" cy="3340440"/>
           </a:xfrm>
           <a:prstGeom prst="rect">
             <a:avLst/>
@@ -9662,7 +9576,7 @@
         <p:spPr>
           <a:xfrm>
             <a:off x="432000" y="316080"/>
-            <a:ext cx="899640" cy="899640"/>
+            <a:ext cx="899280" cy="899280"/>
           </a:xfrm>
           <a:prstGeom prst="rect">
             <a:avLst/>
@@ -9681,7 +9595,7 @@
         <p:spPr>
           <a:xfrm>
             <a:off x="-147240" y="1136880"/>
-            <a:ext cx="2045160" cy="272160"/>
+            <a:ext cx="2044800" cy="272160"/>
           </a:xfrm>
           <a:prstGeom prst="rect">
             <a:avLst/>
@@ -9745,7 +9659,7 @@
         <p:spPr>
           <a:xfrm>
             <a:off x="360000" y="1584360"/>
-            <a:ext cx="900000" cy="900000"/>
+            <a:ext cx="899640" cy="899640"/>
           </a:xfrm>
           <a:prstGeom prst="rect">
             <a:avLst/>
@@ -9764,7 +9678,7 @@
         <p:spPr>
           <a:xfrm>
             <a:off x="-147240" y="2422800"/>
-            <a:ext cx="2045160" cy="272160"/>
+            <a:ext cx="2044800" cy="272160"/>
           </a:xfrm>
           <a:prstGeom prst="rect">
             <a:avLst/>
@@ -9849,7 +9763,7 @@
         <p:spPr>
           <a:xfrm>
             <a:off x="0" y="0"/>
-            <a:ext cx="1649520" cy="6856200"/>
+            <a:ext cx="1649160" cy="6855840"/>
           </a:xfrm>
           <a:prstGeom prst="rect">
             <a:avLst/>
@@ -9880,6 +9794,11 @@
             <a:noAutofit/>
           </a:bodyPr>
           <a:p>
+            <a:pPr>
+              <a:lnSpc>
+                <a:spcPct val="100000"/>
+              </a:lnSpc>
+            </a:pPr>
             <a:endParaRPr b="0" lang="fr-FR" sz="1800" spc="-1" strike="noStrike">
               <a:solidFill>
                 <a:schemeClr val="lt1"/>
@@ -9899,7 +9818,7 @@
         <p:spPr>
           <a:xfrm>
             <a:off x="3200040" y="114480"/>
-            <a:ext cx="6860520" cy="698760"/>
+            <a:ext cx="6860160" cy="698760"/>
           </a:xfrm>
           <a:prstGeom prst="rect">
             <a:avLst/>
@@ -9966,7 +9885,7 @@
         <p:spPr>
           <a:xfrm>
             <a:off x="10483560" y="190440"/>
-            <a:ext cx="1338840" cy="888480"/>
+            <a:ext cx="1338480" cy="888120"/>
           </a:xfrm>
           <a:prstGeom prst="rect">
             <a:avLst/>
@@ -9985,7 +9904,7 @@
         <p:spPr>
           <a:xfrm>
             <a:off x="-50040" y="6539760"/>
-            <a:ext cx="1604880" cy="333000"/>
+            <a:ext cx="1604520" cy="333000"/>
           </a:xfrm>
           <a:prstGeom prst="rect">
             <a:avLst/>
@@ -10043,7 +9962,7 @@
         <p:spPr>
           <a:xfrm>
             <a:off x="432000" y="316080"/>
-            <a:ext cx="899640" cy="899640"/>
+            <a:ext cx="899280" cy="899280"/>
           </a:xfrm>
           <a:prstGeom prst="rect">
             <a:avLst/>
@@ -10062,7 +9981,7 @@
         <p:spPr>
           <a:xfrm>
             <a:off x="-147240" y="1136880"/>
-            <a:ext cx="2045160" cy="272160"/>
+            <a:ext cx="2044800" cy="272160"/>
           </a:xfrm>
           <a:prstGeom prst="rect">
             <a:avLst/>
@@ -10126,7 +10045,7 @@
         <p:spPr>
           <a:xfrm>
             <a:off x="1800000" y="1620000"/>
-            <a:ext cx="4691880" cy="3422160"/>
+            <a:ext cx="4691520" cy="3421800"/>
           </a:xfrm>
           <a:prstGeom prst="rect">
             <a:avLst/>
@@ -10149,7 +10068,7 @@
         <p:spPr>
           <a:xfrm>
             <a:off x="7296840" y="1656000"/>
-            <a:ext cx="3611160" cy="3169800"/>
+            <a:ext cx="3610800" cy="3169440"/>
           </a:xfrm>
           <a:prstGeom prst="rect">
             <a:avLst/>
@@ -10172,7 +10091,7 @@
         <p:spPr>
           <a:xfrm>
             <a:off x="360000" y="1584000"/>
-            <a:ext cx="900000" cy="900000"/>
+            <a:ext cx="899640" cy="899640"/>
           </a:xfrm>
           <a:prstGeom prst="rect">
             <a:avLst/>
@@ -10191,7 +10110,7 @@
         <p:spPr>
           <a:xfrm>
             <a:off x="-147240" y="2422440"/>
-            <a:ext cx="2045160" cy="272160"/>
+            <a:ext cx="2044800" cy="272160"/>
           </a:xfrm>
           <a:prstGeom prst="rect">
             <a:avLst/>
@@ -10276,7 +10195,7 @@
         <p:spPr>
           <a:xfrm>
             <a:off x="0" y="0"/>
-            <a:ext cx="1649520" cy="6856200"/>
+            <a:ext cx="1649160" cy="6855840"/>
           </a:xfrm>
           <a:prstGeom prst="rect">
             <a:avLst/>
@@ -10307,6 +10226,11 @@
             <a:noAutofit/>
           </a:bodyPr>
           <a:p>
+            <a:pPr>
+              <a:lnSpc>
+                <a:spcPct val="100000"/>
+              </a:lnSpc>
+            </a:pPr>
             <a:endParaRPr b="0" lang="fr-FR" sz="1800" spc="-1" strike="noStrike">
               <a:solidFill>
                 <a:schemeClr val="lt1"/>
@@ -10326,7 +10250,7 @@
         <p:spPr>
           <a:xfrm>
             <a:off x="3200040" y="114480"/>
-            <a:ext cx="6860520" cy="698760"/>
+            <a:ext cx="6860160" cy="698760"/>
           </a:xfrm>
           <a:prstGeom prst="rect">
             <a:avLst/>
@@ -10393,7 +10317,7 @@
         <p:spPr>
           <a:xfrm>
             <a:off x="10483560" y="190440"/>
-            <a:ext cx="1338840" cy="888480"/>
+            <a:ext cx="1338480" cy="888120"/>
           </a:xfrm>
           <a:prstGeom prst="rect">
             <a:avLst/>
@@ -10412,7 +10336,7 @@
         <p:spPr>
           <a:xfrm>
             <a:off x="-50040" y="6539760"/>
-            <a:ext cx="1604880" cy="333000"/>
+            <a:ext cx="1604520" cy="333000"/>
           </a:xfrm>
           <a:prstGeom prst="rect">
             <a:avLst/>
@@ -10470,7 +10394,7 @@
         <p:spPr>
           <a:xfrm>
             <a:off x="360000" y="298440"/>
-            <a:ext cx="900000" cy="900000"/>
+            <a:ext cx="899640" cy="899640"/>
           </a:xfrm>
           <a:prstGeom prst="rect">
             <a:avLst/>
@@ -10489,7 +10413,7 @@
         <p:spPr>
           <a:xfrm>
             <a:off x="-147240" y="1136880"/>
-            <a:ext cx="2045160" cy="272160"/>
+            <a:ext cx="2044800" cy="272160"/>
           </a:xfrm>
           <a:prstGeom prst="rect">
             <a:avLst/>
@@ -10553,7 +10477,7 @@
         <p:spPr>
           <a:xfrm>
             <a:off x="4240080" y="1080000"/>
-            <a:ext cx="5119920" cy="5119920"/>
+            <a:ext cx="5119560" cy="5119560"/>
           </a:xfrm>
           <a:prstGeom prst="rect">
             <a:avLst/>
@@ -10597,7 +10521,7 @@
         <p:spPr>
           <a:xfrm>
             <a:off x="0" y="0"/>
-            <a:ext cx="1915200" cy="6856200"/>
+            <a:ext cx="1914840" cy="6855840"/>
           </a:xfrm>
           <a:prstGeom prst="rect">
             <a:avLst/>
@@ -10652,7 +10576,7 @@
         <p:spPr>
           <a:xfrm>
             <a:off x="3285000" y="194760"/>
-            <a:ext cx="6860520" cy="698760"/>
+            <a:ext cx="6860160" cy="698760"/>
           </a:xfrm>
           <a:prstGeom prst="rect">
             <a:avLst/>
@@ -10715,7 +10639,7 @@
         <p:spPr>
           <a:xfrm>
             <a:off x="-5040" y="6519600"/>
-            <a:ext cx="1925280" cy="333000"/>
+            <a:ext cx="1924920" cy="333000"/>
           </a:xfrm>
           <a:prstGeom prst="rect">
             <a:avLst/>
@@ -10775,7 +10699,7 @@
         <p:spPr>
           <a:xfrm>
             <a:off x="266400" y="1872720"/>
-            <a:ext cx="1411200" cy="1411200"/>
+            <a:ext cx="1410840" cy="1410840"/>
           </a:xfrm>
           <a:prstGeom prst="rect">
             <a:avLst/>
@@ -10794,7 +10718,7 @@
         <p:spPr>
           <a:xfrm>
             <a:off x="45720" y="3204720"/>
-            <a:ext cx="2131920" cy="302760"/>
+            <a:ext cx="2131560" cy="302760"/>
           </a:xfrm>
           <a:prstGeom prst="rect">
             <a:avLst/>
@@ -10848,7 +10772,7 @@
         <p:spPr>
           <a:xfrm>
             <a:off x="2247480" y="3204720"/>
-            <a:ext cx="2420640" cy="302760"/>
+            <a:ext cx="2420280" cy="302760"/>
           </a:xfrm>
           <a:prstGeom prst="rect">
             <a:avLst/>
@@ -10892,7 +10816,7 @@
             </a:r>
             <a:endParaRPr b="0" lang="fr-FR" sz="1400" spc="-1" strike="noStrike">
               <a:solidFill>
-                <a:srgbClr val="c9211e"/>
+                <a:srgbClr val="000000"/>
               </a:solidFill>
               <a:latin typeface="Arial"/>
             </a:endParaRPr>
@@ -10908,7 +10832,7 @@
         <p:spPr>
           <a:xfrm>
             <a:off x="4669920" y="3225240"/>
-            <a:ext cx="2420640" cy="302760"/>
+            <a:ext cx="2420280" cy="302760"/>
           </a:xfrm>
           <a:prstGeom prst="rect">
             <a:avLst/>
@@ -10952,7 +10876,7 @@
             </a:r>
             <a:endParaRPr b="0" lang="fr-FR" sz="1400" spc="-1" strike="noStrike">
               <a:solidFill>
-                <a:srgbClr val="c9211e"/>
+                <a:srgbClr val="000000"/>
               </a:solidFill>
               <a:latin typeface="Arial"/>
             </a:endParaRPr>
@@ -10972,7 +10896,7 @@
         <p:spPr>
           <a:xfrm>
             <a:off x="10483560" y="190440"/>
-            <a:ext cx="1338840" cy="888480"/>
+            <a:ext cx="1338480" cy="888120"/>
           </a:xfrm>
           <a:prstGeom prst="rect">
             <a:avLst/>
@@ -10995,7 +10919,7 @@
         <p:spPr>
           <a:xfrm>
             <a:off x="5276160" y="1827360"/>
-            <a:ext cx="1456560" cy="1456560"/>
+            <a:ext cx="1456200" cy="1456200"/>
           </a:xfrm>
           <a:prstGeom prst="rect">
             <a:avLst/>
@@ -11018,7 +10942,7 @@
         <p:spPr>
           <a:xfrm>
             <a:off x="2658600" y="1827360"/>
-            <a:ext cx="1456560" cy="1456560"/>
+            <a:ext cx="1456200" cy="1456200"/>
           </a:xfrm>
           <a:prstGeom prst="rect">
             <a:avLst/>
@@ -11037,7 +10961,7 @@
         <p:spPr>
           <a:xfrm>
             <a:off x="4419360" y="6300000"/>
-            <a:ext cx="2420640" cy="302760"/>
+            <a:ext cx="2420280" cy="302760"/>
           </a:xfrm>
           <a:prstGeom prst="rect">
             <a:avLst/>
@@ -11081,7 +11005,7 @@
             </a:r>
             <a:endParaRPr b="0" lang="fr-FR" sz="1400" spc="-1" strike="noStrike">
               <a:solidFill>
-                <a:srgbClr val="c9211e"/>
+                <a:srgbClr val="000000"/>
               </a:solidFill>
               <a:latin typeface="Arial"/>
             </a:endParaRPr>
@@ -11101,7 +11025,7 @@
         <p:spPr>
           <a:xfrm>
             <a:off x="5007600" y="5148000"/>
-            <a:ext cx="1247400" cy="1247400"/>
+            <a:ext cx="1247040" cy="1247040"/>
           </a:xfrm>
           <a:prstGeom prst="rect">
             <a:avLst/>
@@ -11124,7 +11048,7 @@
         <p:spPr>
           <a:xfrm>
             <a:off x="7481880" y="2052000"/>
-            <a:ext cx="1049760" cy="1049760"/>
+            <a:ext cx="1049400" cy="1049400"/>
           </a:xfrm>
           <a:prstGeom prst="rect">
             <a:avLst/>
@@ -11143,7 +11067,7 @@
         <p:spPr>
           <a:xfrm>
             <a:off x="6804000" y="3225240"/>
-            <a:ext cx="2420640" cy="302760"/>
+            <a:ext cx="2420280" cy="302760"/>
           </a:xfrm>
           <a:prstGeom prst="rect">
             <a:avLst/>
@@ -11187,7 +11111,7 @@
             </a:r>
             <a:endParaRPr b="0" lang="fr-FR" sz="1400" spc="-1" strike="noStrike">
               <a:solidFill>
-                <a:srgbClr val="c9211e"/>
+                <a:srgbClr val="000000"/>
               </a:solidFill>
               <a:latin typeface="Arial"/>
             </a:endParaRPr>
@@ -11207,7 +11131,7 @@
         <p:spPr>
           <a:xfrm>
             <a:off x="7167240" y="5187240"/>
-            <a:ext cx="1112760" cy="1112760"/>
+            <a:ext cx="1112400" cy="1112400"/>
           </a:xfrm>
           <a:prstGeom prst="rect">
             <a:avLst/>
@@ -11226,7 +11150,7 @@
         <p:spPr>
           <a:xfrm>
             <a:off x="6774840" y="6300000"/>
-            <a:ext cx="2045160" cy="302760"/>
+            <a:ext cx="2044800" cy="302760"/>
           </a:xfrm>
           <a:prstGeom prst="rect">
             <a:avLst/>
@@ -11270,7 +11194,7 @@
             </a:r>
             <a:endParaRPr b="0" lang="fr-FR" sz="1400" spc="-1" strike="noStrike">
               <a:solidFill>
-                <a:srgbClr val="c9211e"/>
+                <a:srgbClr val="000000"/>
               </a:solidFill>
               <a:latin typeface="Arial"/>
             </a:endParaRPr>
@@ -11289,8 +11213,8 @@
         </p:blipFill>
         <p:spPr>
           <a:xfrm rot="16185600">
-            <a:off x="9722880" y="3422880"/>
-            <a:ext cx="1433880" cy="1433880"/>
+            <a:off x="9722520" y="3422880"/>
+            <a:ext cx="1433520" cy="1433520"/>
           </a:xfrm>
           <a:prstGeom prst="rect">
             <a:avLst/>
@@ -11309,7 +11233,7 @@
         <p:spPr>
           <a:xfrm>
             <a:off x="9567360" y="4644000"/>
-            <a:ext cx="1844640" cy="302760"/>
+            <a:ext cx="1844280" cy="302760"/>
           </a:xfrm>
           <a:prstGeom prst="rect">
             <a:avLst/>
@@ -11353,7 +11277,7 @@
             </a:r>
             <a:endParaRPr b="0" lang="fr-FR" sz="1400" spc="-1" strike="noStrike">
               <a:solidFill>
-                <a:srgbClr val="c9211e"/>
+                <a:srgbClr val="000000"/>
               </a:solidFill>
               <a:latin typeface="Arial"/>
             </a:endParaRPr>
@@ -11373,7 +11297,7 @@
         <p:spPr>
           <a:xfrm>
             <a:off x="7452000" y="3512880"/>
-            <a:ext cx="1224360" cy="1224360"/>
+            <a:ext cx="1224000" cy="1224000"/>
           </a:xfrm>
           <a:prstGeom prst="rect">
             <a:avLst/>
@@ -11392,7 +11316,7 @@
         <p:spPr>
           <a:xfrm>
             <a:off x="7092000" y="4737240"/>
-            <a:ext cx="1844640" cy="302760"/>
+            <a:ext cx="1844280" cy="302760"/>
           </a:xfrm>
           <a:prstGeom prst="rect">
             <a:avLst/>
@@ -11436,7 +11360,7 @@
             </a:r>
             <a:endParaRPr b="0" lang="fr-FR" sz="1400" spc="-1" strike="noStrike">
               <a:solidFill>
-                <a:srgbClr val="c9211e"/>
+                <a:srgbClr val="000000"/>
               </a:solidFill>
               <a:latin typeface="Arial"/>
             </a:endParaRPr>
@@ -11456,7 +11380,7 @@
         <p:spPr>
           <a:xfrm>
             <a:off x="5112000" y="3594240"/>
-            <a:ext cx="1143000" cy="1143000"/>
+            <a:ext cx="1142640" cy="1142640"/>
           </a:xfrm>
           <a:prstGeom prst="rect">
             <a:avLst/>
@@ -11475,7 +11399,7 @@
         <p:spPr>
           <a:xfrm>
             <a:off x="4779360" y="4737240"/>
-            <a:ext cx="1844640" cy="302760"/>
+            <a:ext cx="1844280" cy="302760"/>
           </a:xfrm>
           <a:prstGeom prst="rect">
             <a:avLst/>
@@ -11519,7 +11443,7 @@
             </a:r>
             <a:endParaRPr b="0" lang="fr-FR" sz="1400" spc="-1" strike="noStrike">
               <a:solidFill>
-                <a:srgbClr val="c9211e"/>
+                <a:srgbClr val="000000"/>
               </a:solidFill>
               <a:latin typeface="Arial"/>
             </a:endParaRPr>
@@ -11539,7 +11463,7 @@
         <p:spPr>
           <a:xfrm>
             <a:off x="2814840" y="3528000"/>
-            <a:ext cx="1217160" cy="1217160"/>
+            <a:ext cx="1216800" cy="1216800"/>
           </a:xfrm>
           <a:prstGeom prst="rect">
             <a:avLst/>
@@ -11558,7 +11482,7 @@
         <p:spPr>
           <a:xfrm>
             <a:off x="2592000" y="4737240"/>
-            <a:ext cx="1844640" cy="302760"/>
+            <a:ext cx="1844280" cy="302760"/>
           </a:xfrm>
           <a:prstGeom prst="rect">
             <a:avLst/>
@@ -11602,7 +11526,7 @@
             </a:r>
             <a:endParaRPr b="0" lang="fr-FR" sz="1400" spc="-1" strike="noStrike">
               <a:solidFill>
-                <a:srgbClr val="c9211e"/>
+                <a:srgbClr val="000000"/>
               </a:solidFill>
               <a:latin typeface="Arial"/>
             </a:endParaRPr>
@@ -11622,7 +11546,7 @@
         <p:spPr>
           <a:xfrm>
             <a:off x="360000" y="3549240"/>
-            <a:ext cx="1152000" cy="1152000"/>
+            <a:ext cx="1151640" cy="1151640"/>
           </a:xfrm>
           <a:prstGeom prst="rect">
             <a:avLst/>
@@ -11641,7 +11565,7 @@
         <p:spPr>
           <a:xfrm>
             <a:off x="0" y="4737240"/>
-            <a:ext cx="1844640" cy="302760"/>
+            <a:ext cx="1844280" cy="302760"/>
           </a:xfrm>
           <a:prstGeom prst="rect">
             <a:avLst/>
@@ -11685,7 +11609,7 @@
             </a:r>
             <a:endParaRPr b="0" lang="fr-FR" sz="1400" spc="-1" strike="noStrike">
               <a:solidFill>
-                <a:srgbClr val="e3ba77"/>
+                <a:srgbClr val="000000"/>
               </a:solidFill>
               <a:latin typeface="Arial"/>
             </a:endParaRPr>
@@ -11705,7 +11629,7 @@
         <p:spPr>
           <a:xfrm>
             <a:off x="9936000" y="2088000"/>
-            <a:ext cx="1116000" cy="1116000"/>
+            <a:ext cx="1115640" cy="1115640"/>
           </a:xfrm>
           <a:prstGeom prst="rect">
             <a:avLst/>
@@ -11724,7 +11648,7 @@
         <p:spPr>
           <a:xfrm>
             <a:off x="9567360" y="3225240"/>
-            <a:ext cx="1844640" cy="302760"/>
+            <a:ext cx="1844280" cy="302760"/>
           </a:xfrm>
           <a:prstGeom prst="rect">
             <a:avLst/>
@@ -11768,7 +11692,7 @@
             </a:r>
             <a:endParaRPr b="0" lang="fr-FR" sz="1400" spc="-1" strike="noStrike">
               <a:solidFill>
-                <a:srgbClr val="c9211e"/>
+                <a:srgbClr val="000000"/>
               </a:solidFill>
               <a:latin typeface="Arial"/>
             </a:endParaRPr>
@@ -11927,7 +11851,7 @@
         <p:spPr>
           <a:xfrm>
             <a:off x="0" y="0"/>
-            <a:ext cx="1649520" cy="6856200"/>
+            <a:ext cx="1649160" cy="6855840"/>
           </a:xfrm>
           <a:prstGeom prst="rect">
             <a:avLst/>
@@ -11982,7 +11906,7 @@
         <p:spPr>
           <a:xfrm>
             <a:off x="3078720" y="143280"/>
-            <a:ext cx="6860520" cy="698760"/>
+            <a:ext cx="6860160" cy="698760"/>
           </a:xfrm>
           <a:prstGeom prst="rect">
             <a:avLst/>
@@ -12049,7 +11973,7 @@
         <p:spPr>
           <a:xfrm>
             <a:off x="2162160" y="2421360"/>
-            <a:ext cx="4096800" cy="2719800"/>
+            <a:ext cx="4096440" cy="2719440"/>
           </a:xfrm>
           <a:prstGeom prst="rect">
             <a:avLst/>
@@ -12072,7 +11996,7 @@
         <p:spPr>
           <a:xfrm>
             <a:off x="10483560" y="190440"/>
-            <a:ext cx="1338840" cy="888480"/>
+            <a:ext cx="1338480" cy="888120"/>
           </a:xfrm>
           <a:prstGeom prst="rect">
             <a:avLst/>
@@ -12091,7 +12015,7 @@
         <p:spPr>
           <a:xfrm>
             <a:off x="-50040" y="6539760"/>
-            <a:ext cx="1604880" cy="333000"/>
+            <a:ext cx="1604520" cy="333000"/>
           </a:xfrm>
           <a:prstGeom prst="rect">
             <a:avLst/>
@@ -12145,7 +12069,7 @@
         <p:spPr>
           <a:xfrm>
             <a:off x="6662160" y="2215800"/>
-            <a:ext cx="4831560" cy="760320"/>
+            <a:ext cx="4831200" cy="760320"/>
           </a:xfrm>
           <a:prstGeom prst="rect">
             <a:avLst/>
@@ -12219,7 +12143,7 @@
         <p:spPr>
           <a:xfrm>
             <a:off x="6662160" y="3990600"/>
-            <a:ext cx="4756680" cy="1370160"/>
+            <a:ext cx="4756320" cy="1370160"/>
           </a:xfrm>
           <a:prstGeom prst="rect">
             <a:avLst/>
@@ -12289,7 +12213,7 @@
         <p:spPr>
           <a:xfrm>
             <a:off x="348480" y="535680"/>
-            <a:ext cx="953280" cy="953280"/>
+            <a:ext cx="952920" cy="952920"/>
           </a:xfrm>
           <a:prstGeom prst="rect">
             <a:avLst/>
@@ -12308,7 +12232,7 @@
         <p:spPr>
           <a:xfrm>
             <a:off x="-29520" y="1355040"/>
-            <a:ext cx="2045160" cy="272160"/>
+            <a:ext cx="2044800" cy="272160"/>
           </a:xfrm>
           <a:prstGeom prst="rect">
             <a:avLst/>
@@ -12362,7 +12286,7 @@
         <p:spPr>
           <a:xfrm>
             <a:off x="-361800" y="2411640"/>
-            <a:ext cx="2420640" cy="515880"/>
+            <a:ext cx="2420280" cy="515880"/>
           </a:xfrm>
           <a:prstGeom prst="rect">
             <a:avLst/>
@@ -12435,7 +12359,7 @@
         <p:spPr>
           <a:xfrm>
             <a:off x="-219240" y="3664800"/>
-            <a:ext cx="2045160" cy="272160"/>
+            <a:ext cx="2044800" cy="272160"/>
           </a:xfrm>
           <a:prstGeom prst="rect">
             <a:avLst/>
@@ -12499,7 +12423,7 @@
         <p:spPr>
           <a:xfrm>
             <a:off x="392760" y="2856240"/>
-            <a:ext cx="848880" cy="848880"/>
+            <a:ext cx="848520" cy="848520"/>
           </a:xfrm>
           <a:prstGeom prst="rect">
             <a:avLst/>
@@ -12522,7 +12446,7 @@
         <p:spPr>
           <a:xfrm>
             <a:off x="303120" y="1490400"/>
-            <a:ext cx="1000440" cy="1000440"/>
+            <a:ext cx="1000080" cy="1000080"/>
           </a:xfrm>
           <a:prstGeom prst="rect">
             <a:avLst/>
@@ -12545,7 +12469,7 @@
         <p:spPr>
           <a:xfrm>
             <a:off x="254880" y="4048560"/>
-            <a:ext cx="799920" cy="732240"/>
+            <a:ext cx="799560" cy="731880"/>
           </a:xfrm>
           <a:prstGeom prst="rect">
             <a:avLst/>
@@ -12564,7 +12488,7 @@
         <p:spPr>
           <a:xfrm>
             <a:off x="-153720" y="4809240"/>
-            <a:ext cx="1844640" cy="302760"/>
+            <a:ext cx="1844280" cy="302760"/>
           </a:xfrm>
           <a:prstGeom prst="rect">
             <a:avLst/>
@@ -12628,7 +12552,7 @@
         <p:spPr>
           <a:xfrm>
             <a:off x="360000" y="5220000"/>
-            <a:ext cx="807840" cy="807840"/>
+            <a:ext cx="807480" cy="807480"/>
           </a:xfrm>
           <a:prstGeom prst="rect">
             <a:avLst/>
@@ -12647,7 +12571,7 @@
         <p:spPr>
           <a:xfrm>
             <a:off x="-180000" y="6120000"/>
-            <a:ext cx="1844640" cy="302760"/>
+            <a:ext cx="1844280" cy="302760"/>
           </a:xfrm>
           <a:prstGeom prst="rect">
             <a:avLst/>
@@ -12732,7 +12656,7 @@
         <p:spPr>
           <a:xfrm>
             <a:off x="6120" y="-10800"/>
-            <a:ext cx="1649520" cy="6856200"/>
+            <a:ext cx="1649160" cy="6855840"/>
           </a:xfrm>
           <a:prstGeom prst="rect">
             <a:avLst/>
@@ -12787,7 +12711,7 @@
         <p:spPr>
           <a:xfrm>
             <a:off x="3078720" y="136800"/>
-            <a:ext cx="6860520" cy="698760"/>
+            <a:ext cx="6860160" cy="698760"/>
           </a:xfrm>
           <a:prstGeom prst="rect">
             <a:avLst/>
@@ -12854,7 +12778,7 @@
         <p:spPr>
           <a:xfrm>
             <a:off x="10483560" y="190440"/>
-            <a:ext cx="1338840" cy="888480"/>
+            <a:ext cx="1338480" cy="888120"/>
           </a:xfrm>
           <a:prstGeom prst="rect">
             <a:avLst/>
@@ -12873,7 +12797,7 @@
         <p:spPr>
           <a:xfrm>
             <a:off x="-50040" y="6539760"/>
-            <a:ext cx="1604880" cy="333000"/>
+            <a:ext cx="1604520" cy="333000"/>
           </a:xfrm>
           <a:prstGeom prst="rect">
             <a:avLst/>
@@ -12918,39 +12842,16 @@
           </a:p>
         </p:txBody>
       </p:sp>
-      <p:pic>
-        <p:nvPicPr>
-          <p:cNvPr id="104" name="Image 89" descr=""/>
-          <p:cNvPicPr/>
-          <p:nvPr/>
-        </p:nvPicPr>
-        <p:blipFill>
-          <a:blip r:embed="rId2"/>
-          <a:stretch/>
-        </p:blipFill>
-        <p:spPr>
-          <a:xfrm>
-            <a:off x="2700000" y="2224800"/>
-            <a:ext cx="8625600" cy="2633760"/>
-          </a:xfrm>
-          <a:prstGeom prst="rect">
-            <a:avLst/>
-          </a:prstGeom>
-          <a:ln w="0">
-            <a:noFill/>
-          </a:ln>
-        </p:spPr>
-      </p:pic>
-      <p:sp>
-        <p:nvSpPr>
-          <p:cNvPr id="105" name="ZoneTexte 50"/>
+      <p:sp>
+        <p:nvSpPr>
+          <p:cNvPr id="104" name="ZoneTexte 50"/>
           <p:cNvSpPr/>
           <p:nvPr/>
         </p:nvSpPr>
         <p:spPr>
           <a:xfrm>
             <a:off x="-360000" y="1461240"/>
-            <a:ext cx="2420640" cy="515880"/>
+            <a:ext cx="2420280" cy="515880"/>
           </a:xfrm>
           <a:prstGeom prst="rect">
             <a:avLst/>
@@ -13016,14 +12917,14 @@
       </p:sp>
       <p:sp>
         <p:nvSpPr>
-          <p:cNvPr id="106" name="ZoneTexte 51"/>
+          <p:cNvPr id="105" name="ZoneTexte 51"/>
           <p:cNvSpPr/>
           <p:nvPr/>
         </p:nvSpPr>
         <p:spPr>
           <a:xfrm>
             <a:off x="-245160" y="2679840"/>
-            <a:ext cx="2045160" cy="272160"/>
+            <a:ext cx="2044800" cy="272160"/>
           </a:xfrm>
           <a:prstGeom prst="rect">
             <a:avLst/>
@@ -13076,7 +12977,30 @@
       </p:sp>
       <p:pic>
         <p:nvPicPr>
-          <p:cNvPr id="107" name="Graphique 22" descr="Schéma de réseau contour"/>
+          <p:cNvPr id="106" name="Graphique 22" descr="Schéma de réseau contour"/>
+          <p:cNvPicPr/>
+          <p:nvPr/>
+        </p:nvPicPr>
+        <p:blipFill>
+          <a:blip r:embed="rId2"/>
+          <a:stretch/>
+        </p:blipFill>
+        <p:spPr>
+          <a:xfrm>
+            <a:off x="366840" y="1871280"/>
+            <a:ext cx="848520" cy="848520"/>
+          </a:xfrm>
+          <a:prstGeom prst="rect">
+            <a:avLst/>
+          </a:prstGeom>
+          <a:ln w="0">
+            <a:noFill/>
+          </a:ln>
+        </p:spPr>
+      </p:pic>
+      <p:pic>
+        <p:nvPicPr>
+          <p:cNvPr id="107" name="Graphique 27" descr="Présentation avec organigramme  contour"/>
           <p:cNvPicPr/>
           <p:nvPr/>
         </p:nvPicPr>
@@ -13086,8 +13010,8 @@
         </p:blipFill>
         <p:spPr>
           <a:xfrm>
-            <a:off x="366840" y="1871280"/>
-            <a:ext cx="848880" cy="848880"/>
+            <a:off x="304920" y="540000"/>
+            <a:ext cx="1000080" cy="1000080"/>
           </a:xfrm>
           <a:prstGeom prst="rect">
             <a:avLst/>
@@ -13099,7 +13023,7 @@
       </p:pic>
       <p:pic>
         <p:nvPicPr>
-          <p:cNvPr id="108" name="Graphique 27" descr="Présentation avec organigramme  contour"/>
+          <p:cNvPr id="108" name="Image 98" descr=""/>
           <p:cNvPicPr/>
           <p:nvPr/>
         </p:nvPicPr>
@@ -13109,8 +13033,8 @@
         </p:blipFill>
         <p:spPr>
           <a:xfrm>
-            <a:off x="304920" y="540000"/>
-            <a:ext cx="1000440" cy="1000440"/>
+            <a:off x="336600" y="3040560"/>
+            <a:ext cx="799560" cy="731880"/>
           </a:xfrm>
           <a:prstGeom prst="rect">
             <a:avLst/>
@@ -13120,39 +13044,16 @@
           </a:ln>
         </p:spPr>
       </p:pic>
-      <p:pic>
-        <p:nvPicPr>
-          <p:cNvPr id="109" name="Image 98" descr=""/>
-          <p:cNvPicPr/>
-          <p:nvPr/>
-        </p:nvPicPr>
-        <p:blipFill>
-          <a:blip r:embed="rId5"/>
-          <a:stretch/>
-        </p:blipFill>
-        <p:spPr>
-          <a:xfrm>
-            <a:off x="336600" y="3040560"/>
-            <a:ext cx="799920" cy="732240"/>
-          </a:xfrm>
-          <a:prstGeom prst="rect">
-            <a:avLst/>
-          </a:prstGeom>
-          <a:ln w="0">
-            <a:noFill/>
-          </a:ln>
-        </p:spPr>
-      </p:pic>
-      <p:sp>
-        <p:nvSpPr>
-          <p:cNvPr id="110" name="ZoneTexte 52"/>
+      <p:sp>
+        <p:nvSpPr>
+          <p:cNvPr id="109" name="ZoneTexte 52"/>
           <p:cNvSpPr/>
           <p:nvPr/>
         </p:nvSpPr>
         <p:spPr>
           <a:xfrm>
             <a:off x="-116640" y="3801240"/>
-            <a:ext cx="1844640" cy="302760"/>
+            <a:ext cx="1844280" cy="302760"/>
           </a:xfrm>
           <a:prstGeom prst="rect">
             <a:avLst/>
@@ -13205,18 +13106,18 @@
       </p:sp>
       <p:pic>
         <p:nvPicPr>
-          <p:cNvPr id="111" name="Image 2" descr=""/>
+          <p:cNvPr id="110" name="" descr=""/>
           <p:cNvPicPr/>
           <p:nvPr/>
         </p:nvPicPr>
         <p:blipFill>
-          <a:blip r:embed="rId6"/>
+          <a:blip r:embed="rId5"/>
           <a:stretch/>
         </p:blipFill>
         <p:spPr>
           <a:xfrm>
-            <a:off x="2529720" y="2068560"/>
-            <a:ext cx="8795880" cy="2909160"/>
+            <a:off x="423000" y="4161240"/>
+            <a:ext cx="807480" cy="807480"/>
           </a:xfrm>
           <a:prstGeom prst="rect">
             <a:avLst/>
@@ -13226,39 +13127,16 @@
           </a:ln>
         </p:spPr>
       </p:pic>
-      <p:pic>
-        <p:nvPicPr>
-          <p:cNvPr id="112" name="" descr=""/>
-          <p:cNvPicPr/>
-          <p:nvPr/>
-        </p:nvPicPr>
-        <p:blipFill>
-          <a:blip r:embed="rId7"/>
-          <a:stretch/>
-        </p:blipFill>
-        <p:spPr>
-          <a:xfrm>
-            <a:off x="423000" y="4161240"/>
-            <a:ext cx="807840" cy="807840"/>
-          </a:xfrm>
-          <a:prstGeom prst="rect">
-            <a:avLst/>
-          </a:prstGeom>
-          <a:ln w="0">
-            <a:noFill/>
-          </a:ln>
-        </p:spPr>
-      </p:pic>
-      <p:sp>
-        <p:nvSpPr>
-          <p:cNvPr id="113" name="ZoneTexte 12"/>
+      <p:sp>
+        <p:nvSpPr>
+          <p:cNvPr id="111" name="ZoneTexte 12"/>
           <p:cNvSpPr/>
           <p:nvPr/>
         </p:nvSpPr>
         <p:spPr>
           <a:xfrm>
             <a:off x="-81000" y="4953240"/>
-            <a:ext cx="1844640" cy="302760"/>
+            <a:ext cx="1844280" cy="302760"/>
           </a:xfrm>
           <a:prstGeom prst="rect">
             <a:avLst/>
@@ -13311,18 +13189,18 @@
       </p:sp>
       <p:pic>
         <p:nvPicPr>
-          <p:cNvPr id="114" name="" descr=""/>
+          <p:cNvPr id="112" name="" descr=""/>
           <p:cNvPicPr/>
           <p:nvPr/>
         </p:nvPicPr>
         <p:blipFill>
-          <a:blip r:embed="rId8"/>
+          <a:blip r:embed="rId6"/>
           <a:stretch/>
         </p:blipFill>
         <p:spPr>
           <a:xfrm>
             <a:off x="423000" y="5283000"/>
-            <a:ext cx="837000" cy="837000"/>
+            <a:ext cx="836640" cy="836640"/>
           </a:xfrm>
           <a:prstGeom prst="rect">
             <a:avLst/>
@@ -13334,14 +13212,14 @@
       </p:pic>
       <p:sp>
         <p:nvSpPr>
-          <p:cNvPr id="115" name="ZoneTexte 34"/>
+          <p:cNvPr id="113" name="ZoneTexte 34"/>
           <p:cNvSpPr/>
           <p:nvPr/>
         </p:nvSpPr>
         <p:spPr>
           <a:xfrm>
             <a:off x="-81000" y="6105240"/>
-            <a:ext cx="1844640" cy="302760"/>
+            <a:ext cx="1844280" cy="302760"/>
           </a:xfrm>
           <a:prstGeom prst="rect">
             <a:avLst/>
@@ -13392,6 +13270,52 @@
           </a:p>
         </p:txBody>
       </p:sp>
+      <p:pic>
+        <p:nvPicPr>
+          <p:cNvPr id="114" name="" descr=""/>
+          <p:cNvPicPr/>
+          <p:nvPr/>
+        </p:nvPicPr>
+        <p:blipFill>
+          <a:blip r:embed="rId7"/>
+          <a:stretch/>
+        </p:blipFill>
+        <p:spPr>
+          <a:xfrm>
+            <a:off x="2883960" y="2007720"/>
+            <a:ext cx="8096040" cy="2672280"/>
+          </a:xfrm>
+          <a:prstGeom prst="rect">
+            <a:avLst/>
+          </a:prstGeom>
+          <a:ln w="0">
+            <a:noFill/>
+          </a:ln>
+        </p:spPr>
+      </p:pic>
+      <p:pic>
+        <p:nvPicPr>
+          <p:cNvPr id="115" name="" descr=""/>
+          <p:cNvPicPr/>
+          <p:nvPr/>
+        </p:nvPicPr>
+        <p:blipFill>
+          <a:blip r:embed="rId8"/>
+          <a:stretch/>
+        </p:blipFill>
+        <p:spPr>
+          <a:xfrm>
+            <a:off x="2340000" y="2150640"/>
+            <a:ext cx="9027360" cy="2529360"/>
+          </a:xfrm>
+          <a:prstGeom prst="rect">
+            <a:avLst/>
+          </a:prstGeom>
+          <a:ln w="0">
+            <a:noFill/>
+          </a:ln>
+        </p:spPr>
+      </p:pic>
     </p:spTree>
   </p:cSld>
   <p:transition spd="slow">
@@ -13425,9 +13349,9 @@
                                   <p:childTnLst>
                                     <p:animEffect filter="fade" transition="out">
                                       <p:cBhvr additive="repl">
-                                        <p:cTn id="16" dur="500"/>
+                                        <p:cTn id="16" dur="2000"/>
                                         <p:tgtEl>
-                                          <p:spTgt spid="104"/>
+                                          <p:spTgt spid="115"/>
                                         </p:tgtEl>
                                       </p:cBhvr>
                                     </p:animEffect>
@@ -13435,11 +13359,11 @@
                                       <p:cBhvr>
                                         <p:cTn id="17" dur="1" fill="hold">
                                           <p:stCondLst>
-                                            <p:cond delay="499"/>
+                                            <p:cond delay="1999"/>
                                           </p:stCondLst>
                                         </p:cTn>
                                         <p:tgtEl>
-                                          <p:spTgt spid="104"/>
+                                          <p:spTgt spid="115"/>
                                         </p:tgtEl>
                                         <p:attrNameLst>
                                           <p:attrName>style.visibility</p:attrName>
@@ -13484,7 +13408,7 @@
                                           </p:stCondLst>
                                         </p:cTn>
                                         <p:tgtEl>
-                                          <p:spTgt spid="111"/>
+                                          <p:spTgt spid="114"/>
                                         </p:tgtEl>
                                         <p:attrNameLst>
                                           <p:attrName>style.visibility</p:attrName>
@@ -13496,65 +13420,12 @@
                                     </p:set>
                                     <p:animEffect filter="fade" transition="in">
                                       <p:cBhvr additive="repl">
-                                        <p:cTn id="22" dur="500"/>
+                                        <p:cTn id="22" dur="2000"/>
                                         <p:tgtEl>
-                                          <p:spTgt spid="111"/>
+                                          <p:spTgt spid="114"/>
                                         </p:tgtEl>
                                       </p:cBhvr>
                                     </p:animEffect>
-                                  </p:childTnLst>
-                                </p:cTn>
-                              </p:par>
-                            </p:childTnLst>
-                          </p:cTn>
-                        </p:par>
-                      </p:childTnLst>
-                    </p:cTn>
-                  </p:par>
-                  <p:par>
-                    <p:cTn id="23" fill="hold">
-                      <p:stCondLst>
-                        <p:cond delay="indefinite"/>
-                      </p:stCondLst>
-                      <p:childTnLst>
-                        <p:par>
-                          <p:cTn id="24" fill="hold">
-                            <p:stCondLst>
-                              <p:cond delay="0"/>
-                            </p:stCondLst>
-                            <p:childTnLst>
-                              <p:par>
-                                <p:cTn id="25" nodeType="clickEffect" fill="hold" presetClass="exit" presetID="10">
-                                  <p:stCondLst>
-                                    <p:cond delay="0"/>
-                                  </p:stCondLst>
-                                  <p:childTnLst>
-                                    <p:animEffect filter="fade" transition="out">
-                                      <p:cBhvr additive="repl">
-                                        <p:cTn id="26" dur="500"/>
-                                        <p:tgtEl>
-                                          <p:spTgt spid="111"/>
-                                        </p:tgtEl>
-                                      </p:cBhvr>
-                                    </p:animEffect>
-                                    <p:set>
-                                      <p:cBhvr>
-                                        <p:cTn id="27" dur="1" fill="hold">
-                                          <p:stCondLst>
-                                            <p:cond delay="499"/>
-                                          </p:stCondLst>
-                                        </p:cTn>
-                                        <p:tgtEl>
-                                          <p:spTgt spid="111"/>
-                                        </p:tgtEl>
-                                        <p:attrNameLst>
-                                          <p:attrName>style.visibility</p:attrName>
-                                        </p:attrNameLst>
-                                      </p:cBhvr>
-                                      <p:to>
-                                        <p:strVal val="hidden"/>
-                                      </p:to>
-                                    </p:set>
                                   </p:childTnLst>
                                 </p:cTn>
                               </p:par>
@@ -13615,7 +13486,7 @@
         <p:spPr>
           <a:xfrm>
             <a:off x="0" y="0"/>
-            <a:ext cx="1649520" cy="6856200"/>
+            <a:ext cx="1649160" cy="6855840"/>
           </a:xfrm>
           <a:prstGeom prst="rect">
             <a:avLst/>
@@ -13670,7 +13541,7 @@
         <p:spPr>
           <a:xfrm>
             <a:off x="3078720" y="136800"/>
-            <a:ext cx="6860520" cy="698760"/>
+            <a:ext cx="6860160" cy="698760"/>
           </a:xfrm>
           <a:prstGeom prst="rect">
             <a:avLst/>
@@ -13737,7 +13608,7 @@
         <p:spPr>
           <a:xfrm>
             <a:off x="10483560" y="190440"/>
-            <a:ext cx="1338840" cy="888480"/>
+            <a:ext cx="1338480" cy="888120"/>
           </a:xfrm>
           <a:prstGeom prst="rect">
             <a:avLst/>
@@ -13756,7 +13627,7 @@
         <p:spPr>
           <a:xfrm>
             <a:off x="-50040" y="6539760"/>
-            <a:ext cx="1604880" cy="333000"/>
+            <a:ext cx="1604520" cy="333000"/>
           </a:xfrm>
           <a:prstGeom prst="rect">
             <a:avLst/>
@@ -13814,7 +13685,7 @@
         <p:spPr>
           <a:xfrm>
             <a:off x="3382920" y="1652040"/>
-            <a:ext cx="7077240" cy="3412440"/>
+            <a:ext cx="7076880" cy="3412080"/>
           </a:xfrm>
           <a:prstGeom prst="rect">
             <a:avLst/>
@@ -13837,7 +13708,7 @@
         <p:spPr>
           <a:xfrm>
             <a:off x="1779480" y="1461600"/>
-            <a:ext cx="10338840" cy="4100760"/>
+            <a:ext cx="10338480" cy="4100400"/>
           </a:xfrm>
           <a:prstGeom prst="rect">
             <a:avLst/>
@@ -13856,7 +13727,7 @@
         <p:spPr>
           <a:xfrm>
             <a:off x="-360000" y="1461240"/>
-            <a:ext cx="2420640" cy="515880"/>
+            <a:ext cx="2420280" cy="515880"/>
           </a:xfrm>
           <a:prstGeom prst="rect">
             <a:avLst/>
@@ -13929,7 +13800,7 @@
         <p:spPr>
           <a:xfrm>
             <a:off x="-245160" y="2679840"/>
-            <a:ext cx="2045160" cy="272160"/>
+            <a:ext cx="2044800" cy="272160"/>
           </a:xfrm>
           <a:prstGeom prst="rect">
             <a:avLst/>
@@ -13993,7 +13864,7 @@
         <p:spPr>
           <a:xfrm>
             <a:off x="366840" y="1871280"/>
-            <a:ext cx="848880" cy="848880"/>
+            <a:ext cx="848520" cy="848520"/>
           </a:xfrm>
           <a:prstGeom prst="rect">
             <a:avLst/>
@@ -14016,7 +13887,7 @@
         <p:spPr>
           <a:xfrm>
             <a:off x="304920" y="540000"/>
-            <a:ext cx="1000440" cy="1000440"/>
+            <a:ext cx="1000080" cy="1000080"/>
           </a:xfrm>
           <a:prstGeom prst="rect">
             <a:avLst/>
@@ -14039,7 +13910,7 @@
         <p:spPr>
           <a:xfrm>
             <a:off x="336600" y="3040560"/>
-            <a:ext cx="799920" cy="732240"/>
+            <a:ext cx="799560" cy="731880"/>
           </a:xfrm>
           <a:prstGeom prst="rect">
             <a:avLst/>
@@ -14058,7 +13929,7 @@
         <p:spPr>
           <a:xfrm>
             <a:off x="-116640" y="3801240"/>
-            <a:ext cx="1844640" cy="302760"/>
+            <a:ext cx="1844280" cy="302760"/>
           </a:xfrm>
           <a:prstGeom prst="rect">
             <a:avLst/>
@@ -14122,7 +13993,7 @@
         <p:spPr>
           <a:xfrm>
             <a:off x="423000" y="4161240"/>
-            <a:ext cx="807840" cy="807840"/>
+            <a:ext cx="807480" cy="807480"/>
           </a:xfrm>
           <a:prstGeom prst="rect">
             <a:avLst/>
@@ -14141,7 +14012,7 @@
         <p:spPr>
           <a:xfrm>
             <a:off x="-81000" y="4953240"/>
-            <a:ext cx="1844640" cy="302760"/>
+            <a:ext cx="1844280" cy="302760"/>
           </a:xfrm>
           <a:prstGeom prst="rect">
             <a:avLst/>
@@ -14205,7 +14076,7 @@
         <p:spPr>
           <a:xfrm>
             <a:off x="423000" y="5283000"/>
-            <a:ext cx="837000" cy="837000"/>
+            <a:ext cx="836640" cy="836640"/>
           </a:xfrm>
           <a:prstGeom prst="rect">
             <a:avLst/>
@@ -14224,7 +14095,7 @@
         <p:spPr>
           <a:xfrm>
             <a:off x="-81000" y="6105240"/>
-            <a:ext cx="1844640" cy="302760"/>
+            <a:ext cx="1844280" cy="302760"/>
           </a:xfrm>
           <a:prstGeom prst="rect">
             <a:avLst/>
@@ -14283,32 +14154,32 @@
   <p:timing>
     <p:tnLst>
       <p:par>
-        <p:cTn id="28" dur="indefinite" restart="never" nodeType="tmRoot">
+        <p:cTn id="23" dur="indefinite" restart="never" nodeType="tmRoot">
           <p:childTnLst>
             <p:seq>
-              <p:cTn id="29" dur="indefinite" nodeType="mainSeq">
+              <p:cTn id="24" dur="indefinite" nodeType="mainSeq">
                 <p:childTnLst>
                   <p:par>
-                    <p:cTn id="30" fill="hold">
+                    <p:cTn id="25" fill="hold">
                       <p:stCondLst>
                         <p:cond delay="indefinite"/>
                       </p:stCondLst>
                       <p:childTnLst>
                         <p:par>
-                          <p:cTn id="31" fill="hold">
+                          <p:cTn id="26" fill="hold">
                             <p:stCondLst>
                               <p:cond delay="0"/>
                             </p:stCondLst>
                             <p:childTnLst>
                               <p:par>
-                                <p:cTn id="32" nodeType="clickEffect" fill="hold" presetClass="exit" presetID="10">
+                                <p:cTn id="27" nodeType="clickEffect" fill="hold" presetClass="exit" presetID="10">
                                   <p:stCondLst>
                                     <p:cond delay="0"/>
                                   </p:stCondLst>
                                   <p:childTnLst>
                                     <p:animEffect filter="fade" transition="out">
                                       <p:cBhvr additive="repl">
-                                        <p:cTn id="33" dur="500"/>
+                                        <p:cTn id="28" dur="500"/>
                                         <p:tgtEl>
                                           <p:spTgt spid="120"/>
                                         </p:tgtEl>
@@ -14316,7 +14187,7 @@
                                     </p:animEffect>
                                     <p:set>
                                       <p:cBhvr>
-                                        <p:cTn id="34" dur="1" fill="hold">
+                                        <p:cTn id="29" dur="1" fill="hold">
                                           <p:stCondLst>
                                             <p:cond delay="499"/>
                                           </p:stCondLst>
@@ -14342,26 +14213,26 @@
                     </p:cTn>
                   </p:par>
                   <p:par>
-                    <p:cTn id="35" fill="hold">
+                    <p:cTn id="30" fill="hold">
                       <p:stCondLst>
                         <p:cond delay="indefinite"/>
                       </p:stCondLst>
                       <p:childTnLst>
                         <p:par>
-                          <p:cTn id="36" fill="hold">
+                          <p:cTn id="31" fill="hold">
                             <p:stCondLst>
                               <p:cond delay="0"/>
                             </p:stCondLst>
                             <p:childTnLst>
                               <p:par>
-                                <p:cTn id="37" nodeType="clickEffect" fill="hold" presetClass="entr" presetID="10">
+                                <p:cTn id="32" nodeType="clickEffect" fill="hold" presetClass="entr" presetID="10">
                                   <p:stCondLst>
                                     <p:cond delay="0"/>
                                   </p:stCondLst>
                                   <p:childTnLst>
                                     <p:set>
                                       <p:cBhvr>
-                                        <p:cTn id="38" dur="1" fill="hold">
+                                        <p:cTn id="33" dur="1" fill="hold">
                                           <p:stCondLst>
                                             <p:cond delay="0"/>
                                           </p:stCondLst>
@@ -14379,7 +14250,7 @@
                                     </p:set>
                                     <p:animEffect filter="fade" transition="in">
                                       <p:cBhvr additive="repl">
-                                        <p:cTn id="39" dur="500"/>
+                                        <p:cTn id="34" dur="500"/>
                                         <p:tgtEl>
                                           <p:spTgt spid="121"/>
                                         </p:tgtEl>
@@ -14445,7 +14316,7 @@
         <p:spPr>
           <a:xfrm>
             <a:off x="0" y="0"/>
-            <a:ext cx="1649520" cy="6856200"/>
+            <a:ext cx="1649160" cy="6855840"/>
           </a:xfrm>
           <a:prstGeom prst="rect">
             <a:avLst/>
@@ -14500,7 +14371,7 @@
         <p:spPr>
           <a:xfrm>
             <a:off x="3200040" y="114480"/>
-            <a:ext cx="6860520" cy="698760"/>
+            <a:ext cx="6860160" cy="698760"/>
           </a:xfrm>
           <a:prstGeom prst="rect">
             <a:avLst/>
@@ -14567,7 +14438,7 @@
         <p:spPr>
           <a:xfrm>
             <a:off x="2705760" y="925920"/>
-            <a:ext cx="7848360" cy="5466240"/>
+            <a:ext cx="7848000" cy="5465880"/>
           </a:xfrm>
           <a:prstGeom prst="rect">
             <a:avLst/>
@@ -14590,7 +14461,7 @@
         <p:spPr>
           <a:xfrm>
             <a:off x="10483560" y="190440"/>
-            <a:ext cx="1338840" cy="888480"/>
+            <a:ext cx="1338480" cy="888120"/>
           </a:xfrm>
           <a:prstGeom prst="rect">
             <a:avLst/>
@@ -14609,7 +14480,7 @@
         <p:spPr>
           <a:xfrm>
             <a:off x="-50040" y="6539760"/>
-            <a:ext cx="1604880" cy="333000"/>
+            <a:ext cx="1604520" cy="333000"/>
           </a:xfrm>
           <a:prstGeom prst="rect">
             <a:avLst/>
@@ -14667,7 +14538,7 @@
         <p:spPr>
           <a:xfrm>
             <a:off x="-9835560" y="-6857640"/>
-            <a:ext cx="5492880" cy="6857280"/>
+            <a:ext cx="5492520" cy="6856920"/>
           </a:xfrm>
           <a:prstGeom prst="rect">
             <a:avLst/>
@@ -14686,7 +14557,7 @@
         <p:spPr>
           <a:xfrm>
             <a:off x="-245160" y="1419840"/>
-            <a:ext cx="2045160" cy="272160"/>
+            <a:ext cx="2044800" cy="272160"/>
           </a:xfrm>
           <a:prstGeom prst="rect">
             <a:avLst/>
@@ -14750,7 +14621,7 @@
         <p:spPr>
           <a:xfrm>
             <a:off x="366840" y="611280"/>
-            <a:ext cx="848880" cy="848880"/>
+            <a:ext cx="848520" cy="848520"/>
           </a:xfrm>
           <a:prstGeom prst="rect">
             <a:avLst/>
@@ -14773,7 +14644,7 @@
         <p:spPr>
           <a:xfrm>
             <a:off x="336600" y="1780560"/>
-            <a:ext cx="799920" cy="732240"/>
+            <a:ext cx="799560" cy="731880"/>
           </a:xfrm>
           <a:prstGeom prst="rect">
             <a:avLst/>
@@ -14792,7 +14663,7 @@
         <p:spPr>
           <a:xfrm>
             <a:off x="-116640" y="2541240"/>
-            <a:ext cx="1844640" cy="302760"/>
+            <a:ext cx="1844280" cy="302760"/>
           </a:xfrm>
           <a:prstGeom prst="rect">
             <a:avLst/>
@@ -14856,7 +14727,7 @@
         <p:spPr>
           <a:xfrm>
             <a:off x="423000" y="2901240"/>
-            <a:ext cx="807840" cy="807840"/>
+            <a:ext cx="807480" cy="807480"/>
           </a:xfrm>
           <a:prstGeom prst="rect">
             <a:avLst/>
@@ -14875,7 +14746,7 @@
         <p:spPr>
           <a:xfrm>
             <a:off x="-81000" y="3693240"/>
-            <a:ext cx="1844640" cy="302760"/>
+            <a:ext cx="1844280" cy="302760"/>
           </a:xfrm>
           <a:prstGeom prst="rect">
             <a:avLst/>
@@ -14939,7 +14810,7 @@
         <p:spPr>
           <a:xfrm>
             <a:off x="423000" y="4023000"/>
-            <a:ext cx="837000" cy="837000"/>
+            <a:ext cx="836640" cy="836640"/>
           </a:xfrm>
           <a:prstGeom prst="rect">
             <a:avLst/>
@@ -14958,7 +14829,7 @@
         <p:spPr>
           <a:xfrm>
             <a:off x="-81000" y="4845240"/>
-            <a:ext cx="1844640" cy="302760"/>
+            <a:ext cx="1844280" cy="302760"/>
           </a:xfrm>
           <a:prstGeom prst="rect">
             <a:avLst/>
@@ -15022,7 +14893,7 @@
         <p:spPr>
           <a:xfrm>
             <a:off x="321840" y="5038920"/>
-            <a:ext cx="1009080" cy="1009080"/>
+            <a:ext cx="1008720" cy="1008720"/>
           </a:xfrm>
           <a:prstGeom prst="rect">
             <a:avLst/>
@@ -15041,7 +14912,7 @@
         <p:spPr>
           <a:xfrm>
             <a:off x="-81000" y="5961240"/>
-            <a:ext cx="1844640" cy="302760"/>
+            <a:ext cx="1844280" cy="302760"/>
           </a:xfrm>
           <a:prstGeom prst="rect">
             <a:avLst/>
@@ -15126,7 +14997,7 @@
         <p:spPr>
           <a:xfrm>
             <a:off x="0" y="0"/>
-            <a:ext cx="1649520" cy="6856200"/>
+            <a:ext cx="1649160" cy="6855840"/>
           </a:xfrm>
           <a:prstGeom prst="rect">
             <a:avLst/>
@@ -15181,7 +15052,7 @@
         <p:spPr>
           <a:xfrm>
             <a:off x="3200040" y="114480"/>
-            <a:ext cx="6860520" cy="698760"/>
+            <a:ext cx="6860160" cy="698760"/>
           </a:xfrm>
           <a:prstGeom prst="rect">
             <a:avLst/>
@@ -15248,7 +15119,7 @@
         <p:spPr>
           <a:xfrm>
             <a:off x="10483560" y="190440"/>
-            <a:ext cx="1338840" cy="888480"/>
+            <a:ext cx="1338480" cy="888120"/>
           </a:xfrm>
           <a:prstGeom prst="rect">
             <a:avLst/>
@@ -15267,7 +15138,7 @@
         <p:spPr>
           <a:xfrm>
             <a:off x="-50040" y="6539760"/>
-            <a:ext cx="1604880" cy="333000"/>
+            <a:ext cx="1604520" cy="333000"/>
           </a:xfrm>
           <a:prstGeom prst="rect">
             <a:avLst/>
@@ -15325,7 +15196,7 @@
         <p:spPr>
           <a:xfrm>
             <a:off x="4694400" y="1374480"/>
-            <a:ext cx="3801240" cy="4745160"/>
+            <a:ext cx="3800880" cy="4744800"/>
           </a:xfrm>
           <a:prstGeom prst="rect">
             <a:avLst/>
@@ -15348,7 +15219,7 @@
         <p:spPr>
           <a:xfrm>
             <a:off x="336600" y="664560"/>
-            <a:ext cx="799920" cy="732240"/>
+            <a:ext cx="799560" cy="731880"/>
           </a:xfrm>
           <a:prstGeom prst="rect">
             <a:avLst/>
@@ -15371,7 +15242,7 @@
         <p:spPr>
           <a:xfrm>
             <a:off x="423000" y="1785240"/>
-            <a:ext cx="807840" cy="807840"/>
+            <a:ext cx="807480" cy="807480"/>
           </a:xfrm>
           <a:prstGeom prst="rect">
             <a:avLst/>
@@ -15390,7 +15261,7 @@
         <p:spPr>
           <a:xfrm>
             <a:off x="-81000" y="2577240"/>
-            <a:ext cx="1844640" cy="302760"/>
+            <a:ext cx="1844280" cy="302760"/>
           </a:xfrm>
           <a:prstGeom prst="rect">
             <a:avLst/>
@@ -15454,7 +15325,7 @@
         <p:spPr>
           <a:xfrm>
             <a:off x="423000" y="2907000"/>
-            <a:ext cx="837000" cy="837000"/>
+            <a:ext cx="836640" cy="836640"/>
           </a:xfrm>
           <a:prstGeom prst="rect">
             <a:avLst/>
@@ -15473,7 +15344,7 @@
         <p:spPr>
           <a:xfrm>
             <a:off x="-81000" y="3729240"/>
-            <a:ext cx="1844640" cy="302760"/>
+            <a:ext cx="1844280" cy="302760"/>
           </a:xfrm>
           <a:prstGeom prst="rect">
             <a:avLst/>
@@ -15537,7 +15408,7 @@
         <p:spPr>
           <a:xfrm>
             <a:off x="321840" y="3922920"/>
-            <a:ext cx="1009080" cy="1009080"/>
+            <a:ext cx="1008720" cy="1008720"/>
           </a:xfrm>
           <a:prstGeom prst="rect">
             <a:avLst/>
@@ -15556,7 +15427,7 @@
         <p:spPr>
           <a:xfrm>
             <a:off x="-81000" y="4845240"/>
-            <a:ext cx="1844640" cy="302760"/>
+            <a:ext cx="1844280" cy="302760"/>
           </a:xfrm>
           <a:prstGeom prst="rect">
             <a:avLst/>
@@ -15616,7 +15487,7 @@
         <p:spPr>
           <a:xfrm>
             <a:off x="-116640" y="1425240"/>
-            <a:ext cx="1844640" cy="302760"/>
+            <a:ext cx="1844280" cy="302760"/>
           </a:xfrm>
           <a:prstGeom prst="rect">
             <a:avLst/>
@@ -15680,7 +15551,7 @@
         <p:spPr>
           <a:xfrm>
             <a:off x="396000" y="5148000"/>
-            <a:ext cx="900000" cy="900000"/>
+            <a:ext cx="899640" cy="899640"/>
           </a:xfrm>
           <a:prstGeom prst="rect">
             <a:avLst/>
@@ -15699,7 +15570,7 @@
         <p:spPr>
           <a:xfrm>
             <a:off x="-81000" y="6033240"/>
-            <a:ext cx="1844640" cy="302760"/>
+            <a:ext cx="1844280" cy="302760"/>
           </a:xfrm>
           <a:prstGeom prst="rect">
             <a:avLst/>
@@ -15763,7 +15634,7 @@
         <p:spPr>
           <a:xfrm>
             <a:off x="336960" y="664560"/>
-            <a:ext cx="799920" cy="732240"/>
+            <a:ext cx="799560" cy="731880"/>
           </a:xfrm>
           <a:prstGeom prst="rect">
             <a:avLst/>
@@ -15786,7 +15657,7 @@
         <p:spPr>
           <a:xfrm>
             <a:off x="423360" y="1785240"/>
-            <a:ext cx="807840" cy="807840"/>
+            <a:ext cx="807480" cy="807480"/>
           </a:xfrm>
           <a:prstGeom prst="rect">
             <a:avLst/>
@@ -15805,7 +15676,7 @@
         <p:spPr>
           <a:xfrm>
             <a:off x="-80640" y="2577240"/>
-            <a:ext cx="1844640" cy="302760"/>
+            <a:ext cx="1844280" cy="302760"/>
           </a:xfrm>
           <a:prstGeom prst="rect">
             <a:avLst/>
@@ -15869,7 +15740,7 @@
         <p:spPr>
           <a:xfrm>
             <a:off x="423360" y="2907000"/>
-            <a:ext cx="837000" cy="837000"/>
+            <a:ext cx="836640" cy="836640"/>
           </a:xfrm>
           <a:prstGeom prst="rect">
             <a:avLst/>
@@ -15888,7 +15759,7 @@
         <p:spPr>
           <a:xfrm>
             <a:off x="-80640" y="3729240"/>
-            <a:ext cx="1844640" cy="302760"/>
+            <a:ext cx="1844280" cy="302760"/>
           </a:xfrm>
           <a:prstGeom prst="rect">
             <a:avLst/>
@@ -15952,7 +15823,7 @@
         <p:spPr>
           <a:xfrm>
             <a:off x="322200" y="3922920"/>
-            <a:ext cx="1009080" cy="1009080"/>
+            <a:ext cx="1008720" cy="1008720"/>
           </a:xfrm>
           <a:prstGeom prst="rect">
             <a:avLst/>
@@ -15971,7 +15842,7 @@
         <p:spPr>
           <a:xfrm>
             <a:off x="-116280" y="1425240"/>
-            <a:ext cx="1844640" cy="302760"/>
+            <a:ext cx="1844280" cy="302760"/>
           </a:xfrm>
           <a:prstGeom prst="rect">
             <a:avLst/>
@@ -16035,7 +15906,7 @@
         <p:spPr>
           <a:xfrm>
             <a:off x="396360" y="5148000"/>
-            <a:ext cx="900000" cy="900000"/>
+            <a:ext cx="899640" cy="899640"/>
           </a:xfrm>
           <a:prstGeom prst="rect">
             <a:avLst/>
@@ -16054,7 +15925,7 @@
         <p:spPr>
           <a:xfrm>
             <a:off x="-80640" y="6033240"/>
-            <a:ext cx="1844640" cy="302760"/>
+            <a:ext cx="1844280" cy="302760"/>
           </a:xfrm>
           <a:prstGeom prst="rect">
             <a:avLst/>
@@ -16139,7 +16010,7 @@
         <p:spPr>
           <a:xfrm>
             <a:off x="0" y="0"/>
-            <a:ext cx="1649520" cy="6856200"/>
+            <a:ext cx="1649160" cy="6855840"/>
           </a:xfrm>
           <a:prstGeom prst="rect">
             <a:avLst/>
@@ -16194,7 +16065,7 @@
         <p:spPr>
           <a:xfrm>
             <a:off x="3200040" y="114120"/>
-            <a:ext cx="6860520" cy="698760"/>
+            <a:ext cx="6860160" cy="698760"/>
           </a:xfrm>
           <a:prstGeom prst="rect">
             <a:avLst/>
@@ -16261,7 +16132,7 @@
         <p:spPr>
           <a:xfrm>
             <a:off x="10483560" y="190440"/>
-            <a:ext cx="1338840" cy="888480"/>
+            <a:ext cx="1338480" cy="888120"/>
           </a:xfrm>
           <a:prstGeom prst="rect">
             <a:avLst/>
@@ -16280,7 +16151,7 @@
         <p:spPr>
           <a:xfrm>
             <a:off x="-50040" y="6539760"/>
-            <a:ext cx="1604880" cy="333000"/>
+            <a:ext cx="1604520" cy="333000"/>
           </a:xfrm>
           <a:prstGeom prst="rect">
             <a:avLst/>
@@ -16338,7 +16209,7 @@
         <p:spPr>
           <a:xfrm>
             <a:off x="3587400" y="2443680"/>
-            <a:ext cx="6086160" cy="2714400"/>
+            <a:ext cx="6085800" cy="2714040"/>
           </a:xfrm>
           <a:prstGeom prst="rect">
             <a:avLst/>
@@ -16361,7 +16232,7 @@
         <p:spPr>
           <a:xfrm>
             <a:off x="3582360" y="1344600"/>
-            <a:ext cx="6095520" cy="5143320"/>
+            <a:ext cx="6095160" cy="5142960"/>
           </a:xfrm>
           <a:prstGeom prst="rect">
             <a:avLst/>
@@ -16384,7 +16255,7 @@
         <p:spPr>
           <a:xfrm>
             <a:off x="423360" y="561240"/>
-            <a:ext cx="807840" cy="807840"/>
+            <a:ext cx="807480" cy="807480"/>
           </a:xfrm>
           <a:prstGeom prst="rect">
             <a:avLst/>
@@ -16403,7 +16274,7 @@
         <p:spPr>
           <a:xfrm>
             <a:off x="-80640" y="1353240"/>
-            <a:ext cx="1844640" cy="302760"/>
+            <a:ext cx="1844280" cy="302760"/>
           </a:xfrm>
           <a:prstGeom prst="rect">
             <a:avLst/>
@@ -16467,7 +16338,7 @@
         <p:spPr>
           <a:xfrm>
             <a:off x="423360" y="1683000"/>
-            <a:ext cx="837000" cy="837000"/>
+            <a:ext cx="836640" cy="836640"/>
           </a:xfrm>
           <a:prstGeom prst="rect">
             <a:avLst/>
@@ -16486,7 +16357,7 @@
         <p:spPr>
           <a:xfrm>
             <a:off x="-80640" y="2505240"/>
-            <a:ext cx="1844640" cy="302760"/>
+            <a:ext cx="1844280" cy="302760"/>
           </a:xfrm>
           <a:prstGeom prst="rect">
             <a:avLst/>
@@ -16550,7 +16421,7 @@
         <p:spPr>
           <a:xfrm>
             <a:off x="322200" y="2698920"/>
-            <a:ext cx="1009080" cy="1009080"/>
+            <a:ext cx="1008720" cy="1008720"/>
           </a:xfrm>
           <a:prstGeom prst="rect">
             <a:avLst/>
@@ -16569,7 +16440,7 @@
         <p:spPr>
           <a:xfrm>
             <a:off x="-80640" y="3621240"/>
-            <a:ext cx="1844640" cy="302760"/>
+            <a:ext cx="1844280" cy="302760"/>
           </a:xfrm>
           <a:prstGeom prst="rect">
             <a:avLst/>
@@ -16633,7 +16504,7 @@
         <p:spPr>
           <a:xfrm>
             <a:off x="396360" y="3924000"/>
-            <a:ext cx="900000" cy="900000"/>
+            <a:ext cx="899640" cy="899640"/>
           </a:xfrm>
           <a:prstGeom prst="rect">
             <a:avLst/>
@@ -16652,7 +16523,7 @@
         <p:spPr>
           <a:xfrm>
             <a:off x="-80640" y="4809240"/>
-            <a:ext cx="1844640" cy="302760"/>
+            <a:ext cx="1844280" cy="302760"/>
           </a:xfrm>
           <a:prstGeom prst="rect">
             <a:avLst/>
@@ -16716,7 +16587,7 @@
         <p:spPr>
           <a:xfrm>
             <a:off x="406440" y="5211000"/>
-            <a:ext cx="988560" cy="988560"/>
+            <a:ext cx="988200" cy="988200"/>
           </a:xfrm>
           <a:prstGeom prst="rect">
             <a:avLst/>
@@ -16735,7 +16606,7 @@
         <p:spPr>
           <a:xfrm>
             <a:off x="-89640" y="6096600"/>
-            <a:ext cx="1844640" cy="302760"/>
+            <a:ext cx="1844280" cy="302760"/>
           </a:xfrm>
           <a:prstGeom prst="rect">
             <a:avLst/>
@@ -16794,32 +16665,32 @@
   <p:timing>
     <p:tnLst>
       <p:par>
-        <p:cTn id="40" dur="indefinite" restart="never" nodeType="tmRoot">
+        <p:cTn id="35" dur="indefinite" restart="never" nodeType="tmRoot">
           <p:childTnLst>
             <p:seq>
-              <p:cTn id="41" dur="indefinite" nodeType="mainSeq">
+              <p:cTn id="36" dur="indefinite" nodeType="mainSeq">
                 <p:childTnLst>
                   <p:par>
-                    <p:cTn id="42" fill="hold">
+                    <p:cTn id="37" fill="hold">
                       <p:stCondLst>
                         <p:cond delay="indefinite"/>
                       </p:stCondLst>
                       <p:childTnLst>
                         <p:par>
-                          <p:cTn id="43" fill="hold">
+                          <p:cTn id="38" fill="hold">
                             <p:stCondLst>
                               <p:cond delay="0"/>
                             </p:stCondLst>
                             <p:childTnLst>
                               <p:par>
-                                <p:cTn id="44" nodeType="clickEffect" fill="hold" presetClass="exit" presetID="10">
+                                <p:cTn id="39" nodeType="clickEffect" fill="hold" presetClass="exit" presetID="10">
                                   <p:stCondLst>
                                     <p:cond delay="0"/>
                                   </p:stCondLst>
                                   <p:childTnLst>
                                     <p:animEffect filter="fade" transition="out">
                                       <p:cBhvr additive="repl">
-                                        <p:cTn id="45" dur="500"/>
+                                        <p:cTn id="40" dur="500"/>
                                         <p:tgtEl>
                                           <p:spTgt spid="176"/>
                                         </p:tgtEl>
@@ -16827,7 +16698,7 @@
                                     </p:animEffect>
                                     <p:set>
                                       <p:cBhvr>
-                                        <p:cTn id="46" dur="1" fill="hold">
+                                        <p:cTn id="41" dur="1" fill="hold">
                                           <p:stCondLst>
                                             <p:cond delay="499"/>
                                           </p:stCondLst>
@@ -16853,26 +16724,26 @@
                     </p:cTn>
                   </p:par>
                   <p:par>
-                    <p:cTn id="47" fill="hold">
+                    <p:cTn id="42" fill="hold">
                       <p:stCondLst>
                         <p:cond delay="indefinite"/>
                       </p:stCondLst>
                       <p:childTnLst>
                         <p:par>
-                          <p:cTn id="48" fill="hold">
+                          <p:cTn id="43" fill="hold">
                             <p:stCondLst>
                               <p:cond delay="0"/>
                             </p:stCondLst>
                             <p:childTnLst>
                               <p:par>
-                                <p:cTn id="49" nodeType="clickEffect" fill="hold" presetClass="entr" presetID="10">
+                                <p:cTn id="44" nodeType="clickEffect" fill="hold" presetClass="entr" presetID="10">
                                   <p:stCondLst>
                                     <p:cond delay="0"/>
                                   </p:stCondLst>
                                   <p:childTnLst>
                                     <p:set>
                                       <p:cBhvr>
-                                        <p:cTn id="50" dur="1" fill="hold">
+                                        <p:cTn id="45" dur="1" fill="hold">
                                           <p:stCondLst>
                                             <p:cond delay="0"/>
                                           </p:stCondLst>
@@ -16890,7 +16761,7 @@
                                     </p:set>
                                     <p:animEffect filter="fade" transition="in">
                                       <p:cBhvr additive="repl">
-                                        <p:cTn id="51" dur="500"/>
+                                        <p:cTn id="46" dur="500"/>
                                         <p:tgtEl>
                                           <p:spTgt spid="177"/>
                                         </p:tgtEl>
@@ -16956,7 +16827,7 @@
         <p:spPr>
           <a:xfrm>
             <a:off x="0" y="0"/>
-            <a:ext cx="1649520" cy="6856200"/>
+            <a:ext cx="1649160" cy="6855840"/>
           </a:xfrm>
           <a:prstGeom prst="rect">
             <a:avLst/>
@@ -17011,7 +16882,7 @@
         <p:spPr>
           <a:xfrm>
             <a:off x="3200040" y="114120"/>
-            <a:ext cx="6860520" cy="698760"/>
+            <a:ext cx="6860160" cy="698760"/>
           </a:xfrm>
           <a:prstGeom prst="rect">
             <a:avLst/>
@@ -17078,7 +16949,7 @@
         <p:spPr>
           <a:xfrm>
             <a:off x="10483560" y="190440"/>
-            <a:ext cx="1338840" cy="888480"/>
+            <a:ext cx="1338480" cy="888120"/>
           </a:xfrm>
           <a:prstGeom prst="rect">
             <a:avLst/>
@@ -17097,7 +16968,7 @@
         <p:spPr>
           <a:xfrm>
             <a:off x="-50040" y="6539760"/>
-            <a:ext cx="1604880" cy="333000"/>
+            <a:ext cx="1604520" cy="333000"/>
           </a:xfrm>
           <a:prstGeom prst="rect">
             <a:avLst/>
@@ -17151,9 +17022,9 @@
         <p:grpSpPr>
           <a:xfrm>
             <a:off x="3593880" y="1189080"/>
-            <a:ext cx="6256080" cy="5223240"/>
+            <a:ext cx="6255720" cy="5222880"/>
             <a:chOff x="3593880" y="1189080"/>
-            <a:chExt cx="6256080" cy="5223240"/>
+            <a:chExt cx="6255720" cy="5222880"/>
           </a:xfrm>
         </p:grpSpPr>
         <p:pic>
@@ -17169,7 +17040,7 @@
           <p:spPr>
             <a:xfrm>
               <a:off x="3593880" y="1189080"/>
-              <a:ext cx="6256080" cy="5223240"/>
+              <a:ext cx="6255720" cy="5222880"/>
             </a:xfrm>
             <a:prstGeom prst="rect">
               <a:avLst/>
@@ -17188,7 +17059,7 @@
           <p:spPr>
             <a:xfrm>
               <a:off x="5124240" y="5325480"/>
-              <a:ext cx="4227480" cy="912600"/>
+              <a:ext cx="4227120" cy="912600"/>
             </a:xfrm>
             <a:prstGeom prst="rect">
               <a:avLst/>
@@ -17293,7 +17164,7 @@
         <p:spPr>
           <a:xfrm>
             <a:off x="4072320" y="1338840"/>
-            <a:ext cx="5116320" cy="4909680"/>
+            <a:ext cx="5115960" cy="4909320"/>
           </a:xfrm>
           <a:prstGeom prst="rect">
             <a:avLst/>
@@ -17312,9 +17183,9 @@
         <p:grpSpPr>
           <a:xfrm>
             <a:off x="2341800" y="1079280"/>
-            <a:ext cx="8407440" cy="5077800"/>
+            <a:ext cx="8407080" cy="5077440"/>
             <a:chOff x="2341800" y="1079280"/>
-            <a:chExt cx="8407440" cy="5077800"/>
+            <a:chExt cx="8407080" cy="5077440"/>
           </a:xfrm>
         </p:grpSpPr>
         <p:pic>
@@ -17330,7 +17201,7 @@
           <p:spPr>
             <a:xfrm>
               <a:off x="2341800" y="1079280"/>
-              <a:ext cx="8407440" cy="4388040"/>
+              <a:ext cx="8407080" cy="4387680"/>
             </a:xfrm>
             <a:prstGeom prst="rect">
               <a:avLst/>
@@ -17353,7 +17224,7 @@
           <p:spPr>
             <a:xfrm>
               <a:off x="4105440" y="5557320"/>
-              <a:ext cx="4257360" cy="599760"/>
+              <a:ext cx="4257000" cy="599400"/>
             </a:xfrm>
             <a:prstGeom prst="rect">
               <a:avLst/>
@@ -17377,7 +17248,7 @@
         <p:spPr>
           <a:xfrm>
             <a:off x="4370040" y="1228680"/>
-            <a:ext cx="4703400" cy="4920480"/>
+            <a:ext cx="4703040" cy="4920120"/>
           </a:xfrm>
           <a:prstGeom prst="rect">
             <a:avLst/>
@@ -17400,7 +17271,7 @@
         <p:spPr>
           <a:xfrm>
             <a:off x="423360" y="459000"/>
-            <a:ext cx="837000" cy="837000"/>
+            <a:ext cx="836640" cy="836640"/>
           </a:xfrm>
           <a:prstGeom prst="rect">
             <a:avLst/>
@@ -17419,7 +17290,7 @@
         <p:spPr>
           <a:xfrm>
             <a:off x="-80640" y="1281240"/>
-            <a:ext cx="1844640" cy="302760"/>
+            <a:ext cx="1844280" cy="302760"/>
           </a:xfrm>
           <a:prstGeom prst="rect">
             <a:avLst/>
@@ -17483,7 +17354,7 @@
         <p:spPr>
           <a:xfrm>
             <a:off x="322200" y="1474920"/>
-            <a:ext cx="1009080" cy="1009080"/>
+            <a:ext cx="1008720" cy="1008720"/>
           </a:xfrm>
           <a:prstGeom prst="rect">
             <a:avLst/>
@@ -17502,7 +17373,7 @@
         <p:spPr>
           <a:xfrm>
             <a:off x="-80640" y="2397240"/>
-            <a:ext cx="1844640" cy="302760"/>
+            <a:ext cx="1844280" cy="302760"/>
           </a:xfrm>
           <a:prstGeom prst="rect">
             <a:avLst/>
@@ -17566,7 +17437,7 @@
         <p:spPr>
           <a:xfrm>
             <a:off x="396360" y="2700000"/>
-            <a:ext cx="900000" cy="900000"/>
+            <a:ext cx="899640" cy="899640"/>
           </a:xfrm>
           <a:prstGeom prst="rect">
             <a:avLst/>
@@ -17585,7 +17456,7 @@
         <p:spPr>
           <a:xfrm>
             <a:off x="-80640" y="3585240"/>
-            <a:ext cx="1844640" cy="302760"/>
+            <a:ext cx="1844280" cy="302760"/>
           </a:xfrm>
           <a:prstGeom prst="rect">
             <a:avLst/>
@@ -17648,8 +17519,8 @@
         </p:blipFill>
         <p:spPr>
           <a:xfrm rot="16185000">
-            <a:off x="254160" y="5150160"/>
-            <a:ext cx="1075320" cy="1075320"/>
+            <a:off x="254160" y="5150520"/>
+            <a:ext cx="1074960" cy="1074960"/>
           </a:xfrm>
           <a:prstGeom prst="rect">
             <a:avLst/>
@@ -17668,7 +17539,7 @@
         <p:spPr>
           <a:xfrm>
             <a:off x="-80640" y="6141240"/>
-            <a:ext cx="1844640" cy="302760"/>
+            <a:ext cx="1844280" cy="302760"/>
           </a:xfrm>
           <a:prstGeom prst="rect">
             <a:avLst/>
@@ -17732,7 +17603,7 @@
         <p:spPr>
           <a:xfrm>
             <a:off x="406440" y="3987000"/>
-            <a:ext cx="988560" cy="988560"/>
+            <a:ext cx="988200" cy="988200"/>
           </a:xfrm>
           <a:prstGeom prst="rect">
             <a:avLst/>
@@ -17751,7 +17622,7 @@
         <p:spPr>
           <a:xfrm>
             <a:off x="-89640" y="4872600"/>
-            <a:ext cx="1844640" cy="302760"/>
+            <a:ext cx="1844280" cy="302760"/>
           </a:xfrm>
           <a:prstGeom prst="rect">
             <a:avLst/>
@@ -17810,32 +17681,32 @@
   <p:timing>
     <p:tnLst>
       <p:par>
-        <p:cTn id="52" dur="indefinite" restart="never" nodeType="tmRoot">
+        <p:cTn id="47" dur="indefinite" restart="never" nodeType="tmRoot">
           <p:childTnLst>
             <p:seq>
-              <p:cTn id="53" dur="indefinite" nodeType="mainSeq">
+              <p:cTn id="48" dur="indefinite" nodeType="mainSeq">
                 <p:childTnLst>
                   <p:par>
-                    <p:cTn id="54" fill="hold">
+                    <p:cTn id="49" fill="hold">
                       <p:stCondLst>
                         <p:cond delay="indefinite"/>
                       </p:stCondLst>
                       <p:childTnLst>
                         <p:par>
-                          <p:cTn id="55" fill="hold">
+                          <p:cTn id="50" fill="hold">
                             <p:stCondLst>
                               <p:cond delay="0"/>
                             </p:stCondLst>
                             <p:childTnLst>
                               <p:par>
-                                <p:cTn id="56" nodeType="clickEffect" fill="hold" presetClass="exit" presetID="10">
+                                <p:cTn id="51" nodeType="clickEffect" fill="hold" presetClass="exit" presetID="10">
                                   <p:stCondLst>
                                     <p:cond delay="0"/>
                                   </p:stCondLst>
                                   <p:childTnLst>
                                     <p:animEffect filter="fade" transition="out">
                                       <p:cBhvr additive="repl">
-                                        <p:cTn id="57" dur="500"/>
+                                        <p:cTn id="52" dur="500"/>
                                         <p:tgtEl>
                                           <p:spTgt spid="196"/>
                                         </p:tgtEl>
@@ -17843,7 +17714,7 @@
                                     </p:animEffect>
                                     <p:set>
                                       <p:cBhvr>
-                                        <p:cTn id="58" dur="1" fill="hold">
+                                        <p:cTn id="53" dur="1" fill="hold">
                                           <p:stCondLst>
                                             <p:cond delay="499"/>
                                           </p:stCondLst>
@@ -17869,26 +17740,26 @@
                     </p:cTn>
                   </p:par>
                   <p:par>
-                    <p:cTn id="59" fill="hold">
+                    <p:cTn id="54" fill="hold">
                       <p:stCondLst>
                         <p:cond delay="indefinite"/>
                       </p:stCondLst>
                       <p:childTnLst>
                         <p:par>
-                          <p:cTn id="60" fill="hold">
+                          <p:cTn id="55" fill="hold">
                             <p:stCondLst>
                               <p:cond delay="0"/>
                             </p:stCondLst>
                             <p:childTnLst>
                               <p:par>
-                                <p:cTn id="61" nodeType="clickEffect" fill="hold" presetClass="entr" presetID="10">
+                                <p:cTn id="56" nodeType="clickEffect" fill="hold" presetClass="entr" presetID="10">
                                   <p:stCondLst>
                                     <p:cond delay="0"/>
                                   </p:stCondLst>
                                   <p:childTnLst>
                                     <p:set>
                                       <p:cBhvr>
-                                        <p:cTn id="62" dur="1" fill="hold">
+                                        <p:cTn id="57" dur="1" fill="hold">
                                           <p:stCondLst>
                                             <p:cond delay="0"/>
                                           </p:stCondLst>
@@ -17906,7 +17777,7 @@
                                     </p:set>
                                     <p:animEffect filter="fade" transition="in">
                                       <p:cBhvr additive="repl">
-                                        <p:cTn id="63" dur="500"/>
+                                        <p:cTn id="58" dur="500"/>
                                         <p:tgtEl>
                                           <p:spTgt spid="192"/>
                                         </p:tgtEl>
@@ -17922,26 +17793,26 @@
                     </p:cTn>
                   </p:par>
                   <p:par>
-                    <p:cTn id="64" fill="hold">
+                    <p:cTn id="59" fill="hold">
                       <p:stCondLst>
                         <p:cond delay="indefinite"/>
                       </p:stCondLst>
                       <p:childTnLst>
                         <p:par>
-                          <p:cTn id="65" fill="hold">
+                          <p:cTn id="60" fill="hold">
                             <p:stCondLst>
                               <p:cond delay="0"/>
                             </p:stCondLst>
                             <p:childTnLst>
                               <p:par>
-                                <p:cTn id="66" nodeType="clickEffect" fill="hold" presetClass="exit" presetID="10">
+                                <p:cTn id="61" nodeType="clickEffect" fill="hold" presetClass="exit" presetID="10">
                                   <p:stCondLst>
                                     <p:cond delay="0"/>
                                   </p:stCondLst>
                                   <p:childTnLst>
                                     <p:animEffect filter="fade" transition="out">
                                       <p:cBhvr additive="repl">
-                                        <p:cTn id="67" dur="500"/>
+                                        <p:cTn id="62" dur="500"/>
                                         <p:tgtEl>
                                           <p:spTgt spid="192"/>
                                         </p:tgtEl>
@@ -17949,7 +17820,7 @@
                                     </p:animEffect>
                                     <p:set>
                                       <p:cBhvr>
-                                        <p:cTn id="68" dur="1" fill="hold">
+                                        <p:cTn id="63" dur="1" fill="hold">
                                           <p:stCondLst>
                                             <p:cond delay="499"/>
                                           </p:stCondLst>
@@ -17975,26 +17846,26 @@
                     </p:cTn>
                   </p:par>
                   <p:par>
-                    <p:cTn id="69" fill="hold">
+                    <p:cTn id="64" fill="hold">
                       <p:stCondLst>
                         <p:cond delay="indefinite"/>
                       </p:stCondLst>
                       <p:childTnLst>
                         <p:par>
-                          <p:cTn id="70" fill="hold">
+                          <p:cTn id="65" fill="hold">
                             <p:stCondLst>
                               <p:cond delay="0"/>
                             </p:stCondLst>
                             <p:childTnLst>
                               <p:par>
-                                <p:cTn id="71" nodeType="clickEffect" fill="hold" presetClass="entr" presetID="10">
+                                <p:cTn id="66" nodeType="clickEffect" fill="hold" presetClass="entr" presetID="10">
                                   <p:stCondLst>
                                     <p:cond delay="0"/>
                                   </p:stCondLst>
                                   <p:childTnLst>
                                     <p:set>
                                       <p:cBhvr>
-                                        <p:cTn id="72" dur="1" fill="hold">
+                                        <p:cTn id="67" dur="1" fill="hold">
                                           <p:stCondLst>
                                             <p:cond delay="0"/>
                                           </p:stCondLst>
@@ -18012,7 +17883,7 @@
                                     </p:set>
                                     <p:animEffect filter="fade" transition="in">
                                       <p:cBhvr additive="repl">
-                                        <p:cTn id="73" dur="500"/>
+                                        <p:cTn id="68" dur="500"/>
                                         <p:tgtEl>
                                           <p:spTgt spid="195"/>
                                         </p:tgtEl>
@@ -18028,26 +17899,26 @@
                     </p:cTn>
                   </p:par>
                   <p:par>
-                    <p:cTn id="74" fill="hold">
+                    <p:cTn id="69" fill="hold">
                       <p:stCondLst>
                         <p:cond delay="indefinite"/>
                       </p:stCondLst>
                       <p:childTnLst>
                         <p:par>
-                          <p:cTn id="75" fill="hold">
+                          <p:cTn id="70" fill="hold">
                             <p:stCondLst>
                               <p:cond delay="0"/>
                             </p:stCondLst>
                             <p:childTnLst>
                               <p:par>
-                                <p:cTn id="76" nodeType="clickEffect" fill="hold" presetClass="exit" presetID="10">
+                                <p:cTn id="71" nodeType="clickEffect" fill="hold" presetClass="exit" presetID="10">
                                   <p:stCondLst>
                                     <p:cond delay="0"/>
                                   </p:stCondLst>
                                   <p:childTnLst>
                                     <p:animEffect filter="fade" transition="out">
                                       <p:cBhvr additive="repl">
-                                        <p:cTn id="77" dur="500"/>
+                                        <p:cTn id="72" dur="500"/>
                                         <p:tgtEl>
                                           <p:spTgt spid="195"/>
                                         </p:tgtEl>
@@ -18055,7 +17926,7 @@
                                     </p:animEffect>
                                     <p:set>
                                       <p:cBhvr>
-                                        <p:cTn id="78" dur="1" fill="hold">
+                                        <p:cTn id="73" dur="1" fill="hold">
                                           <p:stCondLst>
                                             <p:cond delay="499"/>
                                           </p:stCondLst>
@@ -18081,26 +17952,26 @@
                     </p:cTn>
                   </p:par>
                   <p:par>
-                    <p:cTn id="79" fill="hold">
+                    <p:cTn id="74" fill="hold">
                       <p:stCondLst>
                         <p:cond delay="indefinite"/>
                       </p:stCondLst>
                       <p:childTnLst>
                         <p:par>
-                          <p:cTn id="80" fill="hold">
+                          <p:cTn id="75" fill="hold">
                             <p:stCondLst>
                               <p:cond delay="0"/>
                             </p:stCondLst>
                             <p:childTnLst>
                               <p:par>
-                                <p:cTn id="81" nodeType="clickEffect" fill="hold" presetClass="entr" presetID="10">
+                                <p:cTn id="76" nodeType="clickEffect" fill="hold" presetClass="entr" presetID="10">
                                   <p:stCondLst>
                                     <p:cond delay="0"/>
                                   </p:stCondLst>
                                   <p:childTnLst>
                                     <p:set>
                                       <p:cBhvr>
-                                        <p:cTn id="82" dur="1" fill="hold">
+                                        <p:cTn id="77" dur="1" fill="hold">
                                           <p:stCondLst>
                                             <p:cond delay="0"/>
                                           </p:stCondLst>
@@ -18118,7 +17989,7 @@
                                     </p:set>
                                     <p:animEffect filter="fade" transition="in">
                                       <p:cBhvr additive="repl">
-                                        <p:cTn id="83" dur="500"/>
+                                        <p:cTn id="78" dur="500"/>
                                         <p:tgtEl>
                                           <p:spTgt spid="199"/>
                                         </p:tgtEl>

--- a/COGNEX_Timothée/DEBOXEUR_REVUFINAL_240d414 3.pptx
+++ b/COGNEX_Timothée/DEBOXEUR_REVUFINAL_240d414 3.pptx
@@ -355,7 +355,7 @@
             <a:pPr indent="0" algn="r">
               <a:buNone/>
             </a:pPr>
-            <a:fld id="{66D68938-69F7-4E2D-B248-7A4917AF00EB}" type="slidenum">
+            <a:fld id="{B1C0624E-A56F-4FEF-A32B-C5A73F6DEDF1}" type="slidenum">
               <a:rPr b="0" lang="fr-FR" sz="1400" spc="-1" strike="noStrike">
                 <a:solidFill>
                   <a:srgbClr val="000000"/>
@@ -514,7 +514,7 @@
                 <a:tab algn="l" pos="0"/>
               </a:tabLst>
             </a:pPr>
-            <a:fld id="{67D0FF85-D4FF-49CA-BC29-53232FEE7D06}" type="slidenum">
+            <a:fld id="{A4AA2D31-0295-424A-B4A6-BBC2303A5CBA}" type="slidenum">
               <a:rPr b="0" lang="fr-FR" sz="1200" spc="-1" strike="noStrike">
                 <a:solidFill>
                   <a:srgbClr val="000000"/>
@@ -673,7 +673,7 @@
                 <a:tab algn="l" pos="0"/>
               </a:tabLst>
             </a:pPr>
-            <a:fld id="{1105EF23-8BE5-430E-84A2-FA009CF10E55}" type="slidenum">
+            <a:fld id="{0154B208-55F2-474C-972C-EAE060CA8C9F}" type="slidenum">
               <a:rPr b="0" lang="fr-FR" sz="1200" spc="-1" strike="noStrike">
                 <a:solidFill>
                   <a:srgbClr val="000000"/>
@@ -832,7 +832,7 @@
                 <a:tab algn="l" pos="0"/>
               </a:tabLst>
             </a:pPr>
-            <a:fld id="{78DB82CC-3580-43A0-9AAA-664D7F02BEBE}" type="slidenum">
+            <a:fld id="{6EAE828B-21BA-42D5-97A2-6D9FA98B7DD6}" type="slidenum">
               <a:rPr b="0" lang="fr-FR" sz="1200" spc="-1" strike="noStrike">
                 <a:solidFill>
                   <a:srgbClr val="000000"/>
@@ -991,7 +991,7 @@
                 <a:tab algn="l" pos="0"/>
               </a:tabLst>
             </a:pPr>
-            <a:fld id="{4A0961D1-7F06-4D4C-8283-36C540ED88B6}" type="slidenum">
+            <a:fld id="{97B818A6-BECA-4DEA-835A-3CAC471E919E}" type="slidenum">
               <a:rPr b="0" lang="fr-FR" sz="1200" spc="-1" strike="noStrike">
                 <a:solidFill>
                   <a:srgbClr val="000000"/>
@@ -1150,7 +1150,7 @@
                 <a:tab algn="l" pos="0"/>
               </a:tabLst>
             </a:pPr>
-            <a:fld id="{163B1579-2BA1-4286-85D3-AFA146557318}" type="slidenum">
+            <a:fld id="{EDED0A7F-A4FB-4801-8AB8-2F8D4CB44B71}" type="slidenum">
               <a:rPr b="0" lang="fr-FR" sz="1200" spc="-1" strike="noStrike">
                 <a:solidFill>
                   <a:srgbClr val="000000"/>
@@ -1309,7 +1309,7 @@
                 <a:tab algn="l" pos="0"/>
               </a:tabLst>
             </a:pPr>
-            <a:fld id="{E6289F0D-8A3C-4C1B-B080-9426CEE4470F}" type="slidenum">
+            <a:fld id="{B7930901-54C4-400B-A00A-ABA4CF9BCD43}" type="slidenum">
               <a:rPr b="0" lang="fr-FR" sz="1200" spc="-1" strike="noStrike">
                 <a:solidFill>
                   <a:srgbClr val="000000"/>
@@ -1468,7 +1468,7 @@
                 <a:tab algn="l" pos="0"/>
               </a:tabLst>
             </a:pPr>
-            <a:fld id="{A3C707B0-4BFE-49D2-A1BF-681AD4D30894}" type="slidenum">
+            <a:fld id="{08FAAB75-D781-487B-80A7-BB778CE39A19}" type="slidenum">
               <a:rPr b="0" lang="fr-FR" sz="1200" spc="-1" strike="noStrike">
                 <a:solidFill>
                   <a:srgbClr val="000000"/>
@@ -1627,7 +1627,7 @@
                 <a:tab algn="l" pos="0"/>
               </a:tabLst>
             </a:pPr>
-            <a:fld id="{5E62D4E1-ED75-4B82-8A35-F2BA2FB583A1}" type="slidenum">
+            <a:fld id="{7D0C7EB4-408E-430C-A0C0-B639EDAAA22F}" type="slidenum">
               <a:rPr b="0" lang="fr-FR" sz="1200" spc="-1" strike="noStrike">
                 <a:solidFill>
                   <a:srgbClr val="000000"/>
@@ -1786,7 +1786,7 @@
                 <a:tab algn="l" pos="0"/>
               </a:tabLst>
             </a:pPr>
-            <a:fld id="{244FBE54-1726-41BE-A717-8D33AFDF85B5}" type="slidenum">
+            <a:fld id="{B8CBB76B-0411-49D5-A8DF-E38BA73B2B31}" type="slidenum">
               <a:rPr b="0" lang="fr-FR" sz="1200" spc="-1" strike="noStrike">
                 <a:solidFill>
                   <a:srgbClr val="000000"/>
@@ -1945,7 +1945,7 @@
                 <a:tab algn="l" pos="0"/>
               </a:tabLst>
             </a:pPr>
-            <a:fld id="{BA066BE0-903B-4B9E-B441-41323F7A1421}" type="slidenum">
+            <a:fld id="{0C706E3B-8FB5-43F2-89FF-006EAFCEF3F6}" type="slidenum">
               <a:rPr b="0" lang="fr-FR" sz="1200" spc="-1" strike="noStrike">
                 <a:solidFill>
                   <a:srgbClr val="000000"/>
@@ -2104,7 +2104,7 @@
                 <a:tab algn="l" pos="0"/>
               </a:tabLst>
             </a:pPr>
-            <a:fld id="{74824CDD-EE2D-4313-A857-0BB49DBCAEE7}" type="slidenum">
+            <a:fld id="{283949EC-2CF9-4D23-99FD-47DBFBF66F82}" type="slidenum">
               <a:rPr b="0" lang="fr-FR" sz="1200" spc="-1" strike="noStrike">
                 <a:solidFill>
                   <a:srgbClr val="000000"/>
@@ -2263,7 +2263,7 @@
                 <a:tab algn="l" pos="0"/>
               </a:tabLst>
             </a:pPr>
-            <a:fld id="{E237DDEA-F2AE-4AD0-985C-5E21F14051AB}" type="slidenum">
+            <a:fld id="{441DB10D-3879-4A5B-B345-92B92D6C1887}" type="slidenum">
               <a:rPr b="0" lang="fr-FR" sz="1200" spc="-1" strike="noStrike">
                 <a:solidFill>
                   <a:srgbClr val="000000"/>
@@ -2422,7 +2422,7 @@
                 <a:tab algn="l" pos="0"/>
               </a:tabLst>
             </a:pPr>
-            <a:fld id="{BFEF5C5D-FA6A-4CB8-AC41-C021BF175956}" type="slidenum">
+            <a:fld id="{695262F7-DA8C-4B66-BB00-A75C07B74C46}" type="slidenum">
               <a:rPr b="0" lang="fr-FR" sz="1200" spc="-1" strike="noStrike">
                 <a:solidFill>
                   <a:srgbClr val="000000"/>
@@ -2497,7 +2497,7 @@
         <p:txBody>
           <a:bodyPr/>
           <a:p>
-            <a:fld id="{53EA5AC4-8F45-448F-ACD2-6ED2E3B013AF}" type="slidenum">
+            <a:fld id="{341A7A0B-4AA0-4546-971A-A65F26BE77B5}" type="slidenum">
               <a:t>&lt;#&gt;</a:t>
             </a:fld>
           </a:p>
@@ -2706,7 +2706,7 @@
         <p:txBody>
           <a:bodyPr/>
           <a:p>
-            <a:fld id="{5DEF91DC-3718-4D63-BF67-3A89B2FAD75D}" type="slidenum">
+            <a:fld id="{7ABA0BAF-F164-4CEA-95EA-43A27824E3DD}" type="slidenum">
               <a:t>&lt;#&gt;</a:t>
             </a:fld>
           </a:p>
@@ -3001,7 +3001,7 @@
         <p:txBody>
           <a:bodyPr/>
           <a:p>
-            <a:fld id="{CC9431BF-3E0C-4793-9522-1057B743DF6D}" type="slidenum">
+            <a:fld id="{D158328D-9D4C-48B5-B24F-AFAFB0B4A641}" type="slidenum">
               <a:t>&lt;#&gt;</a:t>
             </a:fld>
           </a:p>
@@ -3382,7 +3382,7 @@
         <p:txBody>
           <a:bodyPr/>
           <a:p>
-            <a:fld id="{CB131E7E-2E71-4144-A485-77592DB8BE29}" type="slidenum">
+            <a:fld id="{27F2ED4C-20F0-4A62-8765-B12FF17B0C99}" type="slidenum">
               <a:t>&lt;#&gt;</a:t>
             </a:fld>
           </a:p>
@@ -3545,7 +3545,7 @@
         <p:txBody>
           <a:bodyPr/>
           <a:p>
-            <a:fld id="{CAA2D08B-8477-4E73-87FB-71639C9C51CA}" type="slidenum">
+            <a:fld id="{EA590258-6498-41E3-A4D2-D1E5FF36CD67}" type="slidenum">
               <a:t>&lt;#&gt;</a:t>
             </a:fld>
           </a:p>
@@ -3711,7 +3711,7 @@
         <p:txBody>
           <a:bodyPr/>
           <a:p>
-            <a:fld id="{9DE954C7-E377-4E2C-8919-DD73FB12AF39}" type="slidenum">
+            <a:fld id="{319AE42B-ACB9-4BBB-8462-14FAF02A1CF7}" type="slidenum">
               <a:t>&lt;#&gt;</a:t>
             </a:fld>
           </a:p>
@@ -3920,7 +3920,7 @@
         <p:txBody>
           <a:bodyPr/>
           <a:p>
-            <a:fld id="{D3F54677-3DC8-4869-8C7F-DA9069748078}" type="slidenum">
+            <a:fld id="{B7A178B6-E9BE-4855-B8D4-E25E81177E15}" type="slidenum">
               <a:t>&lt;#&gt;</a:t>
             </a:fld>
           </a:p>
@@ -4043,7 +4043,7 @@
         <p:txBody>
           <a:bodyPr/>
           <a:p>
-            <a:fld id="{35C526C0-D872-4BAB-86B3-47069D931154}" type="slidenum">
+            <a:fld id="{97826D58-5CD4-4B78-B376-393AB2E6439C}" type="slidenum">
               <a:t>&lt;#&gt;</a:t>
             </a:fld>
           </a:p>
@@ -4164,7 +4164,7 @@
         <p:txBody>
           <a:bodyPr/>
           <a:p>
-            <a:fld id="{AF44DB82-938A-405F-A077-1B11B79B87CD}" type="slidenum">
+            <a:fld id="{4E4470FB-6004-4656-B79D-1188695B4EBD}" type="slidenum">
               <a:t>&lt;#&gt;</a:t>
             </a:fld>
           </a:p>
@@ -4416,7 +4416,7 @@
         <p:txBody>
           <a:bodyPr/>
           <a:p>
-            <a:fld id="{F3019CE1-A195-4ECF-A9A1-8A83200A5015}" type="slidenum">
+            <a:fld id="{9CBE40F6-FEC1-496D-8222-8A9C7276B6B8}" type="slidenum">
               <a:t>&lt;#&gt;</a:t>
             </a:fld>
           </a:p>
@@ -4668,7 +4668,7 @@
         <p:txBody>
           <a:bodyPr/>
           <a:p>
-            <a:fld id="{7DCD7F4C-990F-4846-A954-EFE8C658A0F1}" type="slidenum">
+            <a:fld id="{E9D452DB-E7EE-4D57-902A-161953F62C86}" type="slidenum">
               <a:t>&lt;#&gt;</a:t>
             </a:fld>
           </a:p>
@@ -4920,7 +4920,7 @@
         <p:txBody>
           <a:bodyPr/>
           <a:p>
-            <a:fld id="{ACEA5B4E-6EF6-41CF-BAB5-744D9D3C8E97}" type="slidenum">
+            <a:fld id="{AE6B9F81-AACB-42F7-9E16-90D78DEE00FC}" type="slidenum">
               <a:t>&lt;#&gt;</a:t>
             </a:fld>
           </a:p>
@@ -5105,7 +5105,7 @@
                 <a:tab algn="l" pos="0"/>
               </a:tabLst>
             </a:pPr>
-            <a:fld id="{B9B200A8-F9BA-4C95-8E5A-2C333447B3E0}" type="slidenum">
+            <a:fld id="{FCF9ED55-26D1-4D02-8A79-41D7391CC40F}" type="slidenum">
               <a:rPr b="0" lang="fr-FR" sz="1200" spc="-1" strike="noStrike">
                 <a:solidFill>
                   <a:srgbClr val="8b8b8b"/>
@@ -15185,7 +15185,7 @@
       </p:sp>
       <p:pic>
         <p:nvPicPr>
-          <p:cNvPr id="152" name="Image 5" descr=""/>
+          <p:cNvPr id="152" name="Image 12" descr=""/>
           <p:cNvPicPr/>
           <p:nvPr/>
         </p:nvPicPr>
@@ -15195,8 +15195,8 @@
         </p:blipFill>
         <p:spPr>
           <a:xfrm>
-            <a:off x="4694400" y="1374480"/>
-            <a:ext cx="3800880" cy="4744800"/>
+            <a:off x="336600" y="664560"/>
+            <a:ext cx="799560" cy="731880"/>
           </a:xfrm>
           <a:prstGeom prst="rect">
             <a:avLst/>
@@ -15208,7 +15208,7 @@
       </p:pic>
       <p:pic>
         <p:nvPicPr>
-          <p:cNvPr id="153" name="Image 12" descr=""/>
+          <p:cNvPr id="153" name="" descr=""/>
           <p:cNvPicPr/>
           <p:nvPr/>
         </p:nvPicPr>
@@ -15218,29 +15218,6 @@
         </p:blipFill>
         <p:spPr>
           <a:xfrm>
-            <a:off x="336600" y="664560"/>
-            <a:ext cx="799560" cy="731880"/>
-          </a:xfrm>
-          <a:prstGeom prst="rect">
-            <a:avLst/>
-          </a:prstGeom>
-          <a:ln w="0">
-            <a:noFill/>
-          </a:ln>
-        </p:spPr>
-      </p:pic>
-      <p:pic>
-        <p:nvPicPr>
-          <p:cNvPr id="154" name="" descr=""/>
-          <p:cNvPicPr/>
-          <p:nvPr/>
-        </p:nvPicPr>
-        <p:blipFill>
-          <a:blip r:embed="rId4"/>
-          <a:stretch/>
-        </p:blipFill>
-        <p:spPr>
-          <a:xfrm>
             <a:off x="423000" y="1785240"/>
             <a:ext cx="807480" cy="807480"/>
           </a:xfrm>
@@ -15254,7 +15231,7 @@
       </p:pic>
       <p:sp>
         <p:nvSpPr>
-          <p:cNvPr id="155" name="ZoneTexte 49"/>
+          <p:cNvPr id="154" name="ZoneTexte 49"/>
           <p:cNvSpPr/>
           <p:nvPr/>
         </p:nvSpPr>
@@ -15314,12 +15291,12 @@
       </p:sp>
       <p:pic>
         <p:nvPicPr>
-          <p:cNvPr id="156" name="" descr=""/>
+          <p:cNvPr id="155" name="" descr=""/>
           <p:cNvPicPr/>
           <p:nvPr/>
         </p:nvPicPr>
         <p:blipFill>
-          <a:blip r:embed="rId5"/>
+          <a:blip r:embed="rId4"/>
           <a:stretch/>
         </p:blipFill>
         <p:spPr>
@@ -15337,7 +15314,7 @@
       </p:pic>
       <p:sp>
         <p:nvSpPr>
-          <p:cNvPr id="157" name="ZoneTexte 53"/>
+          <p:cNvPr id="156" name="ZoneTexte 53"/>
           <p:cNvSpPr/>
           <p:nvPr/>
         </p:nvSpPr>
@@ -15397,12 +15374,12 @@
       </p:sp>
       <p:pic>
         <p:nvPicPr>
-          <p:cNvPr id="158" name="" descr=""/>
+          <p:cNvPr id="157" name="" descr=""/>
           <p:cNvPicPr/>
           <p:nvPr/>
         </p:nvPicPr>
         <p:blipFill>
-          <a:blip r:embed="rId6"/>
+          <a:blip r:embed="rId5"/>
           <a:stretch/>
         </p:blipFill>
         <p:spPr>
@@ -15420,7 +15397,7 @@
       </p:pic>
       <p:sp>
         <p:nvSpPr>
-          <p:cNvPr id="159" name="ZoneTexte 54"/>
+          <p:cNvPr id="158" name="ZoneTexte 54"/>
           <p:cNvSpPr/>
           <p:nvPr/>
         </p:nvSpPr>
@@ -15480,7 +15457,7 @@
       </p:sp>
       <p:sp>
         <p:nvSpPr>
-          <p:cNvPr id="160" name="ZoneTexte 55"/>
+          <p:cNvPr id="159" name="ZoneTexte 55"/>
           <p:cNvSpPr/>
           <p:nvPr/>
         </p:nvSpPr>
@@ -15540,12 +15517,12 @@
       </p:sp>
       <p:pic>
         <p:nvPicPr>
-          <p:cNvPr id="161" name="" descr=""/>
+          <p:cNvPr id="160" name="" descr=""/>
           <p:cNvPicPr/>
           <p:nvPr/>
         </p:nvPicPr>
         <p:blipFill>
-          <a:blip r:embed="rId7"/>
+          <a:blip r:embed="rId6"/>
           <a:stretch/>
         </p:blipFill>
         <p:spPr>
@@ -15563,7 +15540,7 @@
       </p:pic>
       <p:sp>
         <p:nvSpPr>
-          <p:cNvPr id="162" name="ZoneTexte 59"/>
+          <p:cNvPr id="161" name="ZoneTexte 59"/>
           <p:cNvSpPr/>
           <p:nvPr/>
         </p:nvSpPr>
@@ -15623,7 +15600,30 @@
       </p:sp>
       <p:pic>
         <p:nvPicPr>
-          <p:cNvPr id="163" name="Image 14" descr=""/>
+          <p:cNvPr id="162" name="Image 14" descr=""/>
+          <p:cNvPicPr/>
+          <p:nvPr/>
+        </p:nvPicPr>
+        <p:blipFill>
+          <a:blip r:embed="rId7"/>
+          <a:stretch/>
+        </p:blipFill>
+        <p:spPr>
+          <a:xfrm>
+            <a:off x="336960" y="664560"/>
+            <a:ext cx="799560" cy="731880"/>
+          </a:xfrm>
+          <a:prstGeom prst="rect">
+            <a:avLst/>
+          </a:prstGeom>
+          <a:ln w="0">
+            <a:noFill/>
+          </a:ln>
+        </p:spPr>
+      </p:pic>
+      <p:pic>
+        <p:nvPicPr>
+          <p:cNvPr id="163" name="" descr=""/>
           <p:cNvPicPr/>
           <p:nvPr/>
         </p:nvPicPr>
@@ -15633,29 +15633,6 @@
         </p:blipFill>
         <p:spPr>
           <a:xfrm>
-            <a:off x="336960" y="664560"/>
-            <a:ext cx="799560" cy="731880"/>
-          </a:xfrm>
-          <a:prstGeom prst="rect">
-            <a:avLst/>
-          </a:prstGeom>
-          <a:ln w="0">
-            <a:noFill/>
-          </a:ln>
-        </p:spPr>
-      </p:pic>
-      <p:pic>
-        <p:nvPicPr>
-          <p:cNvPr id="164" name="" descr=""/>
-          <p:cNvPicPr/>
-          <p:nvPr/>
-        </p:nvPicPr>
-        <p:blipFill>
-          <a:blip r:embed="rId9"/>
-          <a:stretch/>
-        </p:blipFill>
-        <p:spPr>
-          <a:xfrm>
             <a:off x="423360" y="1785240"/>
             <a:ext cx="807480" cy="807480"/>
           </a:xfrm>
@@ -15669,7 +15646,7 @@
       </p:pic>
       <p:sp>
         <p:nvSpPr>
-          <p:cNvPr id="165" name="ZoneTexte 60"/>
+          <p:cNvPr id="164" name="ZoneTexte 60"/>
           <p:cNvSpPr/>
           <p:nvPr/>
         </p:nvSpPr>
@@ -15729,12 +15706,12 @@
       </p:sp>
       <p:pic>
         <p:nvPicPr>
-          <p:cNvPr id="166" name="" descr=""/>
+          <p:cNvPr id="165" name="" descr=""/>
           <p:cNvPicPr/>
           <p:nvPr/>
         </p:nvPicPr>
         <p:blipFill>
-          <a:blip r:embed="rId10"/>
+          <a:blip r:embed="rId9"/>
           <a:stretch/>
         </p:blipFill>
         <p:spPr>
@@ -15752,7 +15729,7 @@
       </p:pic>
       <p:sp>
         <p:nvSpPr>
-          <p:cNvPr id="167" name="ZoneTexte 61"/>
+          <p:cNvPr id="166" name="ZoneTexte 61"/>
           <p:cNvSpPr/>
           <p:nvPr/>
         </p:nvSpPr>
@@ -15812,12 +15789,12 @@
       </p:sp>
       <p:pic>
         <p:nvPicPr>
-          <p:cNvPr id="168" name="" descr=""/>
+          <p:cNvPr id="167" name="" descr=""/>
           <p:cNvPicPr/>
           <p:nvPr/>
         </p:nvPicPr>
         <p:blipFill>
-          <a:blip r:embed="rId11"/>
+          <a:blip r:embed="rId10"/>
           <a:stretch/>
         </p:blipFill>
         <p:spPr>
@@ -15835,7 +15812,7 @@
       </p:pic>
       <p:sp>
         <p:nvSpPr>
-          <p:cNvPr id="169" name="ZoneTexte 63"/>
+          <p:cNvPr id="168" name="ZoneTexte 63"/>
           <p:cNvSpPr/>
           <p:nvPr/>
         </p:nvSpPr>
@@ -15895,12 +15872,12 @@
       </p:sp>
       <p:pic>
         <p:nvPicPr>
-          <p:cNvPr id="170" name="" descr=""/>
+          <p:cNvPr id="169" name="" descr=""/>
           <p:cNvPicPr/>
           <p:nvPr/>
         </p:nvPicPr>
         <p:blipFill>
-          <a:blip r:embed="rId12"/>
+          <a:blip r:embed="rId11"/>
           <a:stretch/>
         </p:blipFill>
         <p:spPr>
@@ -15918,7 +15895,7 @@
       </p:pic>
       <p:sp>
         <p:nvSpPr>
-          <p:cNvPr id="171" name="ZoneTexte 64"/>
+          <p:cNvPr id="170" name="ZoneTexte 64"/>
           <p:cNvSpPr/>
           <p:nvPr/>
         </p:nvSpPr>
@@ -15976,6 +15953,29 @@
           </a:p>
         </p:txBody>
       </p:sp>
+      <p:pic>
+        <p:nvPicPr>
+          <p:cNvPr id="171" name="" descr=""/>
+          <p:cNvPicPr/>
+          <p:nvPr/>
+        </p:nvPicPr>
+        <p:blipFill>
+          <a:blip r:embed="rId12"/>
+          <a:stretch/>
+        </p:blipFill>
+        <p:spPr>
+          <a:xfrm>
+            <a:off x="4680000" y="835200"/>
+            <a:ext cx="3800520" cy="4744800"/>
+          </a:xfrm>
+          <a:prstGeom prst="rect">
+            <a:avLst/>
+          </a:prstGeom>
+          <a:ln w="0">
+            <a:noFill/>
+          </a:ln>
+        </p:spPr>
+      </p:pic>
     </p:spTree>
   </p:cSld>
   <p:transition spd="slow">

--- a/COGNEX_Timothée/DEBOXEUR_REVUFINAL_240d414 3.pptx
+++ b/COGNEX_Timothée/DEBOXEUR_REVUFINAL_240d414 3.pptx
@@ -355,7 +355,7 @@
             <a:pPr indent="0" algn="r">
               <a:buNone/>
             </a:pPr>
-            <a:fld id="{B1C0624E-A56F-4FEF-A32B-C5A73F6DEDF1}" type="slidenum">
+            <a:fld id="{1C23C1B3-83A0-4AAF-A6A4-4101A3DBF7D4}" type="slidenum">
               <a:rPr b="0" lang="fr-FR" sz="1400" spc="-1" strike="noStrike">
                 <a:solidFill>
                   <a:srgbClr val="000000"/>
@@ -514,7 +514,7 @@
                 <a:tab algn="l" pos="0"/>
               </a:tabLst>
             </a:pPr>
-            <a:fld id="{A4AA2D31-0295-424A-B4A6-BBC2303A5CBA}" type="slidenum">
+            <a:fld id="{58928B14-8A36-43FF-982A-624E960396EA}" type="slidenum">
               <a:rPr b="0" lang="fr-FR" sz="1200" spc="-1" strike="noStrike">
                 <a:solidFill>
                   <a:srgbClr val="000000"/>
@@ -673,7 +673,7 @@
                 <a:tab algn="l" pos="0"/>
               </a:tabLst>
             </a:pPr>
-            <a:fld id="{0154B208-55F2-474C-972C-EAE060CA8C9F}" type="slidenum">
+            <a:fld id="{765956AB-5A4B-494E-8A5D-FD1E8D5262E0}" type="slidenum">
               <a:rPr b="0" lang="fr-FR" sz="1200" spc="-1" strike="noStrike">
                 <a:solidFill>
                   <a:srgbClr val="000000"/>
@@ -832,7 +832,7 @@
                 <a:tab algn="l" pos="0"/>
               </a:tabLst>
             </a:pPr>
-            <a:fld id="{6EAE828B-21BA-42D5-97A2-6D9FA98B7DD6}" type="slidenum">
+            <a:fld id="{352D895E-2762-4A77-BBC7-F4C998D4CB11}" type="slidenum">
               <a:rPr b="0" lang="fr-FR" sz="1200" spc="-1" strike="noStrike">
                 <a:solidFill>
                   <a:srgbClr val="000000"/>
@@ -991,7 +991,7 @@
                 <a:tab algn="l" pos="0"/>
               </a:tabLst>
             </a:pPr>
-            <a:fld id="{97B818A6-BECA-4DEA-835A-3CAC471E919E}" type="slidenum">
+            <a:fld id="{68C48039-BFEC-420F-9D52-BA7F364B39E9}" type="slidenum">
               <a:rPr b="0" lang="fr-FR" sz="1200" spc="-1" strike="noStrike">
                 <a:solidFill>
                   <a:srgbClr val="000000"/>
@@ -1150,7 +1150,7 @@
                 <a:tab algn="l" pos="0"/>
               </a:tabLst>
             </a:pPr>
-            <a:fld id="{EDED0A7F-A4FB-4801-8AB8-2F8D4CB44B71}" type="slidenum">
+            <a:fld id="{F12AA827-4095-488D-AAB5-336469443675}" type="slidenum">
               <a:rPr b="0" lang="fr-FR" sz="1200" spc="-1" strike="noStrike">
                 <a:solidFill>
                   <a:srgbClr val="000000"/>
@@ -1309,7 +1309,7 @@
                 <a:tab algn="l" pos="0"/>
               </a:tabLst>
             </a:pPr>
-            <a:fld id="{B7930901-54C4-400B-A00A-ABA4CF9BCD43}" type="slidenum">
+            <a:fld id="{F112713E-AA1F-46DB-8714-C303A3DABD74}" type="slidenum">
               <a:rPr b="0" lang="fr-FR" sz="1200" spc="-1" strike="noStrike">
                 <a:solidFill>
                   <a:srgbClr val="000000"/>
@@ -1468,7 +1468,7 @@
                 <a:tab algn="l" pos="0"/>
               </a:tabLst>
             </a:pPr>
-            <a:fld id="{08FAAB75-D781-487B-80A7-BB778CE39A19}" type="slidenum">
+            <a:fld id="{2E958875-F316-41D4-B6A4-97151BC38D8E}" type="slidenum">
               <a:rPr b="0" lang="fr-FR" sz="1200" spc="-1" strike="noStrike">
                 <a:solidFill>
                   <a:srgbClr val="000000"/>
@@ -1627,7 +1627,7 @@
                 <a:tab algn="l" pos="0"/>
               </a:tabLst>
             </a:pPr>
-            <a:fld id="{7D0C7EB4-408E-430C-A0C0-B639EDAAA22F}" type="slidenum">
+            <a:fld id="{E5AAD0A8-192E-48C2-9B68-27B9DBC98FE5}" type="slidenum">
               <a:rPr b="0" lang="fr-FR" sz="1200" spc="-1" strike="noStrike">
                 <a:solidFill>
                   <a:srgbClr val="000000"/>
@@ -1786,7 +1786,7 @@
                 <a:tab algn="l" pos="0"/>
               </a:tabLst>
             </a:pPr>
-            <a:fld id="{B8CBB76B-0411-49D5-A8DF-E38BA73B2B31}" type="slidenum">
+            <a:fld id="{E841ED15-0E72-4875-B39B-BD3B57B8F010}" type="slidenum">
               <a:rPr b="0" lang="fr-FR" sz="1200" spc="-1" strike="noStrike">
                 <a:solidFill>
                   <a:srgbClr val="000000"/>
@@ -1945,7 +1945,7 @@
                 <a:tab algn="l" pos="0"/>
               </a:tabLst>
             </a:pPr>
-            <a:fld id="{0C706E3B-8FB5-43F2-89FF-006EAFCEF3F6}" type="slidenum">
+            <a:fld id="{689FC88E-8513-4151-A735-052D8848474F}" type="slidenum">
               <a:rPr b="0" lang="fr-FR" sz="1200" spc="-1" strike="noStrike">
                 <a:solidFill>
                   <a:srgbClr val="000000"/>
@@ -2104,7 +2104,7 @@
                 <a:tab algn="l" pos="0"/>
               </a:tabLst>
             </a:pPr>
-            <a:fld id="{283949EC-2CF9-4D23-99FD-47DBFBF66F82}" type="slidenum">
+            <a:fld id="{8BD862EC-7EDD-4AEA-8733-631BF69EE12E}" type="slidenum">
               <a:rPr b="0" lang="fr-FR" sz="1200" spc="-1" strike="noStrike">
                 <a:solidFill>
                   <a:srgbClr val="000000"/>
@@ -2263,7 +2263,7 @@
                 <a:tab algn="l" pos="0"/>
               </a:tabLst>
             </a:pPr>
-            <a:fld id="{441DB10D-3879-4A5B-B345-92B92D6C1887}" type="slidenum">
+            <a:fld id="{8C0F5D72-7D79-4017-9954-55CD0FCE7FF9}" type="slidenum">
               <a:rPr b="0" lang="fr-FR" sz="1200" spc="-1" strike="noStrike">
                 <a:solidFill>
                   <a:srgbClr val="000000"/>
@@ -2422,7 +2422,7 @@
                 <a:tab algn="l" pos="0"/>
               </a:tabLst>
             </a:pPr>
-            <a:fld id="{695262F7-DA8C-4B66-BB00-A75C07B74C46}" type="slidenum">
+            <a:fld id="{DEC3E307-7396-4582-9C82-5160CF57EC17}" type="slidenum">
               <a:rPr b="0" lang="fr-FR" sz="1200" spc="-1" strike="noStrike">
                 <a:solidFill>
                   <a:srgbClr val="000000"/>
@@ -2497,7 +2497,7 @@
         <p:txBody>
           <a:bodyPr/>
           <a:p>
-            <a:fld id="{341A7A0B-4AA0-4546-971A-A65F26BE77B5}" type="slidenum">
+            <a:fld id="{019B3D7A-BAC2-4BEC-B967-A43968D772C2}" type="slidenum">
               <a:t>&lt;#&gt;</a:t>
             </a:fld>
           </a:p>
@@ -2706,7 +2706,7 @@
         <p:txBody>
           <a:bodyPr/>
           <a:p>
-            <a:fld id="{7ABA0BAF-F164-4CEA-95EA-43A27824E3DD}" type="slidenum">
+            <a:fld id="{BCD25F53-BFA7-4626-B1E6-D7E7BA39A43B}" type="slidenum">
               <a:t>&lt;#&gt;</a:t>
             </a:fld>
           </a:p>
@@ -3001,7 +3001,7 @@
         <p:txBody>
           <a:bodyPr/>
           <a:p>
-            <a:fld id="{D158328D-9D4C-48B5-B24F-AFAFB0B4A641}" type="slidenum">
+            <a:fld id="{AA441615-5DF1-49DA-AB79-AE630B76BA27}" type="slidenum">
               <a:t>&lt;#&gt;</a:t>
             </a:fld>
           </a:p>
@@ -3382,7 +3382,7 @@
         <p:txBody>
           <a:bodyPr/>
           <a:p>
-            <a:fld id="{27F2ED4C-20F0-4A62-8765-B12FF17B0C99}" type="slidenum">
+            <a:fld id="{ABD950DC-72CD-467E-B5DA-0B7CE3301E2D}" type="slidenum">
               <a:t>&lt;#&gt;</a:t>
             </a:fld>
           </a:p>
@@ -3545,7 +3545,7 @@
         <p:txBody>
           <a:bodyPr/>
           <a:p>
-            <a:fld id="{EA590258-6498-41E3-A4D2-D1E5FF36CD67}" type="slidenum">
+            <a:fld id="{36E52064-F04B-4064-A55C-C1D6A5CC1DAE}" type="slidenum">
               <a:t>&lt;#&gt;</a:t>
             </a:fld>
           </a:p>
@@ -3711,7 +3711,7 @@
         <p:txBody>
           <a:bodyPr/>
           <a:p>
-            <a:fld id="{319AE42B-ACB9-4BBB-8462-14FAF02A1CF7}" type="slidenum">
+            <a:fld id="{555F4C75-40E5-43CB-830C-A10B2449C113}" type="slidenum">
               <a:t>&lt;#&gt;</a:t>
             </a:fld>
           </a:p>
@@ -3920,7 +3920,7 @@
         <p:txBody>
           <a:bodyPr/>
           <a:p>
-            <a:fld id="{B7A178B6-E9BE-4855-B8D4-E25E81177E15}" type="slidenum">
+            <a:fld id="{8C733CC8-E00A-4EF7-B2E7-188F526DD108}" type="slidenum">
               <a:t>&lt;#&gt;</a:t>
             </a:fld>
           </a:p>
@@ -4043,7 +4043,7 @@
         <p:txBody>
           <a:bodyPr/>
           <a:p>
-            <a:fld id="{97826D58-5CD4-4B78-B376-393AB2E6439C}" type="slidenum">
+            <a:fld id="{68006555-09D7-4F4D-BE46-99237BC02C3A}" type="slidenum">
               <a:t>&lt;#&gt;</a:t>
             </a:fld>
           </a:p>
@@ -4164,7 +4164,7 @@
         <p:txBody>
           <a:bodyPr/>
           <a:p>
-            <a:fld id="{4E4470FB-6004-4656-B79D-1188695B4EBD}" type="slidenum">
+            <a:fld id="{E8A5F220-E4ED-4EB3-842E-F5F290B58CD6}" type="slidenum">
               <a:t>&lt;#&gt;</a:t>
             </a:fld>
           </a:p>
@@ -4416,7 +4416,7 @@
         <p:txBody>
           <a:bodyPr/>
           <a:p>
-            <a:fld id="{9CBE40F6-FEC1-496D-8222-8A9C7276B6B8}" type="slidenum">
+            <a:fld id="{5F81A520-17DC-49E9-9AFB-12623C166658}" type="slidenum">
               <a:t>&lt;#&gt;</a:t>
             </a:fld>
           </a:p>
@@ -4668,7 +4668,7 @@
         <p:txBody>
           <a:bodyPr/>
           <a:p>
-            <a:fld id="{E9D452DB-E7EE-4D57-902A-161953F62C86}" type="slidenum">
+            <a:fld id="{C91573BE-ECAB-449E-9999-1836425F64E8}" type="slidenum">
               <a:t>&lt;#&gt;</a:t>
             </a:fld>
           </a:p>
@@ -4920,7 +4920,7 @@
         <p:txBody>
           <a:bodyPr/>
           <a:p>
-            <a:fld id="{AE6B9F81-AACB-42F7-9E16-90D78DEE00FC}" type="slidenum">
+            <a:fld id="{5C5F92A7-EB22-4C44-87F4-3BA7EB39E431}" type="slidenum">
               <a:t>&lt;#&gt;</a:t>
             </a:fld>
           </a:p>
@@ -5105,7 +5105,7 @@
                 <a:tab algn="l" pos="0"/>
               </a:tabLst>
             </a:pPr>
-            <a:fld id="{FCF9ED55-26D1-4D02-8A79-41D7391CC40F}" type="slidenum">
+            <a:fld id="{B9678389-8910-48BF-AB3C-A3C43F9CE3B3}" type="slidenum">
               <a:rPr b="0" lang="fr-FR" sz="1200" spc="-1" strike="noStrike">
                 <a:solidFill>
                   <a:srgbClr val="8b8b8b"/>
@@ -5926,9 +5926,32 @@
           <a:chExt cx="0" cy="0"/>
         </a:xfrm>
       </p:grpSpPr>
-      <p:sp>
-        <p:nvSpPr>
-          <p:cNvPr id="210" name="Rectangle 3"/>
+      <p:pic>
+        <p:nvPicPr>
+          <p:cNvPr id="210" name="Image 6" descr=""/>
+          <p:cNvPicPr/>
+          <p:nvPr/>
+        </p:nvPicPr>
+        <p:blipFill>
+          <a:blip r:embed="rId1"/>
+          <a:stretch/>
+        </p:blipFill>
+        <p:spPr>
+          <a:xfrm>
+            <a:off x="2321280" y="911880"/>
+            <a:ext cx="8019000" cy="6049440"/>
+          </a:xfrm>
+          <a:prstGeom prst="rect">
+            <a:avLst/>
+          </a:prstGeom>
+          <a:ln w="0">
+            <a:noFill/>
+          </a:ln>
+        </p:spPr>
+      </p:pic>
+      <p:sp>
+        <p:nvSpPr>
+          <p:cNvPr id="211" name="Rectangle 3"/>
           <p:cNvSpPr/>
           <p:nvPr/>
         </p:nvSpPr>
@@ -5983,7 +6006,7 @@
       </p:sp>
       <p:sp>
         <p:nvSpPr>
-          <p:cNvPr id="211" name="ZoneTexte 41"/>
+          <p:cNvPr id="212" name="ZoneTexte 41"/>
           <p:cNvSpPr/>
           <p:nvPr/>
         </p:nvSpPr>
@@ -6056,12 +6079,12 @@
       </p:sp>
       <p:pic>
         <p:nvPicPr>
-          <p:cNvPr id="212" name="Picture 5" descr="Le groupe CASTEL devient propriétaire du Château Cavalier en ..."/>
+          <p:cNvPr id="213" name="Picture 5" descr="Le groupe CASTEL devient propriétaire du Château Cavalier en ..."/>
           <p:cNvPicPr/>
           <p:nvPr/>
         </p:nvPicPr>
         <p:blipFill>
-          <a:blip r:embed="rId1"/>
+          <a:blip r:embed="rId2"/>
           <a:stretch/>
         </p:blipFill>
         <p:spPr>
@@ -6079,7 +6102,7 @@
       </p:pic>
       <p:sp>
         <p:nvSpPr>
-          <p:cNvPr id="213" name="ZoneTexte 42"/>
+          <p:cNvPr id="214" name="ZoneTexte 42"/>
           <p:cNvSpPr/>
           <p:nvPr/>
         </p:nvSpPr>
@@ -6133,30 +6156,7 @@
       </p:sp>
       <p:pic>
         <p:nvPicPr>
-          <p:cNvPr id="214" name="Image 2" descr=""/>
-          <p:cNvPicPr/>
-          <p:nvPr/>
-        </p:nvPicPr>
-        <p:blipFill>
-          <a:blip r:embed="rId2"/>
-          <a:stretch/>
-        </p:blipFill>
-        <p:spPr>
-          <a:xfrm>
-            <a:off x="2521080" y="1489320"/>
-            <a:ext cx="6171480" cy="4228560"/>
-          </a:xfrm>
-          <a:prstGeom prst="rect">
-            <a:avLst/>
-          </a:prstGeom>
-          <a:ln w="0">
-            <a:noFill/>
-          </a:ln>
-        </p:spPr>
-      </p:pic>
-      <p:pic>
-        <p:nvPicPr>
-          <p:cNvPr id="215" name="Image 6" descr=""/>
+          <p:cNvPr id="215" name="Image 2" descr=""/>
           <p:cNvPicPr/>
           <p:nvPr/>
         </p:nvPicPr>
@@ -6166,8 +6166,8 @@
         </p:blipFill>
         <p:spPr>
           <a:xfrm>
-            <a:off x="2321280" y="911880"/>
-            <a:ext cx="8019000" cy="6049440"/>
+            <a:off x="3601080" y="1489320"/>
+            <a:ext cx="6171480" cy="4228560"/>
           </a:xfrm>
           <a:prstGeom prst="rect">
             <a:avLst/>
@@ -6584,1393 +6584,6 @@
               <a:t>In-Sight</a:t>
             </a:r>
             <a:endParaRPr b="0" lang="fr-FR" sz="1400" spc="-1" strike="noStrike">
-              <a:solidFill>
-                <a:srgbClr val="000000"/>
-              </a:solidFill>
-              <a:latin typeface="Arial"/>
-            </a:endParaRPr>
-          </a:p>
-        </p:txBody>
-      </p:sp>
-    </p:spTree>
-  </p:cSld>
-  <p:transition spd="slow">
-    <p:fade/>
-  </p:transition>
-</p:sld>
-</file>
-
-<file path=ppt/slides/slide11.xml><?xml version="1.0" encoding="utf-8"?>
-<p:sld xmlns:a="http://schemas.openxmlformats.org/drawingml/2006/main" xmlns:p="http://schemas.openxmlformats.org/presentationml/2006/main" xmlns:r="http://schemas.openxmlformats.org/officeDocument/2006/relationships" xmlns:p14="http://schemas.microsoft.com/office/powerpoint/2010/main" xmlns:p15="http://schemas.microsoft.com/office/powerpoint/2012/main" xmlns:mc="http://schemas.openxmlformats.org/markup-compatibility/2006">
-  <p:cSld>
-    <p:spTree>
-      <p:nvGrpSpPr>
-        <p:cNvPr id="1" name=""/>
-        <p:cNvGrpSpPr/>
-        <p:nvPr/>
-      </p:nvGrpSpPr>
-      <p:grpSpPr>
-        <a:xfrm>
-          <a:off x="0" y="0"/>
-          <a:ext cx="0" cy="0"/>
-          <a:chOff x="0" y="0"/>
-          <a:chExt cx="0" cy="0"/>
-        </a:xfrm>
-      </p:grpSpPr>
-      <p:sp>
-        <p:nvSpPr>
-          <p:cNvPr id="226" name="Rectangle 3"/>
-          <p:cNvSpPr/>
-          <p:nvPr/>
-        </p:nvSpPr>
-        <p:spPr>
-          <a:xfrm>
-            <a:off x="0" y="0"/>
-            <a:ext cx="1649160" cy="6855840"/>
-          </a:xfrm>
-          <a:prstGeom prst="rect">
-            <a:avLst/>
-          </a:prstGeom>
-          <a:solidFill>
-            <a:srgbClr val="a81e35"/>
-          </a:solidFill>
-          <a:ln>
-            <a:noFill/>
-          </a:ln>
-        </p:spPr>
-        <p:style>
-          <a:lnRef idx="2">
-            <a:schemeClr val="accent1">
-              <a:shade val="15000"/>
-            </a:schemeClr>
-          </a:lnRef>
-          <a:fillRef idx="1">
-            <a:schemeClr val="accent1"/>
-          </a:fillRef>
-          <a:effectRef idx="0">
-            <a:schemeClr val="accent1"/>
-          </a:effectRef>
-          <a:fontRef idx="minor"/>
-        </p:style>
-        <p:txBody>
-          <a:bodyPr lIns="90000" rIns="90000" tIns="45000" bIns="45000" anchor="ctr">
-            <a:noAutofit/>
-          </a:bodyPr>
-          <a:p>
-            <a:pPr>
-              <a:lnSpc>
-                <a:spcPct val="100000"/>
-              </a:lnSpc>
-            </a:pPr>
-            <a:endParaRPr b="0" lang="fr-FR" sz="1800" spc="-1" strike="noStrike">
-              <a:solidFill>
-                <a:schemeClr val="lt1"/>
-              </a:solidFill>
-              <a:latin typeface="Calibri"/>
-              <a:ea typeface="DejaVu Sans"/>
-            </a:endParaRPr>
-          </a:p>
-        </p:txBody>
-      </p:sp>
-      <p:sp>
-        <p:nvSpPr>
-          <p:cNvPr id="227" name="ZoneTexte 41"/>
-          <p:cNvSpPr/>
-          <p:nvPr/>
-        </p:nvSpPr>
-        <p:spPr>
-          <a:xfrm>
-            <a:off x="3200040" y="114120"/>
-            <a:ext cx="6860160" cy="698760"/>
-          </a:xfrm>
-          <a:prstGeom prst="rect">
-            <a:avLst/>
-          </a:prstGeom>
-          <a:noFill/>
-          <a:ln w="57150">
-            <a:solidFill>
-              <a:srgbClr val="e3ba77"/>
-            </a:solidFill>
-            <a:round/>
-          </a:ln>
-        </p:spPr>
-        <p:style>
-          <a:lnRef idx="0"/>
-          <a:fillRef idx="0"/>
-          <a:effectRef idx="0"/>
-          <a:fontRef idx="minor"/>
-        </p:style>
-        <p:txBody>
-          <a:bodyPr lIns="90000" rIns="90000" tIns="45000" bIns="45000" anchor="ctr">
-            <a:spAutoFit/>
-          </a:bodyPr>
-          <a:p>
-            <a:pPr algn="ctr">
-              <a:lnSpc>
-                <a:spcPct val="100000"/>
-              </a:lnSpc>
-              <a:spcBef>
-                <a:spcPts val="1199"/>
-              </a:spcBef>
-              <a:spcAft>
-                <a:spcPts val="1199"/>
-              </a:spcAft>
-            </a:pPr>
-            <a:r>
-              <a:rPr b="1" lang="fr-FR" sz="4000" spc="-1" strike="noStrike">
-                <a:solidFill>
-                  <a:srgbClr val="e3ba77"/>
-                </a:solidFill>
-                <a:latin typeface="Calibri"/>
-                <a:ea typeface="DejaVu Sans"/>
-              </a:rPr>
-              <a:t>Tableau de comparaison </a:t>
-            </a:r>
-            <a:endParaRPr b="0" lang="fr-FR" sz="4000" spc="-1" strike="noStrike">
-              <a:solidFill>
-                <a:srgbClr val="000000"/>
-              </a:solidFill>
-              <a:latin typeface="Arial"/>
-            </a:endParaRPr>
-          </a:p>
-        </p:txBody>
-      </p:sp>
-      <p:pic>
-        <p:nvPicPr>
-          <p:cNvPr id="228" name="Picture 5" descr="Le groupe CASTEL devient propriétaire du Château Cavalier en ..."/>
-          <p:cNvPicPr/>
-          <p:nvPr/>
-        </p:nvPicPr>
-        <p:blipFill>
-          <a:blip r:embed="rId1"/>
-          <a:stretch/>
-        </p:blipFill>
-        <p:spPr>
-          <a:xfrm>
-            <a:off x="10483560" y="190440"/>
-            <a:ext cx="1338480" cy="888120"/>
-          </a:xfrm>
-          <a:prstGeom prst="rect">
-            <a:avLst/>
-          </a:prstGeom>
-          <a:ln w="0">
-            <a:noFill/>
-          </a:ln>
-        </p:spPr>
-      </p:pic>
-      <p:sp>
-        <p:nvSpPr>
-          <p:cNvPr id="229" name="ZoneTexte 42"/>
-          <p:cNvSpPr/>
-          <p:nvPr/>
-        </p:nvSpPr>
-        <p:spPr>
-          <a:xfrm>
-            <a:off x="-50040" y="6539760"/>
-            <a:ext cx="1604520" cy="333000"/>
-          </a:xfrm>
-          <a:prstGeom prst="rect">
-            <a:avLst/>
-          </a:prstGeom>
-          <a:noFill/>
-          <a:ln w="0">
-            <a:noFill/>
-          </a:ln>
-        </p:spPr>
-        <p:style>
-          <a:lnRef idx="0"/>
-          <a:fillRef idx="0"/>
-          <a:effectRef idx="0"/>
-          <a:fontRef idx="minor"/>
-        </p:style>
-        <p:txBody>
-          <a:bodyPr lIns="90000" rIns="90000" tIns="45000" bIns="45000" anchor="t">
-            <a:spAutoFit/>
-          </a:bodyPr>
-          <a:p>
-            <a:pPr algn="ctr">
-              <a:lnSpc>
-                <a:spcPct val="100000"/>
-              </a:lnSpc>
-            </a:pPr>
-            <a:r>
-              <a:rPr b="0" lang="fr-FR" sz="1600" spc="-1" strike="noStrike">
-                <a:solidFill>
-                  <a:srgbClr val="e3ba77"/>
-                </a:solidFill>
-                <a:latin typeface="Calibri"/>
-                <a:ea typeface="Times New Roman"/>
-              </a:rPr>
-              <a:t>Pages 10</a:t>
-            </a:r>
-            <a:endParaRPr b="0" lang="fr-FR" sz="1600" spc="-1" strike="noStrike">
-              <a:solidFill>
-                <a:srgbClr val="000000"/>
-              </a:solidFill>
-              <a:latin typeface="Arial"/>
-            </a:endParaRPr>
-          </a:p>
-        </p:txBody>
-      </p:sp>
-      <p:pic>
-        <p:nvPicPr>
-          <p:cNvPr id="230" name="Picture 2" descr=""/>
-          <p:cNvPicPr/>
-          <p:nvPr/>
-        </p:nvPicPr>
-        <p:blipFill>
-          <a:blip r:embed="rId2"/>
-          <a:stretch/>
-        </p:blipFill>
-        <p:spPr>
-          <a:xfrm>
-            <a:off x="4230000" y="1231920"/>
-            <a:ext cx="4968360" cy="5299920"/>
-          </a:xfrm>
-          <a:prstGeom prst="rect">
-            <a:avLst/>
-          </a:prstGeom>
-          <a:ln w="0">
-            <a:noFill/>
-          </a:ln>
-        </p:spPr>
-      </p:pic>
-      <p:pic>
-        <p:nvPicPr>
-          <p:cNvPr id="231" name="" descr=""/>
-          <p:cNvPicPr/>
-          <p:nvPr/>
-        </p:nvPicPr>
-        <p:blipFill>
-          <a:blip r:embed="rId3"/>
-          <a:stretch/>
-        </p:blipFill>
-        <p:spPr>
-          <a:xfrm>
-            <a:off x="396360" y="648360"/>
-            <a:ext cx="899640" cy="899640"/>
-          </a:xfrm>
-          <a:prstGeom prst="rect">
-            <a:avLst/>
-          </a:prstGeom>
-          <a:ln w="0">
-            <a:noFill/>
-          </a:ln>
-        </p:spPr>
-      </p:pic>
-      <p:sp>
-        <p:nvSpPr>
-          <p:cNvPr id="232" name="ZoneTexte 79"/>
-          <p:cNvSpPr/>
-          <p:nvPr/>
-        </p:nvSpPr>
-        <p:spPr>
-          <a:xfrm>
-            <a:off x="-80640" y="1533600"/>
-            <a:ext cx="1844280" cy="302760"/>
-          </a:xfrm>
-          <a:prstGeom prst="rect">
-            <a:avLst/>
-          </a:prstGeom>
-          <a:noFill/>
-          <a:ln w="0">
-            <a:noFill/>
-          </a:ln>
-        </p:spPr>
-        <p:style>
-          <a:lnRef idx="0"/>
-          <a:fillRef idx="0"/>
-          <a:effectRef idx="0"/>
-          <a:fontRef idx="minor"/>
-        </p:style>
-        <p:txBody>
-          <a:bodyPr lIns="90000" rIns="90000" tIns="45000" bIns="45000" anchor="t">
-            <a:spAutoFit/>
-          </a:bodyPr>
-          <a:p>
-            <a:pPr algn="ctr">
-              <a:lnSpc>
-                <a:spcPct val="100000"/>
-              </a:lnSpc>
-              <a:spcBef>
-                <a:spcPts val="1199"/>
-              </a:spcBef>
-              <a:spcAft>
-                <a:spcPts val="1199"/>
-              </a:spcAft>
-            </a:pPr>
-            <a:r>
-              <a:rPr b="1" lang="fr-FR" sz="1400" spc="-1" strike="noStrike">
-                <a:solidFill>
-                  <a:srgbClr val="e3ba77"/>
-                </a:solidFill>
-                <a:latin typeface="Calibri"/>
-                <a:ea typeface="DejaVu Sans"/>
-              </a:rPr>
-              <a:t>Tableau comparaison</a:t>
-            </a:r>
-            <a:endParaRPr b="0" lang="fr-FR" sz="1400" spc="-1" strike="noStrike">
-              <a:solidFill>
-                <a:srgbClr val="000000"/>
-              </a:solidFill>
-              <a:latin typeface="Arial"/>
-            </a:endParaRPr>
-          </a:p>
-        </p:txBody>
-      </p:sp>
-      <p:pic>
-        <p:nvPicPr>
-          <p:cNvPr id="233" name="" descr=""/>
-          <p:cNvPicPr/>
-          <p:nvPr/>
-        </p:nvPicPr>
-        <p:blipFill>
-          <a:blip r:embed="rId4"/>
-          <a:stretch/>
-        </p:blipFill>
-        <p:spPr>
-          <a:xfrm rot="16185000">
-            <a:off x="254160" y="2954880"/>
-            <a:ext cx="1074960" cy="1074960"/>
-          </a:xfrm>
-          <a:prstGeom prst="rect">
-            <a:avLst/>
-          </a:prstGeom>
-          <a:ln w="0">
-            <a:noFill/>
-          </a:ln>
-        </p:spPr>
-      </p:pic>
-      <p:sp>
-        <p:nvSpPr>
-          <p:cNvPr id="234" name="ZoneTexte 80"/>
-          <p:cNvSpPr/>
-          <p:nvPr/>
-        </p:nvSpPr>
-        <p:spPr>
-          <a:xfrm>
-            <a:off x="-80640" y="3945600"/>
-            <a:ext cx="1844280" cy="302760"/>
-          </a:xfrm>
-          <a:prstGeom prst="rect">
-            <a:avLst/>
-          </a:prstGeom>
-          <a:noFill/>
-          <a:ln w="0">
-            <a:noFill/>
-          </a:ln>
-        </p:spPr>
-        <p:style>
-          <a:lnRef idx="0"/>
-          <a:fillRef idx="0"/>
-          <a:effectRef idx="0"/>
-          <a:fontRef idx="minor"/>
-        </p:style>
-        <p:txBody>
-          <a:bodyPr lIns="90000" rIns="90000" tIns="45000" bIns="45000" anchor="t">
-            <a:spAutoFit/>
-          </a:bodyPr>
-          <a:p>
-            <a:pPr algn="ctr">
-              <a:lnSpc>
-                <a:spcPct val="100000"/>
-              </a:lnSpc>
-              <a:spcBef>
-                <a:spcPts val="1199"/>
-              </a:spcBef>
-              <a:spcAft>
-                <a:spcPts val="1199"/>
-              </a:spcAft>
-            </a:pPr>
-            <a:r>
-              <a:rPr b="1" lang="fr-FR" sz="1400" spc="-1" strike="noStrike">
-                <a:solidFill>
-                  <a:srgbClr val="e3ba77"/>
-                </a:solidFill>
-                <a:latin typeface="Calibri"/>
-                <a:ea typeface="DejaVu Sans"/>
-              </a:rPr>
-              <a:t>Câblage</a:t>
-            </a:r>
-            <a:endParaRPr b="0" lang="fr-FR" sz="1400" spc="-1" strike="noStrike">
-              <a:solidFill>
-                <a:srgbClr val="000000"/>
-              </a:solidFill>
-              <a:latin typeface="Arial"/>
-            </a:endParaRPr>
-          </a:p>
-        </p:txBody>
-      </p:sp>
-      <p:pic>
-        <p:nvPicPr>
-          <p:cNvPr id="235" name="Image 18" descr=""/>
-          <p:cNvPicPr/>
-          <p:nvPr/>
-        </p:nvPicPr>
-        <p:blipFill>
-          <a:blip r:embed="rId5"/>
-          <a:stretch/>
-        </p:blipFill>
-        <p:spPr>
-          <a:xfrm>
-            <a:off x="432000" y="4212360"/>
-            <a:ext cx="899280" cy="899280"/>
-          </a:xfrm>
-          <a:prstGeom prst="rect">
-            <a:avLst/>
-          </a:prstGeom>
-          <a:ln w="0">
-            <a:noFill/>
-          </a:ln>
-        </p:spPr>
-      </p:pic>
-      <p:sp>
-        <p:nvSpPr>
-          <p:cNvPr id="236" name="ZoneTexte 81"/>
-          <p:cNvSpPr/>
-          <p:nvPr/>
-        </p:nvSpPr>
-        <p:spPr>
-          <a:xfrm>
-            <a:off x="-147240" y="5033160"/>
-            <a:ext cx="2044800" cy="272160"/>
-          </a:xfrm>
-          <a:prstGeom prst="rect">
-            <a:avLst/>
-          </a:prstGeom>
-          <a:noFill/>
-          <a:ln w="0">
-            <a:noFill/>
-          </a:ln>
-        </p:spPr>
-        <p:style>
-          <a:lnRef idx="0"/>
-          <a:fillRef idx="0"/>
-          <a:effectRef idx="0"/>
-          <a:fontRef idx="minor"/>
-        </p:style>
-        <p:txBody>
-          <a:bodyPr lIns="90000" rIns="90000" tIns="45000" bIns="45000" anchor="t">
-            <a:spAutoFit/>
-          </a:bodyPr>
-          <a:p>
-            <a:pPr algn="ctr">
-              <a:lnSpc>
-                <a:spcPct val="100000"/>
-              </a:lnSpc>
-              <a:spcBef>
-                <a:spcPts val="1199"/>
-              </a:spcBef>
-              <a:spcAft>
-                <a:spcPts val="1199"/>
-              </a:spcAft>
-            </a:pPr>
-            <a:r>
-              <a:rPr b="1" lang="fr-FR" sz="1200" spc="-1" strike="noStrike">
-                <a:solidFill>
-                  <a:srgbClr val="e3ba77"/>
-                </a:solidFill>
-                <a:latin typeface="Calibri"/>
-                <a:ea typeface="DejaVu Sans"/>
-              </a:rPr>
-              <a:t>Rapport erreur</a:t>
-            </a:r>
-            <a:endParaRPr b="0" lang="fr-FR" sz="1200" spc="-1" strike="noStrike">
-              <a:solidFill>
-                <a:srgbClr val="000000"/>
-              </a:solidFill>
-              <a:latin typeface="Arial"/>
-            </a:endParaRPr>
-          </a:p>
-        </p:txBody>
-      </p:sp>
-      <p:pic>
-        <p:nvPicPr>
-          <p:cNvPr id="237" name="" descr=""/>
-          <p:cNvPicPr/>
-          <p:nvPr/>
-        </p:nvPicPr>
-        <p:blipFill>
-          <a:blip r:embed="rId6"/>
-          <a:stretch/>
-        </p:blipFill>
-        <p:spPr>
-          <a:xfrm>
-            <a:off x="406440" y="1827000"/>
-            <a:ext cx="988200" cy="988200"/>
-          </a:xfrm>
-          <a:prstGeom prst="rect">
-            <a:avLst/>
-          </a:prstGeom>
-          <a:ln w="0">
-            <a:noFill/>
-          </a:ln>
-        </p:spPr>
-      </p:pic>
-      <p:sp>
-        <p:nvSpPr>
-          <p:cNvPr id="238" name="ZoneTexte 78"/>
-          <p:cNvSpPr/>
-          <p:nvPr/>
-        </p:nvSpPr>
-        <p:spPr>
-          <a:xfrm>
-            <a:off x="-89640" y="2712600"/>
-            <a:ext cx="1844280" cy="302760"/>
-          </a:xfrm>
-          <a:prstGeom prst="rect">
-            <a:avLst/>
-          </a:prstGeom>
-          <a:noFill/>
-          <a:ln w="0">
-            <a:noFill/>
-          </a:ln>
-        </p:spPr>
-        <p:style>
-          <a:lnRef idx="0"/>
-          <a:fillRef idx="0"/>
-          <a:effectRef idx="0"/>
-          <a:fontRef idx="minor"/>
-        </p:style>
-        <p:txBody>
-          <a:bodyPr lIns="90000" rIns="90000" tIns="45000" bIns="45000" anchor="t">
-            <a:spAutoFit/>
-          </a:bodyPr>
-          <a:p>
-            <a:pPr algn="ctr">
-              <a:lnSpc>
-                <a:spcPct val="100000"/>
-              </a:lnSpc>
-              <a:spcBef>
-                <a:spcPts val="1199"/>
-              </a:spcBef>
-              <a:spcAft>
-                <a:spcPts val="1199"/>
-              </a:spcAft>
-            </a:pPr>
-            <a:r>
-              <a:rPr b="1" lang="fr-FR" sz="1400" spc="-1" strike="noStrike">
-                <a:solidFill>
-                  <a:srgbClr val="e3ba77"/>
-                </a:solidFill>
-                <a:latin typeface="Calibri"/>
-                <a:ea typeface="DejaVu Sans"/>
-              </a:rPr>
-              <a:t>In-Sight</a:t>
-            </a:r>
-            <a:endParaRPr b="0" lang="fr-FR" sz="1400" spc="-1" strike="noStrike">
-              <a:solidFill>
-                <a:srgbClr val="000000"/>
-              </a:solidFill>
-              <a:latin typeface="Arial"/>
-            </a:endParaRPr>
-          </a:p>
-        </p:txBody>
-      </p:sp>
-      <p:pic>
-        <p:nvPicPr>
-          <p:cNvPr id="239" name="" descr=""/>
-          <p:cNvPicPr/>
-          <p:nvPr/>
-        </p:nvPicPr>
-        <p:blipFill>
-          <a:blip r:embed="rId7"/>
-          <a:stretch/>
-        </p:blipFill>
-        <p:spPr>
-          <a:xfrm>
-            <a:off x="360000" y="5364000"/>
-            <a:ext cx="899640" cy="899640"/>
-          </a:xfrm>
-          <a:prstGeom prst="rect">
-            <a:avLst/>
-          </a:prstGeom>
-          <a:ln w="0">
-            <a:noFill/>
-          </a:ln>
-        </p:spPr>
-      </p:pic>
-      <p:sp>
-        <p:nvSpPr>
-          <p:cNvPr id="240" name="ZoneTexte 91"/>
-          <p:cNvSpPr/>
-          <p:nvPr/>
-        </p:nvSpPr>
-        <p:spPr>
-          <a:xfrm>
-            <a:off x="-147240" y="6202440"/>
-            <a:ext cx="2044800" cy="272160"/>
-          </a:xfrm>
-          <a:prstGeom prst="rect">
-            <a:avLst/>
-          </a:prstGeom>
-          <a:noFill/>
-          <a:ln w="0">
-            <a:noFill/>
-          </a:ln>
-        </p:spPr>
-        <p:style>
-          <a:lnRef idx="0"/>
-          <a:fillRef idx="0"/>
-          <a:effectRef idx="0"/>
-          <a:fontRef idx="minor"/>
-        </p:style>
-        <p:txBody>
-          <a:bodyPr lIns="90000" rIns="90000" tIns="45000" bIns="45000" anchor="t">
-            <a:spAutoFit/>
-          </a:bodyPr>
-          <a:p>
-            <a:pPr algn="ctr">
-              <a:lnSpc>
-                <a:spcPct val="100000"/>
-              </a:lnSpc>
-              <a:spcBef>
-                <a:spcPts val="1199"/>
-              </a:spcBef>
-              <a:spcAft>
-                <a:spcPts val="1199"/>
-              </a:spcAft>
-            </a:pPr>
-            <a:r>
-              <a:rPr b="1" lang="fr-FR" sz="1200" spc="-1" strike="noStrike">
-                <a:solidFill>
-                  <a:srgbClr val="e3ba77"/>
-                </a:solidFill>
-                <a:latin typeface="Calibri"/>
-                <a:ea typeface="DejaVu Sans"/>
-              </a:rPr>
-              <a:t>Conclusion</a:t>
-            </a:r>
-            <a:endParaRPr b="0" lang="fr-FR" sz="1200" spc="-1" strike="noStrike">
-              <a:solidFill>
-                <a:srgbClr val="000000"/>
-              </a:solidFill>
-              <a:latin typeface="Arial"/>
-            </a:endParaRPr>
-          </a:p>
-        </p:txBody>
-      </p:sp>
-    </p:spTree>
-  </p:cSld>
-  <p:transition spd="slow">
-    <p:fade/>
-  </p:transition>
-</p:sld>
-</file>
-
-<file path=ppt/slides/slide12.xml><?xml version="1.0" encoding="utf-8"?>
-<p:sld xmlns:a="http://schemas.openxmlformats.org/drawingml/2006/main" xmlns:p="http://schemas.openxmlformats.org/presentationml/2006/main" xmlns:r="http://schemas.openxmlformats.org/officeDocument/2006/relationships" xmlns:p14="http://schemas.microsoft.com/office/powerpoint/2010/main" xmlns:p15="http://schemas.microsoft.com/office/powerpoint/2012/main" xmlns:mc="http://schemas.openxmlformats.org/markup-compatibility/2006">
-  <p:cSld>
-    <p:spTree>
-      <p:nvGrpSpPr>
-        <p:cNvPr id="1" name=""/>
-        <p:cNvGrpSpPr/>
-        <p:nvPr/>
-      </p:nvGrpSpPr>
-      <p:grpSpPr>
-        <a:xfrm>
-          <a:off x="0" y="0"/>
-          <a:ext cx="0" cy="0"/>
-          <a:chOff x="0" y="0"/>
-          <a:chExt cx="0" cy="0"/>
-        </a:xfrm>
-      </p:grpSpPr>
-      <p:sp>
-        <p:nvSpPr>
-          <p:cNvPr id="241" name="Rectangle 3"/>
-          <p:cNvSpPr/>
-          <p:nvPr/>
-        </p:nvSpPr>
-        <p:spPr>
-          <a:xfrm>
-            <a:off x="0" y="0"/>
-            <a:ext cx="1649160" cy="6855840"/>
-          </a:xfrm>
-          <a:prstGeom prst="rect">
-            <a:avLst/>
-          </a:prstGeom>
-          <a:solidFill>
-            <a:srgbClr val="a81e35"/>
-          </a:solidFill>
-          <a:ln>
-            <a:noFill/>
-          </a:ln>
-        </p:spPr>
-        <p:style>
-          <a:lnRef idx="2">
-            <a:schemeClr val="accent1">
-              <a:shade val="15000"/>
-            </a:schemeClr>
-          </a:lnRef>
-          <a:fillRef idx="1">
-            <a:schemeClr val="accent1"/>
-          </a:fillRef>
-          <a:effectRef idx="0">
-            <a:schemeClr val="accent1"/>
-          </a:effectRef>
-          <a:fontRef idx="minor"/>
-        </p:style>
-        <p:txBody>
-          <a:bodyPr lIns="90000" rIns="90000" tIns="45000" bIns="45000" anchor="ctr">
-            <a:noAutofit/>
-          </a:bodyPr>
-          <a:p>
-            <a:pPr>
-              <a:lnSpc>
-                <a:spcPct val="100000"/>
-              </a:lnSpc>
-            </a:pPr>
-            <a:endParaRPr b="0" lang="fr-FR" sz="1800" spc="-1" strike="noStrike">
-              <a:solidFill>
-                <a:schemeClr val="lt1"/>
-              </a:solidFill>
-              <a:latin typeface="Calibri"/>
-              <a:ea typeface="DejaVu Sans"/>
-            </a:endParaRPr>
-          </a:p>
-        </p:txBody>
-      </p:sp>
-      <p:sp>
-        <p:nvSpPr>
-          <p:cNvPr id="242" name="ZoneTexte 41"/>
-          <p:cNvSpPr/>
-          <p:nvPr/>
-        </p:nvSpPr>
-        <p:spPr>
-          <a:xfrm>
-            <a:off x="3200040" y="114120"/>
-            <a:ext cx="6860160" cy="698760"/>
-          </a:xfrm>
-          <a:prstGeom prst="rect">
-            <a:avLst/>
-          </a:prstGeom>
-          <a:noFill/>
-          <a:ln w="57150">
-            <a:solidFill>
-              <a:srgbClr val="e3ba77"/>
-            </a:solidFill>
-            <a:round/>
-          </a:ln>
-        </p:spPr>
-        <p:style>
-          <a:lnRef idx="0"/>
-          <a:fillRef idx="0"/>
-          <a:effectRef idx="0"/>
-          <a:fontRef idx="minor"/>
-        </p:style>
-        <p:txBody>
-          <a:bodyPr lIns="90000" rIns="90000" tIns="45000" bIns="45000" anchor="ctr">
-            <a:spAutoFit/>
-          </a:bodyPr>
-          <a:p>
-            <a:pPr algn="ctr">
-              <a:lnSpc>
-                <a:spcPct val="100000"/>
-              </a:lnSpc>
-              <a:spcBef>
-                <a:spcPts val="1199"/>
-              </a:spcBef>
-              <a:spcAft>
-                <a:spcPts val="1199"/>
-              </a:spcAft>
-            </a:pPr>
-            <a:r>
-              <a:rPr b="1" lang="fr-FR" sz="4000" spc="-1" strike="noStrike">
-                <a:solidFill>
-                  <a:srgbClr val="e3ba77"/>
-                </a:solidFill>
-                <a:latin typeface="Calibri"/>
-                <a:ea typeface="DejaVu Sans"/>
-              </a:rPr>
-              <a:t>In-Sight Explorer </a:t>
-            </a:r>
-            <a:endParaRPr b="0" lang="fr-FR" sz="4000" spc="-1" strike="noStrike">
-              <a:solidFill>
-                <a:srgbClr val="000000"/>
-              </a:solidFill>
-              <a:latin typeface="Arial"/>
-            </a:endParaRPr>
-          </a:p>
-        </p:txBody>
-      </p:sp>
-      <p:pic>
-        <p:nvPicPr>
-          <p:cNvPr id="243" name="Picture 5" descr="Le groupe CASTEL devient propriétaire du Château Cavalier en ..."/>
-          <p:cNvPicPr/>
-          <p:nvPr/>
-        </p:nvPicPr>
-        <p:blipFill>
-          <a:blip r:embed="rId1"/>
-          <a:stretch/>
-        </p:blipFill>
-        <p:spPr>
-          <a:xfrm>
-            <a:off x="10483560" y="190440"/>
-            <a:ext cx="1338480" cy="888120"/>
-          </a:xfrm>
-          <a:prstGeom prst="rect">
-            <a:avLst/>
-          </a:prstGeom>
-          <a:ln w="0">
-            <a:noFill/>
-          </a:ln>
-        </p:spPr>
-      </p:pic>
-      <p:sp>
-        <p:nvSpPr>
-          <p:cNvPr id="244" name="ZoneTexte 42"/>
-          <p:cNvSpPr/>
-          <p:nvPr/>
-        </p:nvSpPr>
-        <p:spPr>
-          <a:xfrm>
-            <a:off x="-50040" y="6539760"/>
-            <a:ext cx="1604520" cy="333000"/>
-          </a:xfrm>
-          <a:prstGeom prst="rect">
-            <a:avLst/>
-          </a:prstGeom>
-          <a:noFill/>
-          <a:ln w="0">
-            <a:noFill/>
-          </a:ln>
-        </p:spPr>
-        <p:style>
-          <a:lnRef idx="0"/>
-          <a:fillRef idx="0"/>
-          <a:effectRef idx="0"/>
-          <a:fontRef idx="minor"/>
-        </p:style>
-        <p:txBody>
-          <a:bodyPr lIns="90000" rIns="90000" tIns="45000" bIns="45000" anchor="t">
-            <a:spAutoFit/>
-          </a:bodyPr>
-          <a:p>
-            <a:pPr algn="ctr">
-              <a:lnSpc>
-                <a:spcPct val="100000"/>
-              </a:lnSpc>
-            </a:pPr>
-            <a:r>
-              <a:rPr b="0" lang="fr-FR" sz="1600" spc="-1" strike="noStrike">
-                <a:solidFill>
-                  <a:srgbClr val="e3ba77"/>
-                </a:solidFill>
-                <a:latin typeface="Calibri"/>
-                <a:ea typeface="Times New Roman"/>
-              </a:rPr>
-              <a:t>Pages 11</a:t>
-            </a:r>
-            <a:endParaRPr b="0" lang="fr-FR" sz="1600" spc="-1" strike="noStrike">
-              <a:solidFill>
-                <a:srgbClr val="000000"/>
-              </a:solidFill>
-              <a:latin typeface="Arial"/>
-            </a:endParaRPr>
-          </a:p>
-        </p:txBody>
-      </p:sp>
-      <p:pic>
-        <p:nvPicPr>
-          <p:cNvPr id="245" name="" descr=""/>
-          <p:cNvPicPr/>
-          <p:nvPr/>
-        </p:nvPicPr>
-        <p:blipFill>
-          <a:blip r:embed="rId2"/>
-          <a:stretch/>
-        </p:blipFill>
-        <p:spPr>
-          <a:xfrm rot="16185000">
-            <a:off x="254160" y="1730880"/>
-            <a:ext cx="1074960" cy="1074960"/>
-          </a:xfrm>
-          <a:prstGeom prst="rect">
-            <a:avLst/>
-          </a:prstGeom>
-          <a:ln w="0">
-            <a:noFill/>
-          </a:ln>
-        </p:spPr>
-      </p:pic>
-      <p:sp>
-        <p:nvSpPr>
-          <p:cNvPr id="246" name="ZoneTexte 45"/>
-          <p:cNvSpPr/>
-          <p:nvPr/>
-        </p:nvSpPr>
-        <p:spPr>
-          <a:xfrm>
-            <a:off x="-80640" y="2721600"/>
-            <a:ext cx="1844280" cy="302760"/>
-          </a:xfrm>
-          <a:prstGeom prst="rect">
-            <a:avLst/>
-          </a:prstGeom>
-          <a:noFill/>
-          <a:ln w="0">
-            <a:noFill/>
-          </a:ln>
-        </p:spPr>
-        <p:style>
-          <a:lnRef idx="0"/>
-          <a:fillRef idx="0"/>
-          <a:effectRef idx="0"/>
-          <a:fontRef idx="minor"/>
-        </p:style>
-        <p:txBody>
-          <a:bodyPr lIns="90000" rIns="90000" tIns="45000" bIns="45000" anchor="t">
-            <a:spAutoFit/>
-          </a:bodyPr>
-          <a:p>
-            <a:pPr algn="ctr">
-              <a:lnSpc>
-                <a:spcPct val="100000"/>
-              </a:lnSpc>
-              <a:spcBef>
-                <a:spcPts val="1199"/>
-              </a:spcBef>
-              <a:spcAft>
-                <a:spcPts val="1199"/>
-              </a:spcAft>
-            </a:pPr>
-            <a:r>
-              <a:rPr b="1" lang="fr-FR" sz="1400" spc="-1" strike="noStrike">
-                <a:solidFill>
-                  <a:srgbClr val="e3ba77"/>
-                </a:solidFill>
-                <a:latin typeface="Calibri"/>
-                <a:ea typeface="DejaVu Sans"/>
-              </a:rPr>
-              <a:t>Câblage</a:t>
-            </a:r>
-            <a:endParaRPr b="0" lang="fr-FR" sz="1400" spc="-1" strike="noStrike">
-              <a:solidFill>
-                <a:srgbClr val="000000"/>
-              </a:solidFill>
-              <a:latin typeface="Arial"/>
-            </a:endParaRPr>
-          </a:p>
-        </p:txBody>
-      </p:sp>
-      <p:pic>
-        <p:nvPicPr>
-          <p:cNvPr id="247" name="Image 19" descr=""/>
-          <p:cNvPicPr/>
-          <p:nvPr/>
-        </p:nvPicPr>
-        <p:blipFill>
-          <a:blip r:embed="rId3"/>
-          <a:stretch/>
-        </p:blipFill>
-        <p:spPr>
-          <a:xfrm>
-            <a:off x="432000" y="3204360"/>
-            <a:ext cx="899280" cy="899280"/>
-          </a:xfrm>
-          <a:prstGeom prst="rect">
-            <a:avLst/>
-          </a:prstGeom>
-          <a:ln w="0">
-            <a:noFill/>
-          </a:ln>
-        </p:spPr>
-      </p:pic>
-      <p:sp>
-        <p:nvSpPr>
-          <p:cNvPr id="248" name="ZoneTexte 46"/>
-          <p:cNvSpPr/>
-          <p:nvPr/>
-        </p:nvSpPr>
-        <p:spPr>
-          <a:xfrm>
-            <a:off x="-147240" y="4025160"/>
-            <a:ext cx="2044800" cy="272160"/>
-          </a:xfrm>
-          <a:prstGeom prst="rect">
-            <a:avLst/>
-          </a:prstGeom>
-          <a:noFill/>
-          <a:ln w="0">
-            <a:noFill/>
-          </a:ln>
-        </p:spPr>
-        <p:style>
-          <a:lnRef idx="0"/>
-          <a:fillRef idx="0"/>
-          <a:effectRef idx="0"/>
-          <a:fontRef idx="minor"/>
-        </p:style>
-        <p:txBody>
-          <a:bodyPr lIns="90000" rIns="90000" tIns="45000" bIns="45000" anchor="t">
-            <a:spAutoFit/>
-          </a:bodyPr>
-          <a:p>
-            <a:pPr algn="ctr">
-              <a:lnSpc>
-                <a:spcPct val="100000"/>
-              </a:lnSpc>
-              <a:spcBef>
-                <a:spcPts val="1199"/>
-              </a:spcBef>
-              <a:spcAft>
-                <a:spcPts val="1199"/>
-              </a:spcAft>
-            </a:pPr>
-            <a:r>
-              <a:rPr b="1" lang="fr-FR" sz="1200" spc="-1" strike="noStrike">
-                <a:solidFill>
-                  <a:srgbClr val="e3ba77"/>
-                </a:solidFill>
-                <a:latin typeface="Calibri"/>
-                <a:ea typeface="DejaVu Sans"/>
-              </a:rPr>
-              <a:t>Rapport erreur</a:t>
-            </a:r>
-            <a:endParaRPr b="0" lang="fr-FR" sz="1200" spc="-1" strike="noStrike">
-              <a:solidFill>
-                <a:srgbClr val="000000"/>
-              </a:solidFill>
-              <a:latin typeface="Arial"/>
-            </a:endParaRPr>
-          </a:p>
-        </p:txBody>
-      </p:sp>
-      <p:pic>
-        <p:nvPicPr>
-          <p:cNvPr id="249" name="" descr=""/>
-          <p:cNvPicPr/>
-          <p:nvPr/>
-        </p:nvPicPr>
-        <p:blipFill>
-          <a:blip r:embed="rId4"/>
-          <a:stretch/>
-        </p:blipFill>
-        <p:spPr>
-          <a:xfrm>
-            <a:off x="4320000" y="1800000"/>
-            <a:ext cx="4685760" cy="3513960"/>
-          </a:xfrm>
-          <a:prstGeom prst="rect">
-            <a:avLst/>
-          </a:prstGeom>
-          <a:ln w="0">
-            <a:noFill/>
-          </a:ln>
-        </p:spPr>
-      </p:pic>
-      <p:pic>
-        <p:nvPicPr>
-          <p:cNvPr id="250" name="" descr=""/>
-          <p:cNvPicPr/>
-          <p:nvPr/>
-        </p:nvPicPr>
-        <p:blipFill>
-          <a:blip r:embed="rId5"/>
-          <a:stretch/>
-        </p:blipFill>
-        <p:spPr>
-          <a:xfrm>
-            <a:off x="6768000" y="1885680"/>
-            <a:ext cx="5287320" cy="2973960"/>
-          </a:xfrm>
-          <a:prstGeom prst="rect">
-            <a:avLst/>
-          </a:prstGeom>
-          <a:ln w="0">
-            <a:noFill/>
-          </a:ln>
-        </p:spPr>
-      </p:pic>
-      <p:pic>
-        <p:nvPicPr>
-          <p:cNvPr id="251" name="" descr=""/>
-          <p:cNvPicPr/>
-          <p:nvPr/>
-        </p:nvPicPr>
-        <p:blipFill>
-          <a:blip r:embed="rId6"/>
-          <a:stretch/>
-        </p:blipFill>
-        <p:spPr>
-          <a:xfrm>
-            <a:off x="1892160" y="1885680"/>
-            <a:ext cx="4767480" cy="2955600"/>
-          </a:xfrm>
-          <a:prstGeom prst="rect">
-            <a:avLst/>
-          </a:prstGeom>
-          <a:ln w="0">
-            <a:noFill/>
-          </a:ln>
-        </p:spPr>
-      </p:pic>
-      <p:sp>
-        <p:nvSpPr>
-          <p:cNvPr id="252" name="ZoneTexte 8"/>
-          <p:cNvSpPr/>
-          <p:nvPr/>
-        </p:nvSpPr>
-        <p:spPr>
-          <a:xfrm>
-            <a:off x="1936080" y="1521720"/>
-            <a:ext cx="3283560" cy="363960"/>
-          </a:xfrm>
-          <a:prstGeom prst="rect">
-            <a:avLst/>
-          </a:prstGeom>
-          <a:noFill/>
-          <a:ln w="0">
-            <a:noFill/>
-          </a:ln>
-        </p:spPr>
-        <p:style>
-          <a:lnRef idx="0"/>
-          <a:fillRef idx="0"/>
-          <a:effectRef idx="0"/>
-          <a:fontRef idx="minor"/>
-        </p:style>
-        <p:txBody>
-          <a:bodyPr lIns="90000" rIns="90000" tIns="45000" bIns="45000" anchor="t">
-            <a:spAutoFit/>
-          </a:bodyPr>
-          <a:p>
-            <a:pPr>
-              <a:lnSpc>
-                <a:spcPct val="100000"/>
-              </a:lnSpc>
-            </a:pPr>
-            <a:r>
-              <a:rPr b="1" lang="fr-FR" sz="1800" spc="-1" strike="noStrike">
-                <a:solidFill>
-                  <a:srgbClr val="e3ba77"/>
-                </a:solidFill>
-                <a:latin typeface="Calibri"/>
-                <a:ea typeface="DejaVu Sans"/>
-              </a:rPr>
-              <a:t>Easy Builder :</a:t>
-            </a:r>
-            <a:endParaRPr b="0" lang="fr-FR" sz="1800" spc="-1" strike="noStrike">
-              <a:solidFill>
-                <a:srgbClr val="000000"/>
-              </a:solidFill>
-              <a:latin typeface="Arial"/>
-            </a:endParaRPr>
-          </a:p>
-        </p:txBody>
-      </p:sp>
-      <p:sp>
-        <p:nvSpPr>
-          <p:cNvPr id="253" name="ZoneTexte 57"/>
-          <p:cNvSpPr/>
-          <p:nvPr/>
-        </p:nvSpPr>
-        <p:spPr>
-          <a:xfrm>
-            <a:off x="6760080" y="1521720"/>
-            <a:ext cx="3283560" cy="363960"/>
-          </a:xfrm>
-          <a:prstGeom prst="rect">
-            <a:avLst/>
-          </a:prstGeom>
-          <a:noFill/>
-          <a:ln w="0">
-            <a:noFill/>
-          </a:ln>
-        </p:spPr>
-        <p:style>
-          <a:lnRef idx="0"/>
-          <a:fillRef idx="0"/>
-          <a:effectRef idx="0"/>
-          <a:fontRef idx="minor"/>
-        </p:style>
-        <p:txBody>
-          <a:bodyPr lIns="90000" rIns="90000" tIns="45000" bIns="45000" anchor="t">
-            <a:spAutoFit/>
-          </a:bodyPr>
-          <a:p>
-            <a:pPr>
-              <a:lnSpc>
-                <a:spcPct val="100000"/>
-              </a:lnSpc>
-            </a:pPr>
-            <a:r>
-              <a:rPr b="1" lang="fr-FR" sz="1800" spc="-1" strike="noStrike">
-                <a:solidFill>
-                  <a:srgbClr val="e3ba77"/>
-                </a:solidFill>
-                <a:latin typeface="Calibri"/>
-                <a:ea typeface="DejaVu Sans"/>
-              </a:rPr>
-              <a:t>Tableur :</a:t>
-            </a:r>
-            <a:endParaRPr b="0" lang="fr-FR" sz="1800" spc="-1" strike="noStrike">
-              <a:solidFill>
-                <a:srgbClr val="000000"/>
-              </a:solidFill>
-              <a:latin typeface="Arial"/>
-            </a:endParaRPr>
-          </a:p>
-        </p:txBody>
-      </p:sp>
-      <p:pic>
-        <p:nvPicPr>
-          <p:cNvPr id="254" name="" descr=""/>
-          <p:cNvPicPr/>
-          <p:nvPr/>
-        </p:nvPicPr>
-        <p:blipFill>
-          <a:blip r:embed="rId7"/>
-          <a:stretch/>
-        </p:blipFill>
-        <p:spPr>
-          <a:xfrm>
-            <a:off x="415440" y="576000"/>
-            <a:ext cx="988200" cy="988200"/>
-          </a:xfrm>
-          <a:prstGeom prst="rect">
-            <a:avLst/>
-          </a:prstGeom>
-          <a:ln w="0">
-            <a:noFill/>
-          </a:ln>
-        </p:spPr>
-      </p:pic>
-      <p:sp>
-        <p:nvSpPr>
-          <p:cNvPr id="255" name="ZoneTexte 43"/>
-          <p:cNvSpPr/>
-          <p:nvPr/>
-        </p:nvSpPr>
-        <p:spPr>
-          <a:xfrm>
-            <a:off x="-80640" y="1497600"/>
-            <a:ext cx="1844280" cy="302760"/>
-          </a:xfrm>
-          <a:prstGeom prst="rect">
-            <a:avLst/>
-          </a:prstGeom>
-          <a:noFill/>
-          <a:ln w="0">
-            <a:noFill/>
-          </a:ln>
-        </p:spPr>
-        <p:style>
-          <a:lnRef idx="0"/>
-          <a:fillRef idx="0"/>
-          <a:effectRef idx="0"/>
-          <a:fontRef idx="minor"/>
-        </p:style>
-        <p:txBody>
-          <a:bodyPr lIns="90000" rIns="90000" tIns="45000" bIns="45000" anchor="t">
-            <a:spAutoFit/>
-          </a:bodyPr>
-          <a:p>
-            <a:pPr algn="ctr">
-              <a:lnSpc>
-                <a:spcPct val="100000"/>
-              </a:lnSpc>
-              <a:spcBef>
-                <a:spcPts val="1199"/>
-              </a:spcBef>
-              <a:spcAft>
-                <a:spcPts val="1199"/>
-              </a:spcAft>
-            </a:pPr>
-            <a:r>
-              <a:rPr b="1" lang="fr-FR" sz="1400" spc="-1" strike="noStrike">
-                <a:solidFill>
-                  <a:srgbClr val="e3ba77"/>
-                </a:solidFill>
-                <a:latin typeface="Calibri"/>
-                <a:ea typeface="DejaVu Sans"/>
-              </a:rPr>
-              <a:t>In-Sight</a:t>
-            </a:r>
-            <a:endParaRPr b="0" lang="fr-FR" sz="1400" spc="-1" strike="noStrike">
-              <a:solidFill>
-                <a:srgbClr val="000000"/>
-              </a:solidFill>
-              <a:latin typeface="Arial"/>
-            </a:endParaRPr>
-          </a:p>
-        </p:txBody>
-      </p:sp>
-      <p:pic>
-        <p:nvPicPr>
-          <p:cNvPr id="256" name="" descr=""/>
-          <p:cNvPicPr/>
-          <p:nvPr/>
-        </p:nvPicPr>
-        <p:blipFill>
-          <a:blip r:embed="rId8"/>
-          <a:stretch/>
-        </p:blipFill>
-        <p:spPr>
-          <a:xfrm>
-            <a:off x="360000" y="4464360"/>
-            <a:ext cx="899640" cy="899640"/>
-          </a:xfrm>
-          <a:prstGeom prst="rect">
-            <a:avLst/>
-          </a:prstGeom>
-          <a:ln w="0">
-            <a:noFill/>
-          </a:ln>
-        </p:spPr>
-      </p:pic>
-      <p:sp>
-        <p:nvSpPr>
-          <p:cNvPr id="257" name="ZoneTexte 90"/>
-          <p:cNvSpPr/>
-          <p:nvPr/>
-        </p:nvSpPr>
-        <p:spPr>
-          <a:xfrm>
-            <a:off x="-147240" y="5302800"/>
-            <a:ext cx="2044800" cy="272160"/>
-          </a:xfrm>
-          <a:prstGeom prst="rect">
-            <a:avLst/>
-          </a:prstGeom>
-          <a:noFill/>
-          <a:ln w="0">
-            <a:noFill/>
-          </a:ln>
-        </p:spPr>
-        <p:style>
-          <a:lnRef idx="0"/>
-          <a:fillRef idx="0"/>
-          <a:effectRef idx="0"/>
-          <a:fontRef idx="minor"/>
-        </p:style>
-        <p:txBody>
-          <a:bodyPr lIns="90000" rIns="90000" tIns="45000" bIns="45000" anchor="t">
-            <a:spAutoFit/>
-          </a:bodyPr>
-          <a:p>
-            <a:pPr algn="ctr">
-              <a:lnSpc>
-                <a:spcPct val="100000"/>
-              </a:lnSpc>
-              <a:spcBef>
-                <a:spcPts val="1199"/>
-              </a:spcBef>
-              <a:spcAft>
-                <a:spcPts val="1199"/>
-              </a:spcAft>
-            </a:pPr>
-            <a:r>
-              <a:rPr b="1" lang="fr-FR" sz="1200" spc="-1" strike="noStrike">
-                <a:solidFill>
-                  <a:srgbClr val="e3ba77"/>
-                </a:solidFill>
-                <a:latin typeface="Calibri"/>
-                <a:ea typeface="DejaVu Sans"/>
-              </a:rPr>
-              <a:t>Conclusion</a:t>
-            </a:r>
-            <a:endParaRPr b="0" lang="fr-FR" sz="1200" spc="-1" strike="noStrike">
               <a:solidFill>
                 <a:srgbClr val="000000"/>
               </a:solidFill>
@@ -8014,7 +6627,7 @@
                                       <p:cBhvr additive="repl">
                                         <p:cTn id="84" dur="2000"/>
                                         <p:tgtEl>
-                                          <p:spTgt spid="249"/>
+                                          <p:spTgt spid="210"/>
                                         </p:tgtEl>
                                       </p:cBhvr>
                                     </p:animEffect>
@@ -8026,7 +6639,7 @@
                                           </p:stCondLst>
                                         </p:cTn>
                                         <p:tgtEl>
-                                          <p:spTgt spid="249"/>
+                                          <p:spTgt spid="210"/>
                                         </p:tgtEl>
                                         <p:attrNameLst>
                                           <p:attrName>style.visibility</p:attrName>
@@ -8071,7 +6684,7 @@
                                           </p:stCondLst>
                                         </p:cTn>
                                         <p:tgtEl>
-                                          <p:spTgt spid="250"/>
+                                          <p:spTgt spid="215"/>
                                         </p:tgtEl>
                                         <p:attrNameLst>
                                           <p:attrName>style.visibility</p:attrName>
@@ -8085,6 +6698,1529 @@
                                       <p:cBhvr additive="repl">
                                         <p:cTn id="90" dur="2000"/>
                                         <p:tgtEl>
+                                          <p:spTgt spid="215"/>
+                                        </p:tgtEl>
+                                      </p:cBhvr>
+                                    </p:animEffect>
+                                  </p:childTnLst>
+                                </p:cTn>
+                              </p:par>
+                            </p:childTnLst>
+                          </p:cTn>
+                        </p:par>
+                      </p:childTnLst>
+                    </p:cTn>
+                  </p:par>
+                </p:childTnLst>
+              </p:cTn>
+              <p:prevCondLst>
+                <p:cond evt="onPrev">
+                  <p:tgtEl>
+                    <p:sldTgt/>
+                  </p:tgtEl>
+                </p:cond>
+              </p:prevCondLst>
+              <p:nextCondLst>
+                <p:cond evt="onNext">
+                  <p:tgtEl>
+                    <p:sldTgt/>
+                  </p:tgtEl>
+                </p:cond>
+              </p:nextCondLst>
+            </p:seq>
+          </p:childTnLst>
+        </p:cTn>
+      </p:par>
+    </p:tnLst>
+  </p:timing>
+</p:sld>
+</file>
+
+<file path=ppt/slides/slide11.xml><?xml version="1.0" encoding="utf-8"?>
+<p:sld xmlns:a="http://schemas.openxmlformats.org/drawingml/2006/main" xmlns:p="http://schemas.openxmlformats.org/presentationml/2006/main" xmlns:r="http://schemas.openxmlformats.org/officeDocument/2006/relationships" xmlns:p14="http://schemas.microsoft.com/office/powerpoint/2010/main" xmlns:p15="http://schemas.microsoft.com/office/powerpoint/2012/main" xmlns:mc="http://schemas.openxmlformats.org/markup-compatibility/2006">
+  <p:cSld>
+    <p:spTree>
+      <p:nvGrpSpPr>
+        <p:cNvPr id="1" name=""/>
+        <p:cNvGrpSpPr/>
+        <p:nvPr/>
+      </p:nvGrpSpPr>
+      <p:grpSpPr>
+        <a:xfrm>
+          <a:off x="0" y="0"/>
+          <a:ext cx="0" cy="0"/>
+          <a:chOff x="0" y="0"/>
+          <a:chExt cx="0" cy="0"/>
+        </a:xfrm>
+      </p:grpSpPr>
+      <p:sp>
+        <p:nvSpPr>
+          <p:cNvPr id="226" name="Rectangle 3"/>
+          <p:cNvSpPr/>
+          <p:nvPr/>
+        </p:nvSpPr>
+        <p:spPr>
+          <a:xfrm>
+            <a:off x="0" y="0"/>
+            <a:ext cx="1649160" cy="6855840"/>
+          </a:xfrm>
+          <a:prstGeom prst="rect">
+            <a:avLst/>
+          </a:prstGeom>
+          <a:solidFill>
+            <a:srgbClr val="a81e35"/>
+          </a:solidFill>
+          <a:ln>
+            <a:noFill/>
+          </a:ln>
+        </p:spPr>
+        <p:style>
+          <a:lnRef idx="2">
+            <a:schemeClr val="accent1">
+              <a:shade val="15000"/>
+            </a:schemeClr>
+          </a:lnRef>
+          <a:fillRef idx="1">
+            <a:schemeClr val="accent1"/>
+          </a:fillRef>
+          <a:effectRef idx="0">
+            <a:schemeClr val="accent1"/>
+          </a:effectRef>
+          <a:fontRef idx="minor"/>
+        </p:style>
+        <p:txBody>
+          <a:bodyPr lIns="90000" rIns="90000" tIns="45000" bIns="45000" anchor="ctr">
+            <a:noAutofit/>
+          </a:bodyPr>
+          <a:p>
+            <a:pPr>
+              <a:lnSpc>
+                <a:spcPct val="100000"/>
+              </a:lnSpc>
+            </a:pPr>
+            <a:endParaRPr b="0" lang="fr-FR" sz="1800" spc="-1" strike="noStrike">
+              <a:solidFill>
+                <a:schemeClr val="lt1"/>
+              </a:solidFill>
+              <a:latin typeface="Calibri"/>
+              <a:ea typeface="DejaVu Sans"/>
+            </a:endParaRPr>
+          </a:p>
+        </p:txBody>
+      </p:sp>
+      <p:sp>
+        <p:nvSpPr>
+          <p:cNvPr id="227" name="ZoneTexte 41"/>
+          <p:cNvSpPr/>
+          <p:nvPr/>
+        </p:nvSpPr>
+        <p:spPr>
+          <a:xfrm>
+            <a:off x="3200040" y="114120"/>
+            <a:ext cx="6860160" cy="698760"/>
+          </a:xfrm>
+          <a:prstGeom prst="rect">
+            <a:avLst/>
+          </a:prstGeom>
+          <a:noFill/>
+          <a:ln w="57150">
+            <a:solidFill>
+              <a:srgbClr val="e3ba77"/>
+            </a:solidFill>
+            <a:round/>
+          </a:ln>
+        </p:spPr>
+        <p:style>
+          <a:lnRef idx="0"/>
+          <a:fillRef idx="0"/>
+          <a:effectRef idx="0"/>
+          <a:fontRef idx="minor"/>
+        </p:style>
+        <p:txBody>
+          <a:bodyPr lIns="90000" rIns="90000" tIns="45000" bIns="45000" anchor="ctr">
+            <a:spAutoFit/>
+          </a:bodyPr>
+          <a:p>
+            <a:pPr algn="ctr">
+              <a:lnSpc>
+                <a:spcPct val="100000"/>
+              </a:lnSpc>
+              <a:spcBef>
+                <a:spcPts val="1199"/>
+              </a:spcBef>
+              <a:spcAft>
+                <a:spcPts val="1199"/>
+              </a:spcAft>
+            </a:pPr>
+            <a:r>
+              <a:rPr b="1" lang="fr-FR" sz="4000" spc="-1" strike="noStrike">
+                <a:solidFill>
+                  <a:srgbClr val="e3ba77"/>
+                </a:solidFill>
+                <a:latin typeface="Calibri"/>
+                <a:ea typeface="DejaVu Sans"/>
+              </a:rPr>
+              <a:t>Tableau de comparaison </a:t>
+            </a:r>
+            <a:endParaRPr b="0" lang="fr-FR" sz="4000" spc="-1" strike="noStrike">
+              <a:solidFill>
+                <a:srgbClr val="000000"/>
+              </a:solidFill>
+              <a:latin typeface="Arial"/>
+            </a:endParaRPr>
+          </a:p>
+        </p:txBody>
+      </p:sp>
+      <p:pic>
+        <p:nvPicPr>
+          <p:cNvPr id="228" name="Picture 5" descr="Le groupe CASTEL devient propriétaire du Château Cavalier en ..."/>
+          <p:cNvPicPr/>
+          <p:nvPr/>
+        </p:nvPicPr>
+        <p:blipFill>
+          <a:blip r:embed="rId1"/>
+          <a:stretch/>
+        </p:blipFill>
+        <p:spPr>
+          <a:xfrm>
+            <a:off x="10483560" y="190440"/>
+            <a:ext cx="1338480" cy="888120"/>
+          </a:xfrm>
+          <a:prstGeom prst="rect">
+            <a:avLst/>
+          </a:prstGeom>
+          <a:ln w="0">
+            <a:noFill/>
+          </a:ln>
+        </p:spPr>
+      </p:pic>
+      <p:sp>
+        <p:nvSpPr>
+          <p:cNvPr id="229" name="ZoneTexte 42"/>
+          <p:cNvSpPr/>
+          <p:nvPr/>
+        </p:nvSpPr>
+        <p:spPr>
+          <a:xfrm>
+            <a:off x="-50040" y="6539760"/>
+            <a:ext cx="1604520" cy="333000"/>
+          </a:xfrm>
+          <a:prstGeom prst="rect">
+            <a:avLst/>
+          </a:prstGeom>
+          <a:noFill/>
+          <a:ln w="0">
+            <a:noFill/>
+          </a:ln>
+        </p:spPr>
+        <p:style>
+          <a:lnRef idx="0"/>
+          <a:fillRef idx="0"/>
+          <a:effectRef idx="0"/>
+          <a:fontRef idx="minor"/>
+        </p:style>
+        <p:txBody>
+          <a:bodyPr lIns="90000" rIns="90000" tIns="45000" bIns="45000" anchor="t">
+            <a:spAutoFit/>
+          </a:bodyPr>
+          <a:p>
+            <a:pPr algn="ctr">
+              <a:lnSpc>
+                <a:spcPct val="100000"/>
+              </a:lnSpc>
+            </a:pPr>
+            <a:r>
+              <a:rPr b="0" lang="fr-FR" sz="1600" spc="-1" strike="noStrike">
+                <a:solidFill>
+                  <a:srgbClr val="e3ba77"/>
+                </a:solidFill>
+                <a:latin typeface="Calibri"/>
+                <a:ea typeface="Times New Roman"/>
+              </a:rPr>
+              <a:t>Pages 10</a:t>
+            </a:r>
+            <a:endParaRPr b="0" lang="fr-FR" sz="1600" spc="-1" strike="noStrike">
+              <a:solidFill>
+                <a:srgbClr val="000000"/>
+              </a:solidFill>
+              <a:latin typeface="Arial"/>
+            </a:endParaRPr>
+          </a:p>
+        </p:txBody>
+      </p:sp>
+      <p:pic>
+        <p:nvPicPr>
+          <p:cNvPr id="230" name="Picture 2" descr=""/>
+          <p:cNvPicPr/>
+          <p:nvPr/>
+        </p:nvPicPr>
+        <p:blipFill>
+          <a:blip r:embed="rId2"/>
+          <a:stretch/>
+        </p:blipFill>
+        <p:spPr>
+          <a:xfrm>
+            <a:off x="4230000" y="1231920"/>
+            <a:ext cx="4968360" cy="5299920"/>
+          </a:xfrm>
+          <a:prstGeom prst="rect">
+            <a:avLst/>
+          </a:prstGeom>
+          <a:ln w="0">
+            <a:noFill/>
+          </a:ln>
+        </p:spPr>
+      </p:pic>
+      <p:pic>
+        <p:nvPicPr>
+          <p:cNvPr id="231" name="" descr=""/>
+          <p:cNvPicPr/>
+          <p:nvPr/>
+        </p:nvPicPr>
+        <p:blipFill>
+          <a:blip r:embed="rId3"/>
+          <a:stretch/>
+        </p:blipFill>
+        <p:spPr>
+          <a:xfrm>
+            <a:off x="396360" y="648360"/>
+            <a:ext cx="899640" cy="899640"/>
+          </a:xfrm>
+          <a:prstGeom prst="rect">
+            <a:avLst/>
+          </a:prstGeom>
+          <a:ln w="0">
+            <a:noFill/>
+          </a:ln>
+        </p:spPr>
+      </p:pic>
+      <p:sp>
+        <p:nvSpPr>
+          <p:cNvPr id="232" name="ZoneTexte 79"/>
+          <p:cNvSpPr/>
+          <p:nvPr/>
+        </p:nvSpPr>
+        <p:spPr>
+          <a:xfrm>
+            <a:off x="-80640" y="1533600"/>
+            <a:ext cx="1844280" cy="302760"/>
+          </a:xfrm>
+          <a:prstGeom prst="rect">
+            <a:avLst/>
+          </a:prstGeom>
+          <a:noFill/>
+          <a:ln w="0">
+            <a:noFill/>
+          </a:ln>
+        </p:spPr>
+        <p:style>
+          <a:lnRef idx="0"/>
+          <a:fillRef idx="0"/>
+          <a:effectRef idx="0"/>
+          <a:fontRef idx="minor"/>
+        </p:style>
+        <p:txBody>
+          <a:bodyPr lIns="90000" rIns="90000" tIns="45000" bIns="45000" anchor="t">
+            <a:spAutoFit/>
+          </a:bodyPr>
+          <a:p>
+            <a:pPr algn="ctr">
+              <a:lnSpc>
+                <a:spcPct val="100000"/>
+              </a:lnSpc>
+              <a:spcBef>
+                <a:spcPts val="1199"/>
+              </a:spcBef>
+              <a:spcAft>
+                <a:spcPts val="1199"/>
+              </a:spcAft>
+            </a:pPr>
+            <a:r>
+              <a:rPr b="1" lang="fr-FR" sz="1400" spc="-1" strike="noStrike">
+                <a:solidFill>
+                  <a:srgbClr val="e3ba77"/>
+                </a:solidFill>
+                <a:latin typeface="Calibri"/>
+                <a:ea typeface="DejaVu Sans"/>
+              </a:rPr>
+              <a:t>Tableau comparaison</a:t>
+            </a:r>
+            <a:endParaRPr b="0" lang="fr-FR" sz="1400" spc="-1" strike="noStrike">
+              <a:solidFill>
+                <a:srgbClr val="000000"/>
+              </a:solidFill>
+              <a:latin typeface="Arial"/>
+            </a:endParaRPr>
+          </a:p>
+        </p:txBody>
+      </p:sp>
+      <p:pic>
+        <p:nvPicPr>
+          <p:cNvPr id="233" name="" descr=""/>
+          <p:cNvPicPr/>
+          <p:nvPr/>
+        </p:nvPicPr>
+        <p:blipFill>
+          <a:blip r:embed="rId4"/>
+          <a:stretch/>
+        </p:blipFill>
+        <p:spPr>
+          <a:xfrm rot="16185000">
+            <a:off x="254160" y="2954880"/>
+            <a:ext cx="1074960" cy="1074960"/>
+          </a:xfrm>
+          <a:prstGeom prst="rect">
+            <a:avLst/>
+          </a:prstGeom>
+          <a:ln w="0">
+            <a:noFill/>
+          </a:ln>
+        </p:spPr>
+      </p:pic>
+      <p:sp>
+        <p:nvSpPr>
+          <p:cNvPr id="234" name="ZoneTexte 80"/>
+          <p:cNvSpPr/>
+          <p:nvPr/>
+        </p:nvSpPr>
+        <p:spPr>
+          <a:xfrm>
+            <a:off x="-80640" y="3945600"/>
+            <a:ext cx="1844280" cy="302760"/>
+          </a:xfrm>
+          <a:prstGeom prst="rect">
+            <a:avLst/>
+          </a:prstGeom>
+          <a:noFill/>
+          <a:ln w="0">
+            <a:noFill/>
+          </a:ln>
+        </p:spPr>
+        <p:style>
+          <a:lnRef idx="0"/>
+          <a:fillRef idx="0"/>
+          <a:effectRef idx="0"/>
+          <a:fontRef idx="minor"/>
+        </p:style>
+        <p:txBody>
+          <a:bodyPr lIns="90000" rIns="90000" tIns="45000" bIns="45000" anchor="t">
+            <a:spAutoFit/>
+          </a:bodyPr>
+          <a:p>
+            <a:pPr algn="ctr">
+              <a:lnSpc>
+                <a:spcPct val="100000"/>
+              </a:lnSpc>
+              <a:spcBef>
+                <a:spcPts val="1199"/>
+              </a:spcBef>
+              <a:spcAft>
+                <a:spcPts val="1199"/>
+              </a:spcAft>
+            </a:pPr>
+            <a:r>
+              <a:rPr b="1" lang="fr-FR" sz="1400" spc="-1" strike="noStrike">
+                <a:solidFill>
+                  <a:srgbClr val="e3ba77"/>
+                </a:solidFill>
+                <a:latin typeface="Calibri"/>
+                <a:ea typeface="DejaVu Sans"/>
+              </a:rPr>
+              <a:t>Câblage</a:t>
+            </a:r>
+            <a:endParaRPr b="0" lang="fr-FR" sz="1400" spc="-1" strike="noStrike">
+              <a:solidFill>
+                <a:srgbClr val="000000"/>
+              </a:solidFill>
+              <a:latin typeface="Arial"/>
+            </a:endParaRPr>
+          </a:p>
+        </p:txBody>
+      </p:sp>
+      <p:pic>
+        <p:nvPicPr>
+          <p:cNvPr id="235" name="Image 18" descr=""/>
+          <p:cNvPicPr/>
+          <p:nvPr/>
+        </p:nvPicPr>
+        <p:blipFill>
+          <a:blip r:embed="rId5"/>
+          <a:stretch/>
+        </p:blipFill>
+        <p:spPr>
+          <a:xfrm>
+            <a:off x="432000" y="4212360"/>
+            <a:ext cx="899280" cy="899280"/>
+          </a:xfrm>
+          <a:prstGeom prst="rect">
+            <a:avLst/>
+          </a:prstGeom>
+          <a:ln w="0">
+            <a:noFill/>
+          </a:ln>
+        </p:spPr>
+      </p:pic>
+      <p:sp>
+        <p:nvSpPr>
+          <p:cNvPr id="236" name="ZoneTexte 81"/>
+          <p:cNvSpPr/>
+          <p:nvPr/>
+        </p:nvSpPr>
+        <p:spPr>
+          <a:xfrm>
+            <a:off x="-147240" y="5033160"/>
+            <a:ext cx="2044800" cy="272160"/>
+          </a:xfrm>
+          <a:prstGeom prst="rect">
+            <a:avLst/>
+          </a:prstGeom>
+          <a:noFill/>
+          <a:ln w="0">
+            <a:noFill/>
+          </a:ln>
+        </p:spPr>
+        <p:style>
+          <a:lnRef idx="0"/>
+          <a:fillRef idx="0"/>
+          <a:effectRef idx="0"/>
+          <a:fontRef idx="minor"/>
+        </p:style>
+        <p:txBody>
+          <a:bodyPr lIns="90000" rIns="90000" tIns="45000" bIns="45000" anchor="t">
+            <a:spAutoFit/>
+          </a:bodyPr>
+          <a:p>
+            <a:pPr algn="ctr">
+              <a:lnSpc>
+                <a:spcPct val="100000"/>
+              </a:lnSpc>
+              <a:spcBef>
+                <a:spcPts val="1199"/>
+              </a:spcBef>
+              <a:spcAft>
+                <a:spcPts val="1199"/>
+              </a:spcAft>
+            </a:pPr>
+            <a:r>
+              <a:rPr b="1" lang="fr-FR" sz="1200" spc="-1" strike="noStrike">
+                <a:solidFill>
+                  <a:srgbClr val="e3ba77"/>
+                </a:solidFill>
+                <a:latin typeface="Calibri"/>
+                <a:ea typeface="DejaVu Sans"/>
+              </a:rPr>
+              <a:t>Rapport erreur</a:t>
+            </a:r>
+            <a:endParaRPr b="0" lang="fr-FR" sz="1200" spc="-1" strike="noStrike">
+              <a:solidFill>
+                <a:srgbClr val="000000"/>
+              </a:solidFill>
+              <a:latin typeface="Arial"/>
+            </a:endParaRPr>
+          </a:p>
+        </p:txBody>
+      </p:sp>
+      <p:pic>
+        <p:nvPicPr>
+          <p:cNvPr id="237" name="" descr=""/>
+          <p:cNvPicPr/>
+          <p:nvPr/>
+        </p:nvPicPr>
+        <p:blipFill>
+          <a:blip r:embed="rId6"/>
+          <a:stretch/>
+        </p:blipFill>
+        <p:spPr>
+          <a:xfrm>
+            <a:off x="406440" y="1827000"/>
+            <a:ext cx="988200" cy="988200"/>
+          </a:xfrm>
+          <a:prstGeom prst="rect">
+            <a:avLst/>
+          </a:prstGeom>
+          <a:ln w="0">
+            <a:noFill/>
+          </a:ln>
+        </p:spPr>
+      </p:pic>
+      <p:sp>
+        <p:nvSpPr>
+          <p:cNvPr id="238" name="ZoneTexte 78"/>
+          <p:cNvSpPr/>
+          <p:nvPr/>
+        </p:nvSpPr>
+        <p:spPr>
+          <a:xfrm>
+            <a:off x="-89640" y="2712600"/>
+            <a:ext cx="1844280" cy="302760"/>
+          </a:xfrm>
+          <a:prstGeom prst="rect">
+            <a:avLst/>
+          </a:prstGeom>
+          <a:noFill/>
+          <a:ln w="0">
+            <a:noFill/>
+          </a:ln>
+        </p:spPr>
+        <p:style>
+          <a:lnRef idx="0"/>
+          <a:fillRef idx="0"/>
+          <a:effectRef idx="0"/>
+          <a:fontRef idx="minor"/>
+        </p:style>
+        <p:txBody>
+          <a:bodyPr lIns="90000" rIns="90000" tIns="45000" bIns="45000" anchor="t">
+            <a:spAutoFit/>
+          </a:bodyPr>
+          <a:p>
+            <a:pPr algn="ctr">
+              <a:lnSpc>
+                <a:spcPct val="100000"/>
+              </a:lnSpc>
+              <a:spcBef>
+                <a:spcPts val="1199"/>
+              </a:spcBef>
+              <a:spcAft>
+                <a:spcPts val="1199"/>
+              </a:spcAft>
+            </a:pPr>
+            <a:r>
+              <a:rPr b="1" lang="fr-FR" sz="1400" spc="-1" strike="noStrike">
+                <a:solidFill>
+                  <a:srgbClr val="e3ba77"/>
+                </a:solidFill>
+                <a:latin typeface="Calibri"/>
+                <a:ea typeface="DejaVu Sans"/>
+              </a:rPr>
+              <a:t>In-Sight</a:t>
+            </a:r>
+            <a:endParaRPr b="0" lang="fr-FR" sz="1400" spc="-1" strike="noStrike">
+              <a:solidFill>
+                <a:srgbClr val="000000"/>
+              </a:solidFill>
+              <a:latin typeface="Arial"/>
+            </a:endParaRPr>
+          </a:p>
+        </p:txBody>
+      </p:sp>
+      <p:pic>
+        <p:nvPicPr>
+          <p:cNvPr id="239" name="" descr=""/>
+          <p:cNvPicPr/>
+          <p:nvPr/>
+        </p:nvPicPr>
+        <p:blipFill>
+          <a:blip r:embed="rId7"/>
+          <a:stretch/>
+        </p:blipFill>
+        <p:spPr>
+          <a:xfrm>
+            <a:off x="360000" y="5364000"/>
+            <a:ext cx="899640" cy="899640"/>
+          </a:xfrm>
+          <a:prstGeom prst="rect">
+            <a:avLst/>
+          </a:prstGeom>
+          <a:ln w="0">
+            <a:noFill/>
+          </a:ln>
+        </p:spPr>
+      </p:pic>
+      <p:sp>
+        <p:nvSpPr>
+          <p:cNvPr id="240" name="ZoneTexte 91"/>
+          <p:cNvSpPr/>
+          <p:nvPr/>
+        </p:nvSpPr>
+        <p:spPr>
+          <a:xfrm>
+            <a:off x="-147240" y="6202440"/>
+            <a:ext cx="2044800" cy="272160"/>
+          </a:xfrm>
+          <a:prstGeom prst="rect">
+            <a:avLst/>
+          </a:prstGeom>
+          <a:noFill/>
+          <a:ln w="0">
+            <a:noFill/>
+          </a:ln>
+        </p:spPr>
+        <p:style>
+          <a:lnRef idx="0"/>
+          <a:fillRef idx="0"/>
+          <a:effectRef idx="0"/>
+          <a:fontRef idx="minor"/>
+        </p:style>
+        <p:txBody>
+          <a:bodyPr lIns="90000" rIns="90000" tIns="45000" bIns="45000" anchor="t">
+            <a:spAutoFit/>
+          </a:bodyPr>
+          <a:p>
+            <a:pPr algn="ctr">
+              <a:lnSpc>
+                <a:spcPct val="100000"/>
+              </a:lnSpc>
+              <a:spcBef>
+                <a:spcPts val="1199"/>
+              </a:spcBef>
+              <a:spcAft>
+                <a:spcPts val="1199"/>
+              </a:spcAft>
+            </a:pPr>
+            <a:r>
+              <a:rPr b="1" lang="fr-FR" sz="1200" spc="-1" strike="noStrike">
+                <a:solidFill>
+                  <a:srgbClr val="e3ba77"/>
+                </a:solidFill>
+                <a:latin typeface="Calibri"/>
+                <a:ea typeface="DejaVu Sans"/>
+              </a:rPr>
+              <a:t>Conclusion</a:t>
+            </a:r>
+            <a:endParaRPr b="0" lang="fr-FR" sz="1200" spc="-1" strike="noStrike">
+              <a:solidFill>
+                <a:srgbClr val="000000"/>
+              </a:solidFill>
+              <a:latin typeface="Arial"/>
+            </a:endParaRPr>
+          </a:p>
+        </p:txBody>
+      </p:sp>
+    </p:spTree>
+  </p:cSld>
+  <p:transition spd="slow">
+    <p:fade/>
+  </p:transition>
+</p:sld>
+</file>
+
+<file path=ppt/slides/slide12.xml><?xml version="1.0" encoding="utf-8"?>
+<p:sld xmlns:a="http://schemas.openxmlformats.org/drawingml/2006/main" xmlns:p="http://schemas.openxmlformats.org/presentationml/2006/main" xmlns:r="http://schemas.openxmlformats.org/officeDocument/2006/relationships" xmlns:p14="http://schemas.microsoft.com/office/powerpoint/2010/main" xmlns:p15="http://schemas.microsoft.com/office/powerpoint/2012/main" xmlns:mc="http://schemas.openxmlformats.org/markup-compatibility/2006">
+  <p:cSld>
+    <p:spTree>
+      <p:nvGrpSpPr>
+        <p:cNvPr id="1" name=""/>
+        <p:cNvGrpSpPr/>
+        <p:nvPr/>
+      </p:nvGrpSpPr>
+      <p:grpSpPr>
+        <a:xfrm>
+          <a:off x="0" y="0"/>
+          <a:ext cx="0" cy="0"/>
+          <a:chOff x="0" y="0"/>
+          <a:chExt cx="0" cy="0"/>
+        </a:xfrm>
+      </p:grpSpPr>
+      <p:sp>
+        <p:nvSpPr>
+          <p:cNvPr id="241" name="Rectangle 3"/>
+          <p:cNvSpPr/>
+          <p:nvPr/>
+        </p:nvSpPr>
+        <p:spPr>
+          <a:xfrm>
+            <a:off x="0" y="0"/>
+            <a:ext cx="1649160" cy="6855840"/>
+          </a:xfrm>
+          <a:prstGeom prst="rect">
+            <a:avLst/>
+          </a:prstGeom>
+          <a:solidFill>
+            <a:srgbClr val="a81e35"/>
+          </a:solidFill>
+          <a:ln>
+            <a:noFill/>
+          </a:ln>
+        </p:spPr>
+        <p:style>
+          <a:lnRef idx="2">
+            <a:schemeClr val="accent1">
+              <a:shade val="15000"/>
+            </a:schemeClr>
+          </a:lnRef>
+          <a:fillRef idx="1">
+            <a:schemeClr val="accent1"/>
+          </a:fillRef>
+          <a:effectRef idx="0">
+            <a:schemeClr val="accent1"/>
+          </a:effectRef>
+          <a:fontRef idx="minor"/>
+        </p:style>
+        <p:txBody>
+          <a:bodyPr lIns="90000" rIns="90000" tIns="45000" bIns="45000" anchor="ctr">
+            <a:noAutofit/>
+          </a:bodyPr>
+          <a:p>
+            <a:pPr>
+              <a:lnSpc>
+                <a:spcPct val="100000"/>
+              </a:lnSpc>
+            </a:pPr>
+            <a:endParaRPr b="0" lang="fr-FR" sz="1800" spc="-1" strike="noStrike">
+              <a:solidFill>
+                <a:schemeClr val="lt1"/>
+              </a:solidFill>
+              <a:latin typeface="Calibri"/>
+              <a:ea typeface="DejaVu Sans"/>
+            </a:endParaRPr>
+          </a:p>
+        </p:txBody>
+      </p:sp>
+      <p:sp>
+        <p:nvSpPr>
+          <p:cNvPr id="242" name="ZoneTexte 41"/>
+          <p:cNvSpPr/>
+          <p:nvPr/>
+        </p:nvSpPr>
+        <p:spPr>
+          <a:xfrm>
+            <a:off x="3200040" y="114120"/>
+            <a:ext cx="6860160" cy="698760"/>
+          </a:xfrm>
+          <a:prstGeom prst="rect">
+            <a:avLst/>
+          </a:prstGeom>
+          <a:noFill/>
+          <a:ln w="57150">
+            <a:solidFill>
+              <a:srgbClr val="e3ba77"/>
+            </a:solidFill>
+            <a:round/>
+          </a:ln>
+        </p:spPr>
+        <p:style>
+          <a:lnRef idx="0"/>
+          <a:fillRef idx="0"/>
+          <a:effectRef idx="0"/>
+          <a:fontRef idx="minor"/>
+        </p:style>
+        <p:txBody>
+          <a:bodyPr lIns="90000" rIns="90000" tIns="45000" bIns="45000" anchor="ctr">
+            <a:spAutoFit/>
+          </a:bodyPr>
+          <a:p>
+            <a:pPr algn="ctr">
+              <a:lnSpc>
+                <a:spcPct val="100000"/>
+              </a:lnSpc>
+              <a:spcBef>
+                <a:spcPts val="1199"/>
+              </a:spcBef>
+              <a:spcAft>
+                <a:spcPts val="1199"/>
+              </a:spcAft>
+            </a:pPr>
+            <a:r>
+              <a:rPr b="1" lang="fr-FR" sz="4000" spc="-1" strike="noStrike">
+                <a:solidFill>
+                  <a:srgbClr val="e3ba77"/>
+                </a:solidFill>
+                <a:latin typeface="Calibri"/>
+                <a:ea typeface="DejaVu Sans"/>
+              </a:rPr>
+              <a:t>In-Sight Explorer </a:t>
+            </a:r>
+            <a:endParaRPr b="0" lang="fr-FR" sz="4000" spc="-1" strike="noStrike">
+              <a:solidFill>
+                <a:srgbClr val="000000"/>
+              </a:solidFill>
+              <a:latin typeface="Arial"/>
+            </a:endParaRPr>
+          </a:p>
+        </p:txBody>
+      </p:sp>
+      <p:pic>
+        <p:nvPicPr>
+          <p:cNvPr id="243" name="Picture 5" descr="Le groupe CASTEL devient propriétaire du Château Cavalier en ..."/>
+          <p:cNvPicPr/>
+          <p:nvPr/>
+        </p:nvPicPr>
+        <p:blipFill>
+          <a:blip r:embed="rId1"/>
+          <a:stretch/>
+        </p:blipFill>
+        <p:spPr>
+          <a:xfrm>
+            <a:off x="10483560" y="190440"/>
+            <a:ext cx="1338480" cy="888120"/>
+          </a:xfrm>
+          <a:prstGeom prst="rect">
+            <a:avLst/>
+          </a:prstGeom>
+          <a:ln w="0">
+            <a:noFill/>
+          </a:ln>
+        </p:spPr>
+      </p:pic>
+      <p:sp>
+        <p:nvSpPr>
+          <p:cNvPr id="244" name="ZoneTexte 42"/>
+          <p:cNvSpPr/>
+          <p:nvPr/>
+        </p:nvSpPr>
+        <p:spPr>
+          <a:xfrm>
+            <a:off x="-50040" y="6539760"/>
+            <a:ext cx="1604520" cy="333000"/>
+          </a:xfrm>
+          <a:prstGeom prst="rect">
+            <a:avLst/>
+          </a:prstGeom>
+          <a:noFill/>
+          <a:ln w="0">
+            <a:noFill/>
+          </a:ln>
+        </p:spPr>
+        <p:style>
+          <a:lnRef idx="0"/>
+          <a:fillRef idx="0"/>
+          <a:effectRef idx="0"/>
+          <a:fontRef idx="minor"/>
+        </p:style>
+        <p:txBody>
+          <a:bodyPr lIns="90000" rIns="90000" tIns="45000" bIns="45000" anchor="t">
+            <a:spAutoFit/>
+          </a:bodyPr>
+          <a:p>
+            <a:pPr algn="ctr">
+              <a:lnSpc>
+                <a:spcPct val="100000"/>
+              </a:lnSpc>
+            </a:pPr>
+            <a:r>
+              <a:rPr b="0" lang="fr-FR" sz="1600" spc="-1" strike="noStrike">
+                <a:solidFill>
+                  <a:srgbClr val="e3ba77"/>
+                </a:solidFill>
+                <a:latin typeface="Calibri"/>
+                <a:ea typeface="Times New Roman"/>
+              </a:rPr>
+              <a:t>Pages 11</a:t>
+            </a:r>
+            <a:endParaRPr b="0" lang="fr-FR" sz="1600" spc="-1" strike="noStrike">
+              <a:solidFill>
+                <a:srgbClr val="000000"/>
+              </a:solidFill>
+              <a:latin typeface="Arial"/>
+            </a:endParaRPr>
+          </a:p>
+        </p:txBody>
+      </p:sp>
+      <p:pic>
+        <p:nvPicPr>
+          <p:cNvPr id="245" name="" descr=""/>
+          <p:cNvPicPr/>
+          <p:nvPr/>
+        </p:nvPicPr>
+        <p:blipFill>
+          <a:blip r:embed="rId2"/>
+          <a:stretch/>
+        </p:blipFill>
+        <p:spPr>
+          <a:xfrm rot="16185000">
+            <a:off x="254160" y="1730880"/>
+            <a:ext cx="1074960" cy="1074960"/>
+          </a:xfrm>
+          <a:prstGeom prst="rect">
+            <a:avLst/>
+          </a:prstGeom>
+          <a:ln w="0">
+            <a:noFill/>
+          </a:ln>
+        </p:spPr>
+      </p:pic>
+      <p:sp>
+        <p:nvSpPr>
+          <p:cNvPr id="246" name="ZoneTexte 45"/>
+          <p:cNvSpPr/>
+          <p:nvPr/>
+        </p:nvSpPr>
+        <p:spPr>
+          <a:xfrm>
+            <a:off x="-80640" y="2721600"/>
+            <a:ext cx="1844280" cy="302760"/>
+          </a:xfrm>
+          <a:prstGeom prst="rect">
+            <a:avLst/>
+          </a:prstGeom>
+          <a:noFill/>
+          <a:ln w="0">
+            <a:noFill/>
+          </a:ln>
+        </p:spPr>
+        <p:style>
+          <a:lnRef idx="0"/>
+          <a:fillRef idx="0"/>
+          <a:effectRef idx="0"/>
+          <a:fontRef idx="minor"/>
+        </p:style>
+        <p:txBody>
+          <a:bodyPr lIns="90000" rIns="90000" tIns="45000" bIns="45000" anchor="t">
+            <a:spAutoFit/>
+          </a:bodyPr>
+          <a:p>
+            <a:pPr algn="ctr">
+              <a:lnSpc>
+                <a:spcPct val="100000"/>
+              </a:lnSpc>
+              <a:spcBef>
+                <a:spcPts val="1199"/>
+              </a:spcBef>
+              <a:spcAft>
+                <a:spcPts val="1199"/>
+              </a:spcAft>
+            </a:pPr>
+            <a:r>
+              <a:rPr b="1" lang="fr-FR" sz="1400" spc="-1" strike="noStrike">
+                <a:solidFill>
+                  <a:srgbClr val="e3ba77"/>
+                </a:solidFill>
+                <a:latin typeface="Calibri"/>
+                <a:ea typeface="DejaVu Sans"/>
+              </a:rPr>
+              <a:t>Câblage</a:t>
+            </a:r>
+            <a:endParaRPr b="0" lang="fr-FR" sz="1400" spc="-1" strike="noStrike">
+              <a:solidFill>
+                <a:srgbClr val="000000"/>
+              </a:solidFill>
+              <a:latin typeface="Arial"/>
+            </a:endParaRPr>
+          </a:p>
+        </p:txBody>
+      </p:sp>
+      <p:pic>
+        <p:nvPicPr>
+          <p:cNvPr id="247" name="Image 19" descr=""/>
+          <p:cNvPicPr/>
+          <p:nvPr/>
+        </p:nvPicPr>
+        <p:blipFill>
+          <a:blip r:embed="rId3"/>
+          <a:stretch/>
+        </p:blipFill>
+        <p:spPr>
+          <a:xfrm>
+            <a:off x="432000" y="3204360"/>
+            <a:ext cx="899280" cy="899280"/>
+          </a:xfrm>
+          <a:prstGeom prst="rect">
+            <a:avLst/>
+          </a:prstGeom>
+          <a:ln w="0">
+            <a:noFill/>
+          </a:ln>
+        </p:spPr>
+      </p:pic>
+      <p:sp>
+        <p:nvSpPr>
+          <p:cNvPr id="248" name="ZoneTexte 46"/>
+          <p:cNvSpPr/>
+          <p:nvPr/>
+        </p:nvSpPr>
+        <p:spPr>
+          <a:xfrm>
+            <a:off x="-147240" y="4025160"/>
+            <a:ext cx="2044800" cy="272160"/>
+          </a:xfrm>
+          <a:prstGeom prst="rect">
+            <a:avLst/>
+          </a:prstGeom>
+          <a:noFill/>
+          <a:ln w="0">
+            <a:noFill/>
+          </a:ln>
+        </p:spPr>
+        <p:style>
+          <a:lnRef idx="0"/>
+          <a:fillRef idx="0"/>
+          <a:effectRef idx="0"/>
+          <a:fontRef idx="minor"/>
+        </p:style>
+        <p:txBody>
+          <a:bodyPr lIns="90000" rIns="90000" tIns="45000" bIns="45000" anchor="t">
+            <a:spAutoFit/>
+          </a:bodyPr>
+          <a:p>
+            <a:pPr algn="ctr">
+              <a:lnSpc>
+                <a:spcPct val="100000"/>
+              </a:lnSpc>
+              <a:spcBef>
+                <a:spcPts val="1199"/>
+              </a:spcBef>
+              <a:spcAft>
+                <a:spcPts val="1199"/>
+              </a:spcAft>
+            </a:pPr>
+            <a:r>
+              <a:rPr b="1" lang="fr-FR" sz="1200" spc="-1" strike="noStrike">
+                <a:solidFill>
+                  <a:srgbClr val="e3ba77"/>
+                </a:solidFill>
+                <a:latin typeface="Calibri"/>
+                <a:ea typeface="DejaVu Sans"/>
+              </a:rPr>
+              <a:t>Rapport erreur</a:t>
+            </a:r>
+            <a:endParaRPr b="0" lang="fr-FR" sz="1200" spc="-1" strike="noStrike">
+              <a:solidFill>
+                <a:srgbClr val="000000"/>
+              </a:solidFill>
+              <a:latin typeface="Arial"/>
+            </a:endParaRPr>
+          </a:p>
+        </p:txBody>
+      </p:sp>
+      <p:pic>
+        <p:nvPicPr>
+          <p:cNvPr id="249" name="" descr=""/>
+          <p:cNvPicPr/>
+          <p:nvPr/>
+        </p:nvPicPr>
+        <p:blipFill>
+          <a:blip r:embed="rId4"/>
+          <a:stretch/>
+        </p:blipFill>
+        <p:spPr>
+          <a:xfrm>
+            <a:off x="4320000" y="1800000"/>
+            <a:ext cx="4685760" cy="3513960"/>
+          </a:xfrm>
+          <a:prstGeom prst="rect">
+            <a:avLst/>
+          </a:prstGeom>
+          <a:ln w="0">
+            <a:noFill/>
+          </a:ln>
+        </p:spPr>
+      </p:pic>
+      <p:pic>
+        <p:nvPicPr>
+          <p:cNvPr id="250" name="" descr=""/>
+          <p:cNvPicPr/>
+          <p:nvPr/>
+        </p:nvPicPr>
+        <p:blipFill>
+          <a:blip r:embed="rId5"/>
+          <a:stretch/>
+        </p:blipFill>
+        <p:spPr>
+          <a:xfrm>
+            <a:off x="6768000" y="1885680"/>
+            <a:ext cx="5287320" cy="2973960"/>
+          </a:xfrm>
+          <a:prstGeom prst="rect">
+            <a:avLst/>
+          </a:prstGeom>
+          <a:ln w="0">
+            <a:noFill/>
+          </a:ln>
+        </p:spPr>
+      </p:pic>
+      <p:pic>
+        <p:nvPicPr>
+          <p:cNvPr id="251" name="" descr=""/>
+          <p:cNvPicPr/>
+          <p:nvPr/>
+        </p:nvPicPr>
+        <p:blipFill>
+          <a:blip r:embed="rId6"/>
+          <a:stretch/>
+        </p:blipFill>
+        <p:spPr>
+          <a:xfrm>
+            <a:off x="1892160" y="1885680"/>
+            <a:ext cx="4767480" cy="2955600"/>
+          </a:xfrm>
+          <a:prstGeom prst="rect">
+            <a:avLst/>
+          </a:prstGeom>
+          <a:ln w="0">
+            <a:noFill/>
+          </a:ln>
+        </p:spPr>
+      </p:pic>
+      <p:sp>
+        <p:nvSpPr>
+          <p:cNvPr id="252" name="ZoneTexte 8"/>
+          <p:cNvSpPr/>
+          <p:nvPr/>
+        </p:nvSpPr>
+        <p:spPr>
+          <a:xfrm>
+            <a:off x="1936080" y="1521720"/>
+            <a:ext cx="3283560" cy="363960"/>
+          </a:xfrm>
+          <a:prstGeom prst="rect">
+            <a:avLst/>
+          </a:prstGeom>
+          <a:noFill/>
+          <a:ln w="0">
+            <a:noFill/>
+          </a:ln>
+        </p:spPr>
+        <p:style>
+          <a:lnRef idx="0"/>
+          <a:fillRef idx="0"/>
+          <a:effectRef idx="0"/>
+          <a:fontRef idx="minor"/>
+        </p:style>
+        <p:txBody>
+          <a:bodyPr lIns="90000" rIns="90000" tIns="45000" bIns="45000" anchor="t">
+            <a:spAutoFit/>
+          </a:bodyPr>
+          <a:p>
+            <a:pPr>
+              <a:lnSpc>
+                <a:spcPct val="100000"/>
+              </a:lnSpc>
+            </a:pPr>
+            <a:r>
+              <a:rPr b="1" lang="fr-FR" sz="1800" spc="-1" strike="noStrike">
+                <a:solidFill>
+                  <a:srgbClr val="e3ba77"/>
+                </a:solidFill>
+                <a:latin typeface="Calibri"/>
+                <a:ea typeface="DejaVu Sans"/>
+              </a:rPr>
+              <a:t>Easy Builder :</a:t>
+            </a:r>
+            <a:endParaRPr b="0" lang="fr-FR" sz="1800" spc="-1" strike="noStrike">
+              <a:solidFill>
+                <a:srgbClr val="000000"/>
+              </a:solidFill>
+              <a:latin typeface="Arial"/>
+            </a:endParaRPr>
+          </a:p>
+        </p:txBody>
+      </p:sp>
+      <p:sp>
+        <p:nvSpPr>
+          <p:cNvPr id="253" name="ZoneTexte 57"/>
+          <p:cNvSpPr/>
+          <p:nvPr/>
+        </p:nvSpPr>
+        <p:spPr>
+          <a:xfrm>
+            <a:off x="6760080" y="1521720"/>
+            <a:ext cx="3283560" cy="363960"/>
+          </a:xfrm>
+          <a:prstGeom prst="rect">
+            <a:avLst/>
+          </a:prstGeom>
+          <a:noFill/>
+          <a:ln w="0">
+            <a:noFill/>
+          </a:ln>
+        </p:spPr>
+        <p:style>
+          <a:lnRef idx="0"/>
+          <a:fillRef idx="0"/>
+          <a:effectRef idx="0"/>
+          <a:fontRef idx="minor"/>
+        </p:style>
+        <p:txBody>
+          <a:bodyPr lIns="90000" rIns="90000" tIns="45000" bIns="45000" anchor="t">
+            <a:spAutoFit/>
+          </a:bodyPr>
+          <a:p>
+            <a:pPr>
+              <a:lnSpc>
+                <a:spcPct val="100000"/>
+              </a:lnSpc>
+            </a:pPr>
+            <a:r>
+              <a:rPr b="1" lang="fr-FR" sz="1800" spc="-1" strike="noStrike">
+                <a:solidFill>
+                  <a:srgbClr val="e3ba77"/>
+                </a:solidFill>
+                <a:latin typeface="Calibri"/>
+                <a:ea typeface="DejaVu Sans"/>
+              </a:rPr>
+              <a:t>Tableur :</a:t>
+            </a:r>
+            <a:endParaRPr b="0" lang="fr-FR" sz="1800" spc="-1" strike="noStrike">
+              <a:solidFill>
+                <a:srgbClr val="000000"/>
+              </a:solidFill>
+              <a:latin typeface="Arial"/>
+            </a:endParaRPr>
+          </a:p>
+        </p:txBody>
+      </p:sp>
+      <p:pic>
+        <p:nvPicPr>
+          <p:cNvPr id="254" name="" descr=""/>
+          <p:cNvPicPr/>
+          <p:nvPr/>
+        </p:nvPicPr>
+        <p:blipFill>
+          <a:blip r:embed="rId7"/>
+          <a:stretch/>
+        </p:blipFill>
+        <p:spPr>
+          <a:xfrm>
+            <a:off x="415440" y="576000"/>
+            <a:ext cx="988200" cy="988200"/>
+          </a:xfrm>
+          <a:prstGeom prst="rect">
+            <a:avLst/>
+          </a:prstGeom>
+          <a:ln w="0">
+            <a:noFill/>
+          </a:ln>
+        </p:spPr>
+      </p:pic>
+      <p:sp>
+        <p:nvSpPr>
+          <p:cNvPr id="255" name="ZoneTexte 43"/>
+          <p:cNvSpPr/>
+          <p:nvPr/>
+        </p:nvSpPr>
+        <p:spPr>
+          <a:xfrm>
+            <a:off x="-80640" y="1497600"/>
+            <a:ext cx="1844280" cy="302760"/>
+          </a:xfrm>
+          <a:prstGeom prst="rect">
+            <a:avLst/>
+          </a:prstGeom>
+          <a:noFill/>
+          <a:ln w="0">
+            <a:noFill/>
+          </a:ln>
+        </p:spPr>
+        <p:style>
+          <a:lnRef idx="0"/>
+          <a:fillRef idx="0"/>
+          <a:effectRef idx="0"/>
+          <a:fontRef idx="minor"/>
+        </p:style>
+        <p:txBody>
+          <a:bodyPr lIns="90000" rIns="90000" tIns="45000" bIns="45000" anchor="t">
+            <a:spAutoFit/>
+          </a:bodyPr>
+          <a:p>
+            <a:pPr algn="ctr">
+              <a:lnSpc>
+                <a:spcPct val="100000"/>
+              </a:lnSpc>
+              <a:spcBef>
+                <a:spcPts val="1199"/>
+              </a:spcBef>
+              <a:spcAft>
+                <a:spcPts val="1199"/>
+              </a:spcAft>
+            </a:pPr>
+            <a:r>
+              <a:rPr b="1" lang="fr-FR" sz="1400" spc="-1" strike="noStrike">
+                <a:solidFill>
+                  <a:srgbClr val="e3ba77"/>
+                </a:solidFill>
+                <a:latin typeface="Calibri"/>
+                <a:ea typeface="DejaVu Sans"/>
+              </a:rPr>
+              <a:t>In-Sight</a:t>
+            </a:r>
+            <a:endParaRPr b="0" lang="fr-FR" sz="1400" spc="-1" strike="noStrike">
+              <a:solidFill>
+                <a:srgbClr val="000000"/>
+              </a:solidFill>
+              <a:latin typeface="Arial"/>
+            </a:endParaRPr>
+          </a:p>
+        </p:txBody>
+      </p:sp>
+      <p:pic>
+        <p:nvPicPr>
+          <p:cNvPr id="256" name="" descr=""/>
+          <p:cNvPicPr/>
+          <p:nvPr/>
+        </p:nvPicPr>
+        <p:blipFill>
+          <a:blip r:embed="rId8"/>
+          <a:stretch/>
+        </p:blipFill>
+        <p:spPr>
+          <a:xfrm>
+            <a:off x="360000" y="4464360"/>
+            <a:ext cx="899640" cy="899640"/>
+          </a:xfrm>
+          <a:prstGeom prst="rect">
+            <a:avLst/>
+          </a:prstGeom>
+          <a:ln w="0">
+            <a:noFill/>
+          </a:ln>
+        </p:spPr>
+      </p:pic>
+      <p:sp>
+        <p:nvSpPr>
+          <p:cNvPr id="257" name="ZoneTexte 90"/>
+          <p:cNvSpPr/>
+          <p:nvPr/>
+        </p:nvSpPr>
+        <p:spPr>
+          <a:xfrm>
+            <a:off x="-147240" y="5302800"/>
+            <a:ext cx="2044800" cy="272160"/>
+          </a:xfrm>
+          <a:prstGeom prst="rect">
+            <a:avLst/>
+          </a:prstGeom>
+          <a:noFill/>
+          <a:ln w="0">
+            <a:noFill/>
+          </a:ln>
+        </p:spPr>
+        <p:style>
+          <a:lnRef idx="0"/>
+          <a:fillRef idx="0"/>
+          <a:effectRef idx="0"/>
+          <a:fontRef idx="minor"/>
+        </p:style>
+        <p:txBody>
+          <a:bodyPr lIns="90000" rIns="90000" tIns="45000" bIns="45000" anchor="t">
+            <a:spAutoFit/>
+          </a:bodyPr>
+          <a:p>
+            <a:pPr algn="ctr">
+              <a:lnSpc>
+                <a:spcPct val="100000"/>
+              </a:lnSpc>
+              <a:spcBef>
+                <a:spcPts val="1199"/>
+              </a:spcBef>
+              <a:spcAft>
+                <a:spcPts val="1199"/>
+              </a:spcAft>
+            </a:pPr>
+            <a:r>
+              <a:rPr b="1" lang="fr-FR" sz="1200" spc="-1" strike="noStrike">
+                <a:solidFill>
+                  <a:srgbClr val="e3ba77"/>
+                </a:solidFill>
+                <a:latin typeface="Calibri"/>
+                <a:ea typeface="DejaVu Sans"/>
+              </a:rPr>
+              <a:t>Conclusion</a:t>
+            </a:r>
+            <a:endParaRPr b="0" lang="fr-FR" sz="1200" spc="-1" strike="noStrike">
+              <a:solidFill>
+                <a:srgbClr val="000000"/>
+              </a:solidFill>
+              <a:latin typeface="Arial"/>
+            </a:endParaRPr>
+          </a:p>
+        </p:txBody>
+      </p:sp>
+    </p:spTree>
+  </p:cSld>
+  <p:transition spd="slow">
+    <p:fade/>
+  </p:transition>
+  <p:timing>
+    <p:tnLst>
+      <p:par>
+        <p:cTn id="91" dur="indefinite" restart="never" nodeType="tmRoot">
+          <p:childTnLst>
+            <p:seq>
+              <p:cTn id="92" dur="indefinite" nodeType="mainSeq">
+                <p:childTnLst>
+                  <p:par>
+                    <p:cTn id="93" fill="hold">
+                      <p:stCondLst>
+                        <p:cond delay="indefinite"/>
+                      </p:stCondLst>
+                      <p:childTnLst>
+                        <p:par>
+                          <p:cTn id="94" fill="hold">
+                            <p:stCondLst>
+                              <p:cond delay="0"/>
+                            </p:stCondLst>
+                            <p:childTnLst>
+                              <p:par>
+                                <p:cTn id="95" nodeType="clickEffect" fill="hold" presetClass="exit" presetID="10">
+                                  <p:stCondLst>
+                                    <p:cond delay="0"/>
+                                  </p:stCondLst>
+                                  <p:childTnLst>
+                                    <p:animEffect filter="fade" transition="out">
+                                      <p:cBhvr additive="repl">
+                                        <p:cTn id="96" dur="2000"/>
+                                        <p:tgtEl>
+                                          <p:spTgt spid="249"/>
+                                        </p:tgtEl>
+                                      </p:cBhvr>
+                                    </p:animEffect>
+                                    <p:set>
+                                      <p:cBhvr>
+                                        <p:cTn id="97" dur="1" fill="hold">
+                                          <p:stCondLst>
+                                            <p:cond delay="1999"/>
+                                          </p:stCondLst>
+                                        </p:cTn>
+                                        <p:tgtEl>
+                                          <p:spTgt spid="249"/>
+                                        </p:tgtEl>
+                                        <p:attrNameLst>
+                                          <p:attrName>style.visibility</p:attrName>
+                                        </p:attrNameLst>
+                                      </p:cBhvr>
+                                      <p:to>
+                                        <p:strVal val="hidden"/>
+                                      </p:to>
+                                    </p:set>
+                                  </p:childTnLst>
+                                </p:cTn>
+                              </p:par>
+                            </p:childTnLst>
+                          </p:cTn>
+                        </p:par>
+                      </p:childTnLst>
+                    </p:cTn>
+                  </p:par>
+                  <p:par>
+                    <p:cTn id="98" fill="hold">
+                      <p:stCondLst>
+                        <p:cond delay="indefinite"/>
+                      </p:stCondLst>
+                      <p:childTnLst>
+                        <p:par>
+                          <p:cTn id="99" fill="hold">
+                            <p:stCondLst>
+                              <p:cond delay="0"/>
+                            </p:stCondLst>
+                            <p:childTnLst>
+                              <p:par>
+                                <p:cTn id="100" nodeType="clickEffect" fill="hold" presetClass="entr" presetID="10">
+                                  <p:stCondLst>
+                                    <p:cond delay="0"/>
+                                  </p:stCondLst>
+                                  <p:childTnLst>
+                                    <p:set>
+                                      <p:cBhvr>
+                                        <p:cTn id="101" dur="1" fill="hold">
+                                          <p:stCondLst>
+                                            <p:cond delay="0"/>
+                                          </p:stCondLst>
+                                        </p:cTn>
+                                        <p:tgtEl>
+                                          <p:spTgt spid="250"/>
+                                        </p:tgtEl>
+                                        <p:attrNameLst>
+                                          <p:attrName>style.visibility</p:attrName>
+                                        </p:attrNameLst>
+                                      </p:cBhvr>
+                                      <p:to>
+                                        <p:strVal val="visible"/>
+                                      </p:to>
+                                    </p:set>
+                                    <p:animEffect filter="fade" transition="in">
+                                      <p:cBhvr additive="repl">
+                                        <p:cTn id="102" dur="2000"/>
+                                        <p:tgtEl>
                                           <p:spTgt spid="250"/>
                                         </p:tgtEl>
                                       </p:cBhvr>
@@ -8093,14 +8229,14 @@
                                 </p:cTn>
                               </p:par>
                               <p:par>
-                                <p:cTn id="91" nodeType="withEffect" fill="hold" presetClass="entr" presetID="10">
+                                <p:cTn id="103" nodeType="withEffect" fill="hold" presetClass="entr" presetID="10">
                                   <p:stCondLst>
                                     <p:cond delay="0"/>
                                   </p:stCondLst>
                                   <p:childTnLst>
                                     <p:set>
                                       <p:cBhvr>
-                                        <p:cTn id="92" dur="1" fill="hold">
+                                        <p:cTn id="104" dur="1" fill="hold">
                                           <p:stCondLst>
                                             <p:cond delay="0"/>
                                           </p:stCondLst>
@@ -8118,7 +8254,7 @@
                                     </p:set>
                                     <p:animEffect filter="fade" transition="in">
                                       <p:cBhvr additive="repl">
-                                        <p:cTn id="93" dur="2000"/>
+                                        <p:cTn id="105" dur="2000"/>
                                         <p:tgtEl>
                                           <p:spTgt spid="251"/>
                                         </p:tgtEl>
@@ -8128,14 +8264,14 @@
                                 </p:cTn>
                               </p:par>
                               <p:par>
-                                <p:cTn id="94" nodeType="withEffect" fill="hold" presetClass="entr" presetID="10">
+                                <p:cTn id="106" nodeType="withEffect" fill="hold" presetClass="entr" presetID="10">
                                   <p:stCondLst>
                                     <p:cond delay="0"/>
                                   </p:stCondLst>
                                   <p:childTnLst>
                                     <p:set>
                                       <p:cBhvr>
-                                        <p:cTn id="95" dur="1" fill="hold">
+                                        <p:cTn id="107" dur="1" fill="hold">
                                           <p:stCondLst>
                                             <p:cond delay="0"/>
                                           </p:stCondLst>
@@ -8153,7 +8289,7 @@
                                     </p:set>
                                     <p:animEffect filter="fade" transition="in">
                                       <p:cBhvr additive="repl">
-                                        <p:cTn id="96" dur="2000"/>
+                                        <p:cTn id="108" dur="2000"/>
                                         <p:tgtEl>
                                           <p:spTgt spid="252"/>
                                         </p:tgtEl>
@@ -8163,14 +8299,14 @@
                                 </p:cTn>
                               </p:par>
                               <p:par>
-                                <p:cTn id="97" nodeType="withEffect" fill="hold" presetClass="entr" presetID="10">
+                                <p:cTn id="109" nodeType="withEffect" fill="hold" presetClass="entr" presetID="10">
                                   <p:stCondLst>
                                     <p:cond delay="0"/>
                                   </p:stCondLst>
                                   <p:childTnLst>
                                     <p:set>
                                       <p:cBhvr>
-                                        <p:cTn id="98" dur="1" fill="hold">
+                                        <p:cTn id="110" dur="1" fill="hold">
                                           <p:stCondLst>
                                             <p:cond delay="0"/>
                                           </p:stCondLst>
@@ -8188,7 +8324,7 @@
                                     </p:set>
                                     <p:animEffect filter="fade" transition="in">
                                       <p:cBhvr additive="repl">
-                                        <p:cTn id="99" dur="2000"/>
+                                        <p:cTn id="111" dur="2000"/>
                                         <p:tgtEl>
                                           <p:spTgt spid="253"/>
                                         </p:tgtEl>
@@ -16818,9 +16954,32 @@
           <a:chExt cx="0" cy="0"/>
         </a:xfrm>
       </p:grpSpPr>
-      <p:sp>
-        <p:nvSpPr>
-          <p:cNvPr id="188" name="Rectangle 3"/>
+      <p:pic>
+        <p:nvPicPr>
+          <p:cNvPr id="188" name="Image 16" descr=""/>
+          <p:cNvPicPr/>
+          <p:nvPr/>
+        </p:nvPicPr>
+        <p:blipFill>
+          <a:blip r:embed="rId1"/>
+          <a:stretch/>
+        </p:blipFill>
+        <p:spPr>
+          <a:xfrm>
+            <a:off x="4370040" y="1228680"/>
+            <a:ext cx="4703040" cy="4920120"/>
+          </a:xfrm>
+          <a:prstGeom prst="rect">
+            <a:avLst/>
+          </a:prstGeom>
+          <a:ln w="0">
+            <a:noFill/>
+          </a:ln>
+        </p:spPr>
+      </p:pic>
+      <p:sp>
+        <p:nvSpPr>
+          <p:cNvPr id="189" name="Rectangle 3"/>
           <p:cNvSpPr/>
           <p:nvPr/>
         </p:nvSpPr>
@@ -16875,7 +17034,7 @@
       </p:sp>
       <p:sp>
         <p:nvSpPr>
-          <p:cNvPr id="189" name="ZoneTexte 41"/>
+          <p:cNvPr id="190" name="ZoneTexte 41"/>
           <p:cNvSpPr/>
           <p:nvPr/>
         </p:nvSpPr>
@@ -16938,12 +17097,12 @@
       </p:sp>
       <p:pic>
         <p:nvPicPr>
-          <p:cNvPr id="190" name="Picture 5" descr="Le groupe CASTEL devient propriétaire du Château Cavalier en ..."/>
+          <p:cNvPr id="191" name="Picture 5" descr="Le groupe CASTEL devient propriétaire du Château Cavalier en ..."/>
           <p:cNvPicPr/>
           <p:nvPr/>
         </p:nvPicPr>
         <p:blipFill>
-          <a:blip r:embed="rId1"/>
+          <a:blip r:embed="rId2"/>
           <a:stretch/>
         </p:blipFill>
         <p:spPr>
@@ -16961,7 +17120,7 @@
       </p:pic>
       <p:sp>
         <p:nvSpPr>
-          <p:cNvPr id="191" name="ZoneTexte 42"/>
+          <p:cNvPr id="192" name="ZoneTexte 42"/>
           <p:cNvSpPr/>
           <p:nvPr/>
         </p:nvSpPr>
@@ -17015,7 +17174,7 @@
       </p:sp>
       <p:grpSp>
         <p:nvGrpSpPr>
-          <p:cNvPr id="192" name="Groupe 7"/>
+          <p:cNvPr id="193" name="Groupe 7"/>
           <p:cNvGrpSpPr/>
           <p:nvPr/>
         </p:nvGrpSpPr>
@@ -17029,12 +17188,12 @@
         </p:grpSpPr>
         <p:pic>
           <p:nvPicPr>
-            <p:cNvPr id="193" name="Image 4" descr=""/>
+            <p:cNvPr id="194" name="Image 4" descr=""/>
             <p:cNvPicPr/>
             <p:nvPr/>
           </p:nvPicPr>
           <p:blipFill>
-            <a:blip r:embed="rId2"/>
+            <a:blip r:embed="rId3"/>
             <a:stretch/>
           </p:blipFill>
           <p:spPr>
@@ -17052,7 +17211,7 @@
         </p:pic>
         <p:sp>
           <p:nvSpPr>
-            <p:cNvPr id="194" name="ZoneTexte 5"/>
+            <p:cNvPr id="195" name="ZoneTexte 5"/>
             <p:cNvSpPr/>
             <p:nvPr/>
           </p:nvSpPr>
@@ -17153,12 +17312,12 @@
       </p:grpSp>
       <p:pic>
         <p:nvPicPr>
-          <p:cNvPr id="195" name="Image 9" descr=""/>
+          <p:cNvPr id="196" name="Image 9" descr=""/>
           <p:cNvPicPr/>
           <p:nvPr/>
         </p:nvPicPr>
         <p:blipFill>
-          <a:blip r:embed="rId3"/>
+          <a:blip r:embed="rId4"/>
           <a:stretch/>
         </p:blipFill>
         <p:spPr>
@@ -17176,7 +17335,7 @@
       </p:pic>
       <p:grpSp>
         <p:nvGrpSpPr>
-          <p:cNvPr id="196" name="Groupe 14"/>
+          <p:cNvPr id="197" name="Groupe 14"/>
           <p:cNvGrpSpPr/>
           <p:nvPr/>
         </p:nvGrpSpPr>
@@ -17190,12 +17349,12 @@
         </p:grpSpPr>
         <p:pic>
           <p:nvPicPr>
-            <p:cNvPr id="197" name="Image 11" descr=""/>
+            <p:cNvPr id="198" name="Image 11" descr=""/>
             <p:cNvPicPr/>
             <p:nvPr/>
           </p:nvPicPr>
           <p:blipFill>
-            <a:blip r:embed="rId4"/>
+            <a:blip r:embed="rId5"/>
             <a:stretch/>
           </p:blipFill>
           <p:spPr>
@@ -17213,12 +17372,12 @@
         </p:pic>
         <p:pic>
           <p:nvPicPr>
-            <p:cNvPr id="198" name="Image 13" descr=""/>
+            <p:cNvPr id="199" name="Image 13" descr=""/>
             <p:cNvPicPr/>
             <p:nvPr/>
           </p:nvPicPr>
           <p:blipFill>
-            <a:blip r:embed="rId5"/>
+            <a:blip r:embed="rId6"/>
             <a:stretch/>
           </p:blipFill>
           <p:spPr>
@@ -17235,29 +17394,6 @@
           </p:spPr>
         </p:pic>
       </p:grpSp>
-      <p:pic>
-        <p:nvPicPr>
-          <p:cNvPr id="199" name="Image 16" descr=""/>
-          <p:cNvPicPr/>
-          <p:nvPr/>
-        </p:nvPicPr>
-        <p:blipFill>
-          <a:blip r:embed="rId6"/>
-          <a:stretch/>
-        </p:blipFill>
-        <p:spPr>
-          <a:xfrm>
-            <a:off x="4370040" y="1228680"/>
-            <a:ext cx="4703040" cy="4920120"/>
-          </a:xfrm>
-          <a:prstGeom prst="rect">
-            <a:avLst/>
-          </a:prstGeom>
-          <a:ln w="0">
-            <a:noFill/>
-          </a:ln>
-        </p:spPr>
-      </p:pic>
       <p:pic>
         <p:nvPicPr>
           <p:cNvPr id="200" name="" descr=""/>
@@ -17708,7 +17844,7 @@
                                       <p:cBhvr additive="repl">
                                         <p:cTn id="52" dur="500"/>
                                         <p:tgtEl>
-                                          <p:spTgt spid="196"/>
+                                          <p:spTgt spid="197"/>
                                         </p:tgtEl>
                                       </p:cBhvr>
                                     </p:animEffect>
@@ -17720,7 +17856,7 @@
                                           </p:stCondLst>
                                         </p:cTn>
                                         <p:tgtEl>
-                                          <p:spTgt spid="196"/>
+                                          <p:spTgt spid="197"/>
                                         </p:tgtEl>
                                         <p:attrNameLst>
                                           <p:attrName>style.visibility</p:attrName>
@@ -17765,7 +17901,7 @@
                                           </p:stCondLst>
                                         </p:cTn>
                                         <p:tgtEl>
-                                          <p:spTgt spid="192"/>
+                                          <p:spTgt spid="193"/>
                                         </p:tgtEl>
                                         <p:attrNameLst>
                                           <p:attrName>style.visibility</p:attrName>
@@ -17779,7 +17915,7 @@
                                       <p:cBhvr additive="repl">
                                         <p:cTn id="58" dur="500"/>
                                         <p:tgtEl>
-                                          <p:spTgt spid="192"/>
+                                          <p:spTgt spid="193"/>
                                         </p:tgtEl>
                                       </p:cBhvr>
                                     </p:animEffect>
@@ -17814,7 +17950,7 @@
                                       <p:cBhvr additive="repl">
                                         <p:cTn id="62" dur="500"/>
                                         <p:tgtEl>
-                                          <p:spTgt spid="192"/>
+                                          <p:spTgt spid="193"/>
                                         </p:tgtEl>
                                       </p:cBhvr>
                                     </p:animEffect>
@@ -17826,7 +17962,7 @@
                                           </p:stCondLst>
                                         </p:cTn>
                                         <p:tgtEl>
-                                          <p:spTgt spid="192"/>
+                                          <p:spTgt spid="193"/>
                                         </p:tgtEl>
                                         <p:attrNameLst>
                                           <p:attrName>style.visibility</p:attrName>
@@ -17871,7 +18007,7 @@
                                           </p:stCondLst>
                                         </p:cTn>
                                         <p:tgtEl>
-                                          <p:spTgt spid="195"/>
+                                          <p:spTgt spid="196"/>
                                         </p:tgtEl>
                                         <p:attrNameLst>
                                           <p:attrName>style.visibility</p:attrName>
@@ -17885,7 +18021,7 @@
                                       <p:cBhvr additive="repl">
                                         <p:cTn id="68" dur="500"/>
                                         <p:tgtEl>
-                                          <p:spTgt spid="195"/>
+                                          <p:spTgt spid="196"/>
                                         </p:tgtEl>
                                       </p:cBhvr>
                                     </p:animEffect>
@@ -17920,7 +18056,7 @@
                                       <p:cBhvr additive="repl">
                                         <p:cTn id="72" dur="500"/>
                                         <p:tgtEl>
-                                          <p:spTgt spid="195"/>
+                                          <p:spTgt spid="196"/>
                                         </p:tgtEl>
                                       </p:cBhvr>
                                     </p:animEffect>
@@ -17932,7 +18068,7 @@
                                           </p:stCondLst>
                                         </p:cTn>
                                         <p:tgtEl>
-                                          <p:spTgt spid="195"/>
+                                          <p:spTgt spid="196"/>
                                         </p:tgtEl>
                                         <p:attrNameLst>
                                           <p:attrName>style.visibility</p:attrName>
@@ -17977,7 +18113,7 @@
                                           </p:stCondLst>
                                         </p:cTn>
                                         <p:tgtEl>
-                                          <p:spTgt spid="199"/>
+                                          <p:spTgt spid="188"/>
                                         </p:tgtEl>
                                         <p:attrNameLst>
                                           <p:attrName>style.visibility</p:attrName>
@@ -17991,7 +18127,7 @@
                                       <p:cBhvr additive="repl">
                                         <p:cTn id="78" dur="500"/>
                                         <p:tgtEl>
-                                          <p:spTgt spid="199"/>
+                                          <p:spTgt spid="188"/>
                                         </p:tgtEl>
                                       </p:cBhvr>
                                     </p:animEffect>
